--- a/Macro 설계.pptx
+++ b/Macro 설계.pptx
@@ -2,12 +2,15 @@
 <file path=ppt/presentation.xml><?xml version="1.0" encoding="utf-8"?>
 <p:presentation xmlns:a="http://schemas.openxmlformats.org/drawingml/2006/main" xmlns:r="http://schemas.openxmlformats.org/officeDocument/2006/relationships" xmlns:p="http://schemas.openxmlformats.org/presentationml/2006/main" saveSubsetFonts="1">
   <p:sldMasterIdLst>
-    <p:sldMasterId id="2147483648" r:id="rId1"/>
+    <p:sldMasterId id="2147483672" r:id="rId1"/>
   </p:sldMasterIdLst>
+  <p:notesMasterIdLst>
+    <p:notesMasterId r:id="rId3"/>
+  </p:notesMasterIdLst>
   <p:sldIdLst>
-    <p:sldId id="256" r:id="rId2"/>
+    <p:sldId id="259" r:id="rId2"/>
   </p:sldIdLst>
-  <p:sldSz cx="12192000" cy="6858000"/>
+  <p:sldSz cx="6858000" cy="9144000" type="screen4x3"/>
   <p:notesSz cx="6858000" cy="9144000"/>
   <p:defaultTextStyle>
     <a:defPPr>
@@ -112,6 +115,440 @@
 </p:presentation>
 </file>
 
+<file path=ppt/notesMasters/notesMaster1.xml><?xml version="1.0" encoding="utf-8"?>
+<p:notesMaster xmlns:a="http://schemas.openxmlformats.org/drawingml/2006/main" xmlns:r="http://schemas.openxmlformats.org/officeDocument/2006/relationships" xmlns:p="http://schemas.openxmlformats.org/presentationml/2006/main">
+  <p:cSld>
+    <p:bg>
+      <p:bgRef idx="1001">
+        <a:schemeClr val="bg1"/>
+      </p:bgRef>
+    </p:bg>
+    <p:spTree>
+      <p:nvGrpSpPr>
+        <p:cNvPr id="1" name=""/>
+        <p:cNvGrpSpPr/>
+        <p:nvPr/>
+      </p:nvGrpSpPr>
+      <p:grpSpPr>
+        <a:xfrm>
+          <a:off x="0" y="0"/>
+          <a:ext cx="0" cy="0"/>
+          <a:chOff x="0" y="0"/>
+          <a:chExt cx="0" cy="0"/>
+        </a:xfrm>
+      </p:grpSpPr>
+      <p:sp>
+        <p:nvSpPr>
+          <p:cNvPr id="2" name="머리글 개체 틀 1"/>
+          <p:cNvSpPr>
+            <a:spLocks noGrp="1"/>
+          </p:cNvSpPr>
+          <p:nvPr>
+            <p:ph type="hdr" sz="quarter"/>
+          </p:nvPr>
+        </p:nvSpPr>
+        <p:spPr>
+          <a:xfrm>
+            <a:off x="0" y="0"/>
+            <a:ext cx="2971800" cy="458788"/>
+          </a:xfrm>
+          <a:prstGeom prst="rect">
+            <a:avLst/>
+          </a:prstGeom>
+        </p:spPr>
+        <p:txBody>
+          <a:bodyPr vert="horz" lIns="91440" tIns="45720" rIns="91440" bIns="45720" rtlCol="0"/>
+          <a:lstStyle>
+            <a:lvl1pPr algn="l">
+              <a:defRPr sz="1200"/>
+            </a:lvl1pPr>
+          </a:lstStyle>
+          <a:p>
+            <a:endParaRPr lang="ko-KR" altLang="en-US"/>
+          </a:p>
+        </p:txBody>
+      </p:sp>
+      <p:sp>
+        <p:nvSpPr>
+          <p:cNvPr id="3" name="날짜 개체 틀 2"/>
+          <p:cNvSpPr>
+            <a:spLocks noGrp="1"/>
+          </p:cNvSpPr>
+          <p:nvPr>
+            <p:ph type="dt" idx="1"/>
+          </p:nvPr>
+        </p:nvSpPr>
+        <p:spPr>
+          <a:xfrm>
+            <a:off x="3884613" y="0"/>
+            <a:ext cx="2971800" cy="458788"/>
+          </a:xfrm>
+          <a:prstGeom prst="rect">
+            <a:avLst/>
+          </a:prstGeom>
+        </p:spPr>
+        <p:txBody>
+          <a:bodyPr vert="horz" lIns="91440" tIns="45720" rIns="91440" bIns="45720" rtlCol="0"/>
+          <a:lstStyle>
+            <a:lvl1pPr algn="r">
+              <a:defRPr sz="1200"/>
+            </a:lvl1pPr>
+          </a:lstStyle>
+          <a:p>
+            <a:fld id="{6058838A-10B2-4EDE-A302-09EB4D48202D}" type="datetimeFigureOut">
+              <a:rPr lang="ko-KR" altLang="en-US" smtClean="0"/>
+              <a:t>2018-03-01</a:t>
+            </a:fld>
+            <a:endParaRPr lang="ko-KR" altLang="en-US"/>
+          </a:p>
+        </p:txBody>
+      </p:sp>
+      <p:sp>
+        <p:nvSpPr>
+          <p:cNvPr id="4" name="슬라이드 이미지 개체 틀 3"/>
+          <p:cNvSpPr>
+            <a:spLocks noGrp="1" noRot="1" noChangeAspect="1"/>
+          </p:cNvSpPr>
+          <p:nvPr>
+            <p:ph type="sldImg" idx="2"/>
+          </p:nvPr>
+        </p:nvSpPr>
+        <p:spPr>
+          <a:xfrm>
+            <a:off x="2271713" y="1143000"/>
+            <a:ext cx="2314575" cy="3086100"/>
+          </a:xfrm>
+          <a:prstGeom prst="rect">
+            <a:avLst/>
+          </a:prstGeom>
+          <a:noFill/>
+          <a:ln w="12700">
+            <a:solidFill>
+              <a:prstClr val="black"/>
+            </a:solidFill>
+          </a:ln>
+        </p:spPr>
+        <p:txBody>
+          <a:bodyPr vert="horz" lIns="91440" tIns="45720" rIns="91440" bIns="45720" rtlCol="0" anchor="ctr"/>
+          <a:lstStyle/>
+          <a:p>
+            <a:endParaRPr lang="ko-KR" altLang="en-US"/>
+          </a:p>
+        </p:txBody>
+      </p:sp>
+      <p:sp>
+        <p:nvSpPr>
+          <p:cNvPr id="5" name="슬라이드 노트 개체 틀 4"/>
+          <p:cNvSpPr>
+            <a:spLocks noGrp="1"/>
+          </p:cNvSpPr>
+          <p:nvPr>
+            <p:ph type="body" sz="quarter" idx="3"/>
+          </p:nvPr>
+        </p:nvSpPr>
+        <p:spPr>
+          <a:xfrm>
+            <a:off x="685800" y="4400550"/>
+            <a:ext cx="5486400" cy="3600450"/>
+          </a:xfrm>
+          <a:prstGeom prst="rect">
+            <a:avLst/>
+          </a:prstGeom>
+        </p:spPr>
+        <p:txBody>
+          <a:bodyPr vert="horz" lIns="91440" tIns="45720" rIns="91440" bIns="45720" rtlCol="0"/>
+          <a:lstStyle/>
+          <a:p>
+            <a:pPr lvl="0"/>
+            <a:r>
+              <a:rPr lang="ko-KR" altLang="en-US" smtClean="0"/>
+              <a:t>마스터 텍스트 스타일을 편집합니다</a:t>
+            </a:r>
+          </a:p>
+          <a:p>
+            <a:pPr lvl="1"/>
+            <a:r>
+              <a:rPr lang="ko-KR" altLang="en-US" smtClean="0"/>
+              <a:t>둘째 수준</a:t>
+            </a:r>
+          </a:p>
+          <a:p>
+            <a:pPr lvl="2"/>
+            <a:r>
+              <a:rPr lang="ko-KR" altLang="en-US" smtClean="0"/>
+              <a:t>셋째 수준</a:t>
+            </a:r>
+          </a:p>
+          <a:p>
+            <a:pPr lvl="3"/>
+            <a:r>
+              <a:rPr lang="ko-KR" altLang="en-US" smtClean="0"/>
+              <a:t>넷째 수준</a:t>
+            </a:r>
+          </a:p>
+          <a:p>
+            <a:pPr lvl="4"/>
+            <a:r>
+              <a:rPr lang="ko-KR" altLang="en-US" smtClean="0"/>
+              <a:t>다섯째 수준</a:t>
+            </a:r>
+            <a:endParaRPr lang="ko-KR" altLang="en-US"/>
+          </a:p>
+        </p:txBody>
+      </p:sp>
+      <p:sp>
+        <p:nvSpPr>
+          <p:cNvPr id="6" name="바닥글 개체 틀 5"/>
+          <p:cNvSpPr>
+            <a:spLocks noGrp="1"/>
+          </p:cNvSpPr>
+          <p:nvPr>
+            <p:ph type="ftr" sz="quarter" idx="4"/>
+          </p:nvPr>
+        </p:nvSpPr>
+        <p:spPr>
+          <a:xfrm>
+            <a:off x="0" y="8685213"/>
+            <a:ext cx="2971800" cy="458787"/>
+          </a:xfrm>
+          <a:prstGeom prst="rect">
+            <a:avLst/>
+          </a:prstGeom>
+        </p:spPr>
+        <p:txBody>
+          <a:bodyPr vert="horz" lIns="91440" tIns="45720" rIns="91440" bIns="45720" rtlCol="0" anchor="b"/>
+          <a:lstStyle>
+            <a:lvl1pPr algn="l">
+              <a:defRPr sz="1200"/>
+            </a:lvl1pPr>
+          </a:lstStyle>
+          <a:p>
+            <a:endParaRPr lang="ko-KR" altLang="en-US"/>
+          </a:p>
+        </p:txBody>
+      </p:sp>
+      <p:sp>
+        <p:nvSpPr>
+          <p:cNvPr id="7" name="슬라이드 번호 개체 틀 6"/>
+          <p:cNvSpPr>
+            <a:spLocks noGrp="1"/>
+          </p:cNvSpPr>
+          <p:nvPr>
+            <p:ph type="sldNum" sz="quarter" idx="5"/>
+          </p:nvPr>
+        </p:nvSpPr>
+        <p:spPr>
+          <a:xfrm>
+            <a:off x="3884613" y="8685213"/>
+            <a:ext cx="2971800" cy="458787"/>
+          </a:xfrm>
+          <a:prstGeom prst="rect">
+            <a:avLst/>
+          </a:prstGeom>
+        </p:spPr>
+        <p:txBody>
+          <a:bodyPr vert="horz" lIns="91440" tIns="45720" rIns="91440" bIns="45720" rtlCol="0" anchor="b"/>
+          <a:lstStyle>
+            <a:lvl1pPr algn="r">
+              <a:defRPr sz="1200"/>
+            </a:lvl1pPr>
+          </a:lstStyle>
+          <a:p>
+            <a:fld id="{9C8501DE-2B93-45B2-82EE-B91B19B62B1A}" type="slidenum">
+              <a:rPr lang="ko-KR" altLang="en-US" smtClean="0"/>
+              <a:t>‹#›</a:t>
+            </a:fld>
+            <a:endParaRPr lang="ko-KR" altLang="en-US"/>
+          </a:p>
+        </p:txBody>
+      </p:sp>
+    </p:spTree>
+    <p:extLst>
+      <p:ext uri="{BB962C8B-B14F-4D97-AF65-F5344CB8AC3E}">
+        <p14:creationId xmlns:p14="http://schemas.microsoft.com/office/powerpoint/2010/main" val="1310764152"/>
+      </p:ext>
+    </p:extLst>
+  </p:cSld>
+  <p:clrMap bg1="lt1" tx1="dk1" bg2="lt2" tx2="dk2" accent1="accent1" accent2="accent2" accent3="accent3" accent4="accent4" accent5="accent5" accent6="accent6" hlink="hlink" folHlink="folHlink"/>
+  <p:notesStyle>
+    <a:lvl1pPr marL="0" algn="l" defTabSz="914400" rtl="0" eaLnBrk="1" latinLnBrk="1" hangingPunct="1">
+      <a:defRPr sz="1200" kern="1200">
+        <a:solidFill>
+          <a:schemeClr val="tx1"/>
+        </a:solidFill>
+        <a:latin typeface="+mn-lt"/>
+        <a:ea typeface="+mn-ea"/>
+        <a:cs typeface="+mn-cs"/>
+      </a:defRPr>
+    </a:lvl1pPr>
+    <a:lvl2pPr marL="457200" algn="l" defTabSz="914400" rtl="0" eaLnBrk="1" latinLnBrk="1" hangingPunct="1">
+      <a:defRPr sz="1200" kern="1200">
+        <a:solidFill>
+          <a:schemeClr val="tx1"/>
+        </a:solidFill>
+        <a:latin typeface="+mn-lt"/>
+        <a:ea typeface="+mn-ea"/>
+        <a:cs typeface="+mn-cs"/>
+      </a:defRPr>
+    </a:lvl2pPr>
+    <a:lvl3pPr marL="914400" algn="l" defTabSz="914400" rtl="0" eaLnBrk="1" latinLnBrk="1" hangingPunct="1">
+      <a:defRPr sz="1200" kern="1200">
+        <a:solidFill>
+          <a:schemeClr val="tx1"/>
+        </a:solidFill>
+        <a:latin typeface="+mn-lt"/>
+        <a:ea typeface="+mn-ea"/>
+        <a:cs typeface="+mn-cs"/>
+      </a:defRPr>
+    </a:lvl3pPr>
+    <a:lvl4pPr marL="1371600" algn="l" defTabSz="914400" rtl="0" eaLnBrk="1" latinLnBrk="1" hangingPunct="1">
+      <a:defRPr sz="1200" kern="1200">
+        <a:solidFill>
+          <a:schemeClr val="tx1"/>
+        </a:solidFill>
+        <a:latin typeface="+mn-lt"/>
+        <a:ea typeface="+mn-ea"/>
+        <a:cs typeface="+mn-cs"/>
+      </a:defRPr>
+    </a:lvl4pPr>
+    <a:lvl5pPr marL="1828800" algn="l" defTabSz="914400" rtl="0" eaLnBrk="1" latinLnBrk="1" hangingPunct="1">
+      <a:defRPr sz="1200" kern="1200">
+        <a:solidFill>
+          <a:schemeClr val="tx1"/>
+        </a:solidFill>
+        <a:latin typeface="+mn-lt"/>
+        <a:ea typeface="+mn-ea"/>
+        <a:cs typeface="+mn-cs"/>
+      </a:defRPr>
+    </a:lvl5pPr>
+    <a:lvl6pPr marL="2286000" algn="l" defTabSz="914400" rtl="0" eaLnBrk="1" latinLnBrk="1" hangingPunct="1">
+      <a:defRPr sz="1200" kern="1200">
+        <a:solidFill>
+          <a:schemeClr val="tx1"/>
+        </a:solidFill>
+        <a:latin typeface="+mn-lt"/>
+        <a:ea typeface="+mn-ea"/>
+        <a:cs typeface="+mn-cs"/>
+      </a:defRPr>
+    </a:lvl6pPr>
+    <a:lvl7pPr marL="2743200" algn="l" defTabSz="914400" rtl="0" eaLnBrk="1" latinLnBrk="1" hangingPunct="1">
+      <a:defRPr sz="1200" kern="1200">
+        <a:solidFill>
+          <a:schemeClr val="tx1"/>
+        </a:solidFill>
+        <a:latin typeface="+mn-lt"/>
+        <a:ea typeface="+mn-ea"/>
+        <a:cs typeface="+mn-cs"/>
+      </a:defRPr>
+    </a:lvl7pPr>
+    <a:lvl8pPr marL="3200400" algn="l" defTabSz="914400" rtl="0" eaLnBrk="1" latinLnBrk="1" hangingPunct="1">
+      <a:defRPr sz="1200" kern="1200">
+        <a:solidFill>
+          <a:schemeClr val="tx1"/>
+        </a:solidFill>
+        <a:latin typeface="+mn-lt"/>
+        <a:ea typeface="+mn-ea"/>
+        <a:cs typeface="+mn-cs"/>
+      </a:defRPr>
+    </a:lvl8pPr>
+    <a:lvl9pPr marL="3657600" algn="l" defTabSz="914400" rtl="0" eaLnBrk="1" latinLnBrk="1" hangingPunct="1">
+      <a:defRPr sz="1200" kern="1200">
+        <a:solidFill>
+          <a:schemeClr val="tx1"/>
+        </a:solidFill>
+        <a:latin typeface="+mn-lt"/>
+        <a:ea typeface="+mn-ea"/>
+        <a:cs typeface="+mn-cs"/>
+      </a:defRPr>
+    </a:lvl9pPr>
+  </p:notesStyle>
+</p:notesMaster>
+</file>
+
+<file path=ppt/notesSlides/notesSlide1.xml><?xml version="1.0" encoding="utf-8"?>
+<p:notes xmlns:a="http://schemas.openxmlformats.org/drawingml/2006/main" xmlns:r="http://schemas.openxmlformats.org/officeDocument/2006/relationships" xmlns:p="http://schemas.openxmlformats.org/presentationml/2006/main">
+  <p:cSld>
+    <p:spTree>
+      <p:nvGrpSpPr>
+        <p:cNvPr id="1" name=""/>
+        <p:cNvGrpSpPr/>
+        <p:nvPr/>
+      </p:nvGrpSpPr>
+      <p:grpSpPr>
+        <a:xfrm>
+          <a:off x="0" y="0"/>
+          <a:ext cx="0" cy="0"/>
+          <a:chOff x="0" y="0"/>
+          <a:chExt cx="0" cy="0"/>
+        </a:xfrm>
+      </p:grpSpPr>
+      <p:sp>
+        <p:nvSpPr>
+          <p:cNvPr id="2" name="슬라이드 이미지 개체 틀 1"/>
+          <p:cNvSpPr>
+            <a:spLocks noGrp="1" noRot="1" noChangeAspect="1"/>
+          </p:cNvSpPr>
+          <p:nvPr>
+            <p:ph type="sldImg"/>
+          </p:nvPr>
+        </p:nvSpPr>
+        <p:spPr/>
+      </p:sp>
+      <p:sp>
+        <p:nvSpPr>
+          <p:cNvPr id="3" name="슬라이드 노트 개체 틀 2"/>
+          <p:cNvSpPr>
+            <a:spLocks noGrp="1"/>
+          </p:cNvSpPr>
+          <p:nvPr>
+            <p:ph type="body" idx="1"/>
+          </p:nvPr>
+        </p:nvSpPr>
+        <p:spPr/>
+        <p:txBody>
+          <a:bodyPr/>
+          <a:lstStyle/>
+          <a:p>
+            <a:endParaRPr lang="ko-KR" altLang="en-US" dirty="0"/>
+          </a:p>
+        </p:txBody>
+      </p:sp>
+      <p:sp>
+        <p:nvSpPr>
+          <p:cNvPr id="4" name="슬라이드 번호 개체 틀 3"/>
+          <p:cNvSpPr>
+            <a:spLocks noGrp="1"/>
+          </p:cNvSpPr>
+          <p:nvPr>
+            <p:ph type="sldNum" sz="quarter" idx="10"/>
+          </p:nvPr>
+        </p:nvSpPr>
+        <p:spPr/>
+        <p:txBody>
+          <a:bodyPr/>
+          <a:lstStyle/>
+          <a:p>
+            <a:fld id="{9C8501DE-2B93-45B2-82EE-B91B19B62B1A}" type="slidenum">
+              <a:rPr lang="ko-KR" altLang="en-US" smtClean="0"/>
+              <a:t>1</a:t>
+            </a:fld>
+            <a:endParaRPr lang="ko-KR" altLang="en-US"/>
+          </a:p>
+        </p:txBody>
+      </p:sp>
+    </p:spTree>
+    <p:extLst>
+      <p:ext uri="{BB962C8B-B14F-4D97-AF65-F5344CB8AC3E}">
+        <p14:creationId xmlns:p14="http://schemas.microsoft.com/office/powerpoint/2010/main" val="3611029643"/>
+      </p:ext>
+    </p:extLst>
+  </p:cSld>
+  <p:clrMapOvr>
+    <a:masterClrMapping/>
+  </p:clrMapOvr>
+</p:notes>
+</file>
+
 <file path=ppt/slideLayouts/slideLayout1.xml><?xml version="1.0" encoding="utf-8"?>
 <p:sldLayout xmlns:a="http://schemas.openxmlformats.org/drawingml/2006/main" xmlns:r="http://schemas.openxmlformats.org/officeDocument/2006/relationships" xmlns:p="http://schemas.openxmlformats.org/presentationml/2006/main" type="title" preserve="1">
   <p:cSld name="제목 슬라이드">
@@ -131,7 +568,7 @@
       </p:grpSpPr>
       <p:sp>
         <p:nvSpPr>
-          <p:cNvPr id="2" name="제목 1"/>
+          <p:cNvPr id="2" name="Title 1"/>
           <p:cNvSpPr>
             <a:spLocks noGrp="1"/>
           </p:cNvSpPr>
@@ -141,15 +578,15 @@
         </p:nvSpPr>
         <p:spPr>
           <a:xfrm>
-            <a:off x="1524000" y="1122363"/>
-            <a:ext cx="9144000" cy="2387600"/>
+            <a:off x="514350" y="1496484"/>
+            <a:ext cx="5829300" cy="3183467"/>
           </a:xfrm>
         </p:spPr>
         <p:txBody>
           <a:bodyPr anchor="b"/>
           <a:lstStyle>
             <a:lvl1pPr algn="ctr">
-              <a:defRPr sz="6000"/>
+              <a:defRPr sz="4500"/>
             </a:lvl1pPr>
           </a:lstStyle>
           <a:p>
@@ -157,13 +594,13 @@
               <a:rPr lang="ko-KR" altLang="en-US" smtClean="0"/>
               <a:t>마스터 제목 스타일 편집</a:t>
             </a:r>
-            <a:endParaRPr lang="ko-KR" altLang="en-US"/>
-          </a:p>
-        </p:txBody>
-      </p:sp>
-      <p:sp>
-        <p:nvSpPr>
-          <p:cNvPr id="3" name="부제목 2"/>
+            <a:endParaRPr lang="en-US" dirty="0"/>
+          </a:p>
+        </p:txBody>
+      </p:sp>
+      <p:sp>
+        <p:nvSpPr>
+          <p:cNvPr id="3" name="Subtitle 2"/>
           <p:cNvSpPr>
             <a:spLocks noGrp="1"/>
           </p:cNvSpPr>
@@ -173,8 +610,8 @@
         </p:nvSpPr>
         <p:spPr>
           <a:xfrm>
-            <a:off x="1524000" y="3602038"/>
-            <a:ext cx="9144000" cy="1655762"/>
+            <a:off x="857250" y="4802717"/>
+            <a:ext cx="5143500" cy="2207683"/>
           </a:xfrm>
         </p:spPr>
         <p:txBody>
@@ -182,53 +619,53 @@
           <a:lstStyle>
             <a:lvl1pPr marL="0" indent="0" algn="ctr">
               <a:buNone/>
-              <a:defRPr sz="2400"/>
+              <a:defRPr sz="1800"/>
             </a:lvl1pPr>
-            <a:lvl2pPr marL="457200" indent="0" algn="ctr">
+            <a:lvl2pPr marL="342900" indent="0" algn="ctr">
               <a:buNone/>
-              <a:defRPr sz="2000"/>
+              <a:defRPr sz="1500"/>
             </a:lvl2pPr>
-            <a:lvl3pPr marL="914400" indent="0" algn="ctr">
+            <a:lvl3pPr marL="685800" indent="0" algn="ctr">
               <a:buNone/>
-              <a:defRPr sz="1800"/>
+              <a:defRPr sz="1350"/>
             </a:lvl3pPr>
-            <a:lvl4pPr marL="1371600" indent="0" algn="ctr">
+            <a:lvl4pPr marL="1028700" indent="0" algn="ctr">
               <a:buNone/>
-              <a:defRPr sz="1600"/>
+              <a:defRPr sz="1200"/>
             </a:lvl4pPr>
-            <a:lvl5pPr marL="1828800" indent="0" algn="ctr">
+            <a:lvl5pPr marL="1371600" indent="0" algn="ctr">
               <a:buNone/>
-              <a:defRPr sz="1600"/>
+              <a:defRPr sz="1200"/>
             </a:lvl5pPr>
-            <a:lvl6pPr marL="2286000" indent="0" algn="ctr">
+            <a:lvl6pPr marL="1714500" indent="0" algn="ctr">
               <a:buNone/>
-              <a:defRPr sz="1600"/>
+              <a:defRPr sz="1200"/>
             </a:lvl6pPr>
-            <a:lvl7pPr marL="2743200" indent="0" algn="ctr">
+            <a:lvl7pPr marL="2057400" indent="0" algn="ctr">
               <a:buNone/>
-              <a:defRPr sz="1600"/>
+              <a:defRPr sz="1200"/>
             </a:lvl7pPr>
-            <a:lvl8pPr marL="3200400" indent="0" algn="ctr">
+            <a:lvl8pPr marL="2400300" indent="0" algn="ctr">
               <a:buNone/>
-              <a:defRPr sz="1600"/>
+              <a:defRPr sz="1200"/>
             </a:lvl8pPr>
-            <a:lvl9pPr marL="3657600" indent="0" algn="ctr">
+            <a:lvl9pPr marL="2743200" indent="0" algn="ctr">
               <a:buNone/>
-              <a:defRPr sz="1600"/>
+              <a:defRPr sz="1200"/>
             </a:lvl9pPr>
           </a:lstStyle>
           <a:p>
             <a:r>
               <a:rPr lang="ko-KR" altLang="en-US" smtClean="0"/>
-              <a:t>클릭하여 마스터 부제목 스타일 편집</a:t>
-            </a:r>
-            <a:endParaRPr lang="ko-KR" altLang="en-US"/>
-          </a:p>
-        </p:txBody>
-      </p:sp>
-      <p:sp>
-        <p:nvSpPr>
-          <p:cNvPr id="4" name="날짜 개체 틀 3"/>
+              <a:t>마스터 부제목 스타일 편집</a:t>
+            </a:r>
+            <a:endParaRPr lang="en-US" dirty="0"/>
+          </a:p>
+        </p:txBody>
+      </p:sp>
+      <p:sp>
+        <p:nvSpPr>
+          <p:cNvPr id="4" name="Date Placeholder 3"/>
           <p:cNvSpPr>
             <a:spLocks noGrp="1"/>
           </p:cNvSpPr>
@@ -243,7 +680,7 @@
           <a:p>
             <a:fld id="{04540ACD-BC2E-4EBE-987A-42A8EBDEC663}" type="datetimeFigureOut">
               <a:rPr lang="ko-KR" altLang="en-US" smtClean="0"/>
-              <a:t>2018-02-17</a:t>
+              <a:t>2018-03-01</a:t>
             </a:fld>
             <a:endParaRPr lang="ko-KR" altLang="en-US"/>
           </a:p>
@@ -251,7 +688,7 @@
       </p:sp>
       <p:sp>
         <p:nvSpPr>
-          <p:cNvPr id="5" name="바닥글 개체 틀 4"/>
+          <p:cNvPr id="5" name="Footer Placeholder 4"/>
           <p:cNvSpPr>
             <a:spLocks noGrp="1"/>
           </p:cNvSpPr>
@@ -270,7 +707,7 @@
       </p:sp>
       <p:sp>
         <p:nvSpPr>
-          <p:cNvPr id="6" name="슬라이드 번호 개체 틀 5"/>
+          <p:cNvPr id="6" name="Slide Number Placeholder 5"/>
           <p:cNvSpPr>
             <a:spLocks noGrp="1"/>
           </p:cNvSpPr>
@@ -294,7 +731,7 @@
     </p:spTree>
     <p:extLst>
       <p:ext uri="{BB962C8B-B14F-4D97-AF65-F5344CB8AC3E}">
-        <p14:creationId xmlns:p14="http://schemas.microsoft.com/office/powerpoint/2010/main" val="295377046"/>
+        <p14:creationId xmlns:p14="http://schemas.microsoft.com/office/powerpoint/2010/main" val="1127232761"/>
       </p:ext>
     </p:extLst>
   </p:cSld>
@@ -323,7 +760,7 @@
       </p:grpSpPr>
       <p:sp>
         <p:nvSpPr>
-          <p:cNvPr id="2" name="제목 1"/>
+          <p:cNvPr id="2" name="Title 1"/>
           <p:cNvSpPr>
             <a:spLocks noGrp="1"/>
           </p:cNvSpPr>
@@ -340,13 +777,13 @@
               <a:rPr lang="ko-KR" altLang="en-US" smtClean="0"/>
               <a:t>마스터 제목 스타일 편집</a:t>
             </a:r>
-            <a:endParaRPr lang="ko-KR" altLang="en-US"/>
-          </a:p>
-        </p:txBody>
-      </p:sp>
-      <p:sp>
-        <p:nvSpPr>
-          <p:cNvPr id="3" name="세로 텍스트 개체 틀 2"/>
+            <a:endParaRPr lang="en-US" dirty="0"/>
+          </a:p>
+        </p:txBody>
+      </p:sp>
+      <p:sp>
+        <p:nvSpPr>
+          <p:cNvPr id="3" name="Vertical Text Placeholder 2"/>
           <p:cNvSpPr>
             <a:spLocks noGrp="1"/>
           </p:cNvSpPr>
@@ -362,7 +799,7 @@
             <a:pPr lvl="0"/>
             <a:r>
               <a:rPr lang="ko-KR" altLang="en-US" smtClean="0"/>
-              <a:t>마스터 텍스트 스타일 편집</a:t>
+              <a:t>마스터 텍스트 스타일을 편집합니다</a:t>
             </a:r>
           </a:p>
           <a:p>
@@ -392,13 +829,13 @@
               <a:rPr lang="ko-KR" altLang="en-US" smtClean="0"/>
               <a:t>다섯째 수준</a:t>
             </a:r>
-            <a:endParaRPr lang="ko-KR" altLang="en-US"/>
-          </a:p>
-        </p:txBody>
-      </p:sp>
-      <p:sp>
-        <p:nvSpPr>
-          <p:cNvPr id="4" name="날짜 개체 틀 3"/>
+            <a:endParaRPr lang="en-US" dirty="0"/>
+          </a:p>
+        </p:txBody>
+      </p:sp>
+      <p:sp>
+        <p:nvSpPr>
+          <p:cNvPr id="4" name="Date Placeholder 3"/>
           <p:cNvSpPr>
             <a:spLocks noGrp="1"/>
           </p:cNvSpPr>
@@ -413,7 +850,7 @@
           <a:p>
             <a:fld id="{04540ACD-BC2E-4EBE-987A-42A8EBDEC663}" type="datetimeFigureOut">
               <a:rPr lang="ko-KR" altLang="en-US" smtClean="0"/>
-              <a:t>2018-02-17</a:t>
+              <a:t>2018-03-01</a:t>
             </a:fld>
             <a:endParaRPr lang="ko-KR" altLang="en-US"/>
           </a:p>
@@ -421,7 +858,7 @@
       </p:sp>
       <p:sp>
         <p:nvSpPr>
-          <p:cNvPr id="5" name="바닥글 개체 틀 4"/>
+          <p:cNvPr id="5" name="Footer Placeholder 4"/>
           <p:cNvSpPr>
             <a:spLocks noGrp="1"/>
           </p:cNvSpPr>
@@ -440,7 +877,7 @@
       </p:sp>
       <p:sp>
         <p:nvSpPr>
-          <p:cNvPr id="6" name="슬라이드 번호 개체 틀 5"/>
+          <p:cNvPr id="6" name="Slide Number Placeholder 5"/>
           <p:cNvSpPr>
             <a:spLocks noGrp="1"/>
           </p:cNvSpPr>
@@ -464,7 +901,7 @@
     </p:spTree>
     <p:extLst>
       <p:ext uri="{BB962C8B-B14F-4D97-AF65-F5344CB8AC3E}">
-        <p14:creationId xmlns:p14="http://schemas.microsoft.com/office/powerpoint/2010/main" val="4032609724"/>
+        <p14:creationId xmlns:p14="http://schemas.microsoft.com/office/powerpoint/2010/main" val="3248589513"/>
       </p:ext>
     </p:extLst>
   </p:cSld>
@@ -493,7 +930,7 @@
       </p:grpSpPr>
       <p:sp>
         <p:nvSpPr>
-          <p:cNvPr id="2" name="세로 제목 1"/>
+          <p:cNvPr id="2" name="Vertical Title 1"/>
           <p:cNvSpPr>
             <a:spLocks noGrp="1"/>
           </p:cNvSpPr>
@@ -503,8 +940,8 @@
         </p:nvSpPr>
         <p:spPr>
           <a:xfrm>
-            <a:off x="8724900" y="365125"/>
-            <a:ext cx="2628900" cy="5811838"/>
+            <a:off x="4907757" y="486834"/>
+            <a:ext cx="1478756" cy="7749117"/>
           </a:xfrm>
         </p:spPr>
         <p:txBody>
@@ -515,13 +952,13 @@
               <a:rPr lang="ko-KR" altLang="en-US" smtClean="0"/>
               <a:t>마스터 제목 스타일 편집</a:t>
             </a:r>
-            <a:endParaRPr lang="ko-KR" altLang="en-US"/>
-          </a:p>
-        </p:txBody>
-      </p:sp>
-      <p:sp>
-        <p:nvSpPr>
-          <p:cNvPr id="3" name="세로 텍스트 개체 틀 2"/>
+            <a:endParaRPr lang="en-US" dirty="0"/>
+          </a:p>
+        </p:txBody>
+      </p:sp>
+      <p:sp>
+        <p:nvSpPr>
+          <p:cNvPr id="3" name="Vertical Text Placeholder 2"/>
           <p:cNvSpPr>
             <a:spLocks noGrp="1"/>
           </p:cNvSpPr>
@@ -531,8 +968,8 @@
         </p:nvSpPr>
         <p:spPr>
           <a:xfrm>
-            <a:off x="838200" y="365125"/>
-            <a:ext cx="7734300" cy="5811838"/>
+            <a:off x="471488" y="486834"/>
+            <a:ext cx="4350544" cy="7749117"/>
           </a:xfrm>
         </p:spPr>
         <p:txBody>
@@ -542,7 +979,7 @@
             <a:pPr lvl="0"/>
             <a:r>
               <a:rPr lang="ko-KR" altLang="en-US" smtClean="0"/>
-              <a:t>마스터 텍스트 스타일 편집</a:t>
+              <a:t>마스터 텍스트 스타일을 편집합니다</a:t>
             </a:r>
           </a:p>
           <a:p>
@@ -572,13 +1009,13 @@
               <a:rPr lang="ko-KR" altLang="en-US" smtClean="0"/>
               <a:t>다섯째 수준</a:t>
             </a:r>
-            <a:endParaRPr lang="ko-KR" altLang="en-US"/>
-          </a:p>
-        </p:txBody>
-      </p:sp>
-      <p:sp>
-        <p:nvSpPr>
-          <p:cNvPr id="4" name="날짜 개체 틀 3"/>
+            <a:endParaRPr lang="en-US" dirty="0"/>
+          </a:p>
+        </p:txBody>
+      </p:sp>
+      <p:sp>
+        <p:nvSpPr>
+          <p:cNvPr id="4" name="Date Placeholder 3"/>
           <p:cNvSpPr>
             <a:spLocks noGrp="1"/>
           </p:cNvSpPr>
@@ -593,7 +1030,7 @@
           <a:p>
             <a:fld id="{04540ACD-BC2E-4EBE-987A-42A8EBDEC663}" type="datetimeFigureOut">
               <a:rPr lang="ko-KR" altLang="en-US" smtClean="0"/>
-              <a:t>2018-02-17</a:t>
+              <a:t>2018-03-01</a:t>
             </a:fld>
             <a:endParaRPr lang="ko-KR" altLang="en-US"/>
           </a:p>
@@ -601,7 +1038,7 @@
       </p:sp>
       <p:sp>
         <p:nvSpPr>
-          <p:cNvPr id="5" name="바닥글 개체 틀 4"/>
+          <p:cNvPr id="5" name="Footer Placeholder 4"/>
           <p:cNvSpPr>
             <a:spLocks noGrp="1"/>
           </p:cNvSpPr>
@@ -620,7 +1057,7 @@
       </p:sp>
       <p:sp>
         <p:nvSpPr>
-          <p:cNvPr id="6" name="슬라이드 번호 개체 틀 5"/>
+          <p:cNvPr id="6" name="Slide Number Placeholder 5"/>
           <p:cNvSpPr>
             <a:spLocks noGrp="1"/>
           </p:cNvSpPr>
@@ -644,7 +1081,7 @@
     </p:spTree>
     <p:extLst>
       <p:ext uri="{BB962C8B-B14F-4D97-AF65-F5344CB8AC3E}">
-        <p14:creationId xmlns:p14="http://schemas.microsoft.com/office/powerpoint/2010/main" val="953723150"/>
+        <p14:creationId xmlns:p14="http://schemas.microsoft.com/office/powerpoint/2010/main" val="1626700813"/>
       </p:ext>
     </p:extLst>
   </p:cSld>
@@ -673,7 +1110,7 @@
       </p:grpSpPr>
       <p:sp>
         <p:nvSpPr>
-          <p:cNvPr id="2" name="제목 1"/>
+          <p:cNvPr id="2" name="Title 1"/>
           <p:cNvSpPr>
             <a:spLocks noGrp="1"/>
           </p:cNvSpPr>
@@ -690,13 +1127,13 @@
               <a:rPr lang="ko-KR" altLang="en-US" smtClean="0"/>
               <a:t>마스터 제목 스타일 편집</a:t>
             </a:r>
-            <a:endParaRPr lang="ko-KR" altLang="en-US"/>
-          </a:p>
-        </p:txBody>
-      </p:sp>
-      <p:sp>
-        <p:nvSpPr>
-          <p:cNvPr id="3" name="내용 개체 틀 2"/>
+            <a:endParaRPr lang="en-US" dirty="0"/>
+          </a:p>
+        </p:txBody>
+      </p:sp>
+      <p:sp>
+        <p:nvSpPr>
+          <p:cNvPr id="3" name="Content Placeholder 2"/>
           <p:cNvSpPr>
             <a:spLocks noGrp="1"/>
           </p:cNvSpPr>
@@ -712,7 +1149,7 @@
             <a:pPr lvl="0"/>
             <a:r>
               <a:rPr lang="ko-KR" altLang="en-US" smtClean="0"/>
-              <a:t>마스터 텍스트 스타일 편집</a:t>
+              <a:t>마스터 텍스트 스타일을 편집합니다</a:t>
             </a:r>
           </a:p>
           <a:p>
@@ -742,13 +1179,13 @@
               <a:rPr lang="ko-KR" altLang="en-US" smtClean="0"/>
               <a:t>다섯째 수준</a:t>
             </a:r>
-            <a:endParaRPr lang="ko-KR" altLang="en-US"/>
-          </a:p>
-        </p:txBody>
-      </p:sp>
-      <p:sp>
-        <p:nvSpPr>
-          <p:cNvPr id="4" name="날짜 개체 틀 3"/>
+            <a:endParaRPr lang="en-US" dirty="0"/>
+          </a:p>
+        </p:txBody>
+      </p:sp>
+      <p:sp>
+        <p:nvSpPr>
+          <p:cNvPr id="4" name="Date Placeholder 3"/>
           <p:cNvSpPr>
             <a:spLocks noGrp="1"/>
           </p:cNvSpPr>
@@ -763,7 +1200,7 @@
           <a:p>
             <a:fld id="{04540ACD-BC2E-4EBE-987A-42A8EBDEC663}" type="datetimeFigureOut">
               <a:rPr lang="ko-KR" altLang="en-US" smtClean="0"/>
-              <a:t>2018-02-17</a:t>
+              <a:t>2018-03-01</a:t>
             </a:fld>
             <a:endParaRPr lang="ko-KR" altLang="en-US"/>
           </a:p>
@@ -771,7 +1208,7 @@
       </p:sp>
       <p:sp>
         <p:nvSpPr>
-          <p:cNvPr id="5" name="바닥글 개체 틀 4"/>
+          <p:cNvPr id="5" name="Footer Placeholder 4"/>
           <p:cNvSpPr>
             <a:spLocks noGrp="1"/>
           </p:cNvSpPr>
@@ -790,7 +1227,7 @@
       </p:sp>
       <p:sp>
         <p:nvSpPr>
-          <p:cNvPr id="6" name="슬라이드 번호 개체 틀 5"/>
+          <p:cNvPr id="6" name="Slide Number Placeholder 5"/>
           <p:cNvSpPr>
             <a:spLocks noGrp="1"/>
           </p:cNvSpPr>
@@ -814,7 +1251,7 @@
     </p:spTree>
     <p:extLst>
       <p:ext uri="{BB962C8B-B14F-4D97-AF65-F5344CB8AC3E}">
-        <p14:creationId xmlns:p14="http://schemas.microsoft.com/office/powerpoint/2010/main" val="919820663"/>
+        <p14:creationId xmlns:p14="http://schemas.microsoft.com/office/powerpoint/2010/main" val="2022125943"/>
       </p:ext>
     </p:extLst>
   </p:cSld>
@@ -843,7 +1280,7 @@
       </p:grpSpPr>
       <p:sp>
         <p:nvSpPr>
-          <p:cNvPr id="2" name="제목 1"/>
+          <p:cNvPr id="2" name="Title 1"/>
           <p:cNvSpPr>
             <a:spLocks noGrp="1"/>
           </p:cNvSpPr>
@@ -853,15 +1290,15 @@
         </p:nvSpPr>
         <p:spPr>
           <a:xfrm>
-            <a:off x="831850" y="1709738"/>
-            <a:ext cx="10515600" cy="2852737"/>
+            <a:off x="467916" y="2279653"/>
+            <a:ext cx="5915025" cy="3803649"/>
           </a:xfrm>
         </p:spPr>
         <p:txBody>
           <a:bodyPr anchor="b"/>
           <a:lstStyle>
             <a:lvl1pPr>
-              <a:defRPr sz="6000"/>
+              <a:defRPr sz="4500"/>
             </a:lvl1pPr>
           </a:lstStyle>
           <a:p>
@@ -869,13 +1306,13 @@
               <a:rPr lang="ko-KR" altLang="en-US" smtClean="0"/>
               <a:t>마스터 제목 스타일 편집</a:t>
             </a:r>
-            <a:endParaRPr lang="ko-KR" altLang="en-US"/>
-          </a:p>
-        </p:txBody>
-      </p:sp>
-      <p:sp>
-        <p:nvSpPr>
-          <p:cNvPr id="3" name="텍스트 개체 틀 2"/>
+            <a:endParaRPr lang="en-US" dirty="0"/>
+          </a:p>
+        </p:txBody>
+      </p:sp>
+      <p:sp>
+        <p:nvSpPr>
+          <p:cNvPr id="3" name="Text Placeholder 2"/>
           <p:cNvSpPr>
             <a:spLocks noGrp="1"/>
           </p:cNvSpPr>
@@ -885,8 +1322,8 @@
         </p:nvSpPr>
         <p:spPr>
           <a:xfrm>
-            <a:off x="831850" y="4589463"/>
-            <a:ext cx="10515600" cy="1500187"/>
+            <a:off x="467916" y="6119286"/>
+            <a:ext cx="5915025" cy="2000249"/>
           </a:xfrm>
         </p:spPr>
         <p:txBody>
@@ -894,17 +1331,15 @@
           <a:lstStyle>
             <a:lvl1pPr marL="0" indent="0">
               <a:buNone/>
-              <a:defRPr sz="2400">
+              <a:defRPr sz="1800">
                 <a:solidFill>
-                  <a:schemeClr val="tx1">
-                    <a:tint val="75000"/>
-                  </a:schemeClr>
+                  <a:schemeClr val="tx1"/>
                 </a:solidFill>
               </a:defRPr>
             </a:lvl1pPr>
-            <a:lvl2pPr marL="457200" indent="0">
+            <a:lvl2pPr marL="342900" indent="0">
               <a:buNone/>
-              <a:defRPr sz="2000">
+              <a:defRPr sz="1500">
                 <a:solidFill>
                   <a:schemeClr val="tx1">
                     <a:tint val="75000"/>
@@ -912,9 +1347,9 @@
                 </a:solidFill>
               </a:defRPr>
             </a:lvl2pPr>
-            <a:lvl3pPr marL="914400" indent="0">
+            <a:lvl3pPr marL="685800" indent="0">
               <a:buNone/>
-              <a:defRPr sz="1800">
+              <a:defRPr sz="1350">
                 <a:solidFill>
                   <a:schemeClr val="tx1">
                     <a:tint val="75000"/>
@@ -922,9 +1357,9 @@
                 </a:solidFill>
               </a:defRPr>
             </a:lvl3pPr>
-            <a:lvl4pPr marL="1371600" indent="0">
+            <a:lvl4pPr marL="1028700" indent="0">
               <a:buNone/>
-              <a:defRPr sz="1600">
+              <a:defRPr sz="1200">
                 <a:solidFill>
                   <a:schemeClr val="tx1">
                     <a:tint val="75000"/>
@@ -932,9 +1367,9 @@
                 </a:solidFill>
               </a:defRPr>
             </a:lvl4pPr>
-            <a:lvl5pPr marL="1828800" indent="0">
+            <a:lvl5pPr marL="1371600" indent="0">
               <a:buNone/>
-              <a:defRPr sz="1600">
+              <a:defRPr sz="1200">
                 <a:solidFill>
                   <a:schemeClr val="tx1">
                     <a:tint val="75000"/>
@@ -942,9 +1377,9 @@
                 </a:solidFill>
               </a:defRPr>
             </a:lvl5pPr>
-            <a:lvl6pPr marL="2286000" indent="0">
+            <a:lvl6pPr marL="1714500" indent="0">
               <a:buNone/>
-              <a:defRPr sz="1600">
+              <a:defRPr sz="1200">
                 <a:solidFill>
                   <a:schemeClr val="tx1">
                     <a:tint val="75000"/>
@@ -952,9 +1387,9 @@
                 </a:solidFill>
               </a:defRPr>
             </a:lvl6pPr>
-            <a:lvl7pPr marL="2743200" indent="0">
+            <a:lvl7pPr marL="2057400" indent="0">
               <a:buNone/>
-              <a:defRPr sz="1600">
+              <a:defRPr sz="1200">
                 <a:solidFill>
                   <a:schemeClr val="tx1">
                     <a:tint val="75000"/>
@@ -962,9 +1397,9 @@
                 </a:solidFill>
               </a:defRPr>
             </a:lvl7pPr>
-            <a:lvl8pPr marL="3200400" indent="0">
+            <a:lvl8pPr marL="2400300" indent="0">
               <a:buNone/>
-              <a:defRPr sz="1600">
+              <a:defRPr sz="1200">
                 <a:solidFill>
                   <a:schemeClr val="tx1">
                     <a:tint val="75000"/>
@@ -972,9 +1407,9 @@
                 </a:solidFill>
               </a:defRPr>
             </a:lvl8pPr>
-            <a:lvl9pPr marL="3657600" indent="0">
+            <a:lvl9pPr marL="2743200" indent="0">
               <a:buNone/>
-              <a:defRPr sz="1600">
+              <a:defRPr sz="1200">
                 <a:solidFill>
                   <a:schemeClr val="tx1">
                     <a:tint val="75000"/>
@@ -987,14 +1422,14 @@
             <a:pPr lvl="0"/>
             <a:r>
               <a:rPr lang="ko-KR" altLang="en-US" smtClean="0"/>
-              <a:t>마스터 텍스트 스타일 편집</a:t>
-            </a:r>
-          </a:p>
-        </p:txBody>
-      </p:sp>
-      <p:sp>
-        <p:nvSpPr>
-          <p:cNvPr id="4" name="날짜 개체 틀 3"/>
+              <a:t>마스터 텍스트 스타일을 편집합니다</a:t>
+            </a:r>
+          </a:p>
+        </p:txBody>
+      </p:sp>
+      <p:sp>
+        <p:nvSpPr>
+          <p:cNvPr id="4" name="Date Placeholder 3"/>
           <p:cNvSpPr>
             <a:spLocks noGrp="1"/>
           </p:cNvSpPr>
@@ -1009,7 +1444,7 @@
           <a:p>
             <a:fld id="{04540ACD-BC2E-4EBE-987A-42A8EBDEC663}" type="datetimeFigureOut">
               <a:rPr lang="ko-KR" altLang="en-US" smtClean="0"/>
-              <a:t>2018-02-17</a:t>
+              <a:t>2018-03-01</a:t>
             </a:fld>
             <a:endParaRPr lang="ko-KR" altLang="en-US"/>
           </a:p>
@@ -1017,7 +1452,7 @@
       </p:sp>
       <p:sp>
         <p:nvSpPr>
-          <p:cNvPr id="5" name="바닥글 개체 틀 4"/>
+          <p:cNvPr id="5" name="Footer Placeholder 4"/>
           <p:cNvSpPr>
             <a:spLocks noGrp="1"/>
           </p:cNvSpPr>
@@ -1036,7 +1471,7 @@
       </p:sp>
       <p:sp>
         <p:nvSpPr>
-          <p:cNvPr id="6" name="슬라이드 번호 개체 틀 5"/>
+          <p:cNvPr id="6" name="Slide Number Placeholder 5"/>
           <p:cNvSpPr>
             <a:spLocks noGrp="1"/>
           </p:cNvSpPr>
@@ -1060,7 +1495,7 @@
     </p:spTree>
     <p:extLst>
       <p:ext uri="{BB962C8B-B14F-4D97-AF65-F5344CB8AC3E}">
-        <p14:creationId xmlns:p14="http://schemas.microsoft.com/office/powerpoint/2010/main" val="3322798109"/>
+        <p14:creationId xmlns:p14="http://schemas.microsoft.com/office/powerpoint/2010/main" val="3661332556"/>
       </p:ext>
     </p:extLst>
   </p:cSld>
@@ -1089,7 +1524,7 @@
       </p:grpSpPr>
       <p:sp>
         <p:nvSpPr>
-          <p:cNvPr id="2" name="제목 1"/>
+          <p:cNvPr id="2" name="Title 1"/>
           <p:cNvSpPr>
             <a:spLocks noGrp="1"/>
           </p:cNvSpPr>
@@ -1106,13 +1541,13 @@
               <a:rPr lang="ko-KR" altLang="en-US" smtClean="0"/>
               <a:t>마스터 제목 스타일 편집</a:t>
             </a:r>
-            <a:endParaRPr lang="ko-KR" altLang="en-US"/>
-          </a:p>
-        </p:txBody>
-      </p:sp>
-      <p:sp>
-        <p:nvSpPr>
-          <p:cNvPr id="3" name="내용 개체 틀 2"/>
+            <a:endParaRPr lang="en-US" dirty="0"/>
+          </a:p>
+        </p:txBody>
+      </p:sp>
+      <p:sp>
+        <p:nvSpPr>
+          <p:cNvPr id="3" name="Content Placeholder 2"/>
           <p:cNvSpPr>
             <a:spLocks noGrp="1"/>
           </p:cNvSpPr>
@@ -1122,8 +1557,8 @@
         </p:nvSpPr>
         <p:spPr>
           <a:xfrm>
-            <a:off x="838200" y="1825625"/>
-            <a:ext cx="5181600" cy="4351338"/>
+            <a:off x="471488" y="2434167"/>
+            <a:ext cx="2914650" cy="5801784"/>
           </a:xfrm>
         </p:spPr>
         <p:txBody>
@@ -1133,7 +1568,7 @@
             <a:pPr lvl="0"/>
             <a:r>
               <a:rPr lang="ko-KR" altLang="en-US" smtClean="0"/>
-              <a:t>마스터 텍스트 스타일 편집</a:t>
+              <a:t>마스터 텍스트 스타일을 편집합니다</a:t>
             </a:r>
           </a:p>
           <a:p>
@@ -1163,13 +1598,13 @@
               <a:rPr lang="ko-KR" altLang="en-US" smtClean="0"/>
               <a:t>다섯째 수준</a:t>
             </a:r>
-            <a:endParaRPr lang="ko-KR" altLang="en-US"/>
-          </a:p>
-        </p:txBody>
-      </p:sp>
-      <p:sp>
-        <p:nvSpPr>
-          <p:cNvPr id="4" name="내용 개체 틀 3"/>
+            <a:endParaRPr lang="en-US" dirty="0"/>
+          </a:p>
+        </p:txBody>
+      </p:sp>
+      <p:sp>
+        <p:nvSpPr>
+          <p:cNvPr id="4" name="Content Placeholder 3"/>
           <p:cNvSpPr>
             <a:spLocks noGrp="1"/>
           </p:cNvSpPr>
@@ -1179,8 +1614,8 @@
         </p:nvSpPr>
         <p:spPr>
           <a:xfrm>
-            <a:off x="6172200" y="1825625"/>
-            <a:ext cx="5181600" cy="4351338"/>
+            <a:off x="3471863" y="2434167"/>
+            <a:ext cx="2914650" cy="5801784"/>
           </a:xfrm>
         </p:spPr>
         <p:txBody>
@@ -1190,7 +1625,7 @@
             <a:pPr lvl="0"/>
             <a:r>
               <a:rPr lang="ko-KR" altLang="en-US" smtClean="0"/>
-              <a:t>마스터 텍스트 스타일 편집</a:t>
+              <a:t>마스터 텍스트 스타일을 편집합니다</a:t>
             </a:r>
           </a:p>
           <a:p>
@@ -1220,13 +1655,13 @@
               <a:rPr lang="ko-KR" altLang="en-US" smtClean="0"/>
               <a:t>다섯째 수준</a:t>
             </a:r>
-            <a:endParaRPr lang="ko-KR" altLang="en-US"/>
-          </a:p>
-        </p:txBody>
-      </p:sp>
-      <p:sp>
-        <p:nvSpPr>
-          <p:cNvPr id="5" name="날짜 개체 틀 4"/>
+            <a:endParaRPr lang="en-US" dirty="0"/>
+          </a:p>
+        </p:txBody>
+      </p:sp>
+      <p:sp>
+        <p:nvSpPr>
+          <p:cNvPr id="5" name="Date Placeholder 4"/>
           <p:cNvSpPr>
             <a:spLocks noGrp="1"/>
           </p:cNvSpPr>
@@ -1241,7 +1676,7 @@
           <a:p>
             <a:fld id="{04540ACD-BC2E-4EBE-987A-42A8EBDEC663}" type="datetimeFigureOut">
               <a:rPr lang="ko-KR" altLang="en-US" smtClean="0"/>
-              <a:t>2018-02-17</a:t>
+              <a:t>2018-03-01</a:t>
             </a:fld>
             <a:endParaRPr lang="ko-KR" altLang="en-US"/>
           </a:p>
@@ -1249,7 +1684,7 @@
       </p:sp>
       <p:sp>
         <p:nvSpPr>
-          <p:cNvPr id="6" name="바닥글 개체 틀 5"/>
+          <p:cNvPr id="6" name="Footer Placeholder 5"/>
           <p:cNvSpPr>
             <a:spLocks noGrp="1"/>
           </p:cNvSpPr>
@@ -1268,7 +1703,7 @@
       </p:sp>
       <p:sp>
         <p:nvSpPr>
-          <p:cNvPr id="7" name="슬라이드 번호 개체 틀 6"/>
+          <p:cNvPr id="7" name="Slide Number Placeholder 6"/>
           <p:cNvSpPr>
             <a:spLocks noGrp="1"/>
           </p:cNvSpPr>
@@ -1292,7 +1727,7 @@
     </p:spTree>
     <p:extLst>
       <p:ext uri="{BB962C8B-B14F-4D97-AF65-F5344CB8AC3E}">
-        <p14:creationId xmlns:p14="http://schemas.microsoft.com/office/powerpoint/2010/main" val="638750775"/>
+        <p14:creationId xmlns:p14="http://schemas.microsoft.com/office/powerpoint/2010/main" val="2010458322"/>
       </p:ext>
     </p:extLst>
   </p:cSld>
@@ -1321,7 +1756,7 @@
       </p:grpSpPr>
       <p:sp>
         <p:nvSpPr>
-          <p:cNvPr id="2" name="제목 1"/>
+          <p:cNvPr id="2" name="Title 1"/>
           <p:cNvSpPr>
             <a:spLocks noGrp="1"/>
           </p:cNvSpPr>
@@ -1331,8 +1766,8 @@
         </p:nvSpPr>
         <p:spPr>
           <a:xfrm>
-            <a:off x="839788" y="365125"/>
-            <a:ext cx="10515600" cy="1325563"/>
+            <a:off x="472381" y="486836"/>
+            <a:ext cx="5915025" cy="1767417"/>
           </a:xfrm>
         </p:spPr>
         <p:txBody>
@@ -1343,13 +1778,13 @@
               <a:rPr lang="ko-KR" altLang="en-US" smtClean="0"/>
               <a:t>마스터 제목 스타일 편집</a:t>
             </a:r>
-            <a:endParaRPr lang="ko-KR" altLang="en-US"/>
-          </a:p>
-        </p:txBody>
-      </p:sp>
-      <p:sp>
-        <p:nvSpPr>
-          <p:cNvPr id="3" name="텍스트 개체 틀 2"/>
+            <a:endParaRPr lang="en-US" dirty="0"/>
+          </a:p>
+        </p:txBody>
+      </p:sp>
+      <p:sp>
+        <p:nvSpPr>
+          <p:cNvPr id="3" name="Text Placeholder 2"/>
           <p:cNvSpPr>
             <a:spLocks noGrp="1"/>
           </p:cNvSpPr>
@@ -1359,8 +1794,8 @@
         </p:nvSpPr>
         <p:spPr>
           <a:xfrm>
-            <a:off x="839788" y="1681163"/>
-            <a:ext cx="5157787" cy="823912"/>
+            <a:off x="472381" y="2241551"/>
+            <a:ext cx="2901255" cy="1098549"/>
           </a:xfrm>
         </p:spPr>
         <p:txBody>
@@ -1368,53 +1803,53 @@
           <a:lstStyle>
             <a:lvl1pPr marL="0" indent="0">
               <a:buNone/>
-              <a:defRPr sz="2400" b="1"/>
+              <a:defRPr sz="1800" b="1"/>
             </a:lvl1pPr>
-            <a:lvl2pPr marL="457200" indent="0">
+            <a:lvl2pPr marL="342900" indent="0">
               <a:buNone/>
-              <a:defRPr sz="2000" b="1"/>
+              <a:defRPr sz="1500" b="1"/>
             </a:lvl2pPr>
-            <a:lvl3pPr marL="914400" indent="0">
+            <a:lvl3pPr marL="685800" indent="0">
               <a:buNone/>
-              <a:defRPr sz="1800" b="1"/>
+              <a:defRPr sz="1350" b="1"/>
             </a:lvl3pPr>
-            <a:lvl4pPr marL="1371600" indent="0">
+            <a:lvl4pPr marL="1028700" indent="0">
               <a:buNone/>
-              <a:defRPr sz="1600" b="1"/>
+              <a:defRPr sz="1200" b="1"/>
             </a:lvl4pPr>
-            <a:lvl5pPr marL="1828800" indent="0">
+            <a:lvl5pPr marL="1371600" indent="0">
               <a:buNone/>
-              <a:defRPr sz="1600" b="1"/>
+              <a:defRPr sz="1200" b="1"/>
             </a:lvl5pPr>
-            <a:lvl6pPr marL="2286000" indent="0">
+            <a:lvl6pPr marL="1714500" indent="0">
               <a:buNone/>
-              <a:defRPr sz="1600" b="1"/>
+              <a:defRPr sz="1200" b="1"/>
             </a:lvl6pPr>
-            <a:lvl7pPr marL="2743200" indent="0">
+            <a:lvl7pPr marL="2057400" indent="0">
               <a:buNone/>
-              <a:defRPr sz="1600" b="1"/>
+              <a:defRPr sz="1200" b="1"/>
             </a:lvl7pPr>
-            <a:lvl8pPr marL="3200400" indent="0">
+            <a:lvl8pPr marL="2400300" indent="0">
               <a:buNone/>
-              <a:defRPr sz="1600" b="1"/>
+              <a:defRPr sz="1200" b="1"/>
             </a:lvl8pPr>
-            <a:lvl9pPr marL="3657600" indent="0">
+            <a:lvl9pPr marL="2743200" indent="0">
               <a:buNone/>
-              <a:defRPr sz="1600" b="1"/>
+              <a:defRPr sz="1200" b="1"/>
             </a:lvl9pPr>
           </a:lstStyle>
           <a:p>
             <a:pPr lvl="0"/>
             <a:r>
               <a:rPr lang="ko-KR" altLang="en-US" smtClean="0"/>
-              <a:t>마스터 텍스트 스타일 편집</a:t>
-            </a:r>
-          </a:p>
-        </p:txBody>
-      </p:sp>
-      <p:sp>
-        <p:nvSpPr>
-          <p:cNvPr id="4" name="내용 개체 틀 3"/>
+              <a:t>마스터 텍스트 스타일을 편집합니다</a:t>
+            </a:r>
+          </a:p>
+        </p:txBody>
+      </p:sp>
+      <p:sp>
+        <p:nvSpPr>
+          <p:cNvPr id="4" name="Content Placeholder 3"/>
           <p:cNvSpPr>
             <a:spLocks noGrp="1"/>
           </p:cNvSpPr>
@@ -1424,8 +1859,8 @@
         </p:nvSpPr>
         <p:spPr>
           <a:xfrm>
-            <a:off x="839788" y="2505075"/>
-            <a:ext cx="5157787" cy="3684588"/>
+            <a:off x="472381" y="3340100"/>
+            <a:ext cx="2901255" cy="4912784"/>
           </a:xfrm>
         </p:spPr>
         <p:txBody>
@@ -1435,7 +1870,7 @@
             <a:pPr lvl="0"/>
             <a:r>
               <a:rPr lang="ko-KR" altLang="en-US" smtClean="0"/>
-              <a:t>마스터 텍스트 스타일 편집</a:t>
+              <a:t>마스터 텍스트 스타일을 편집합니다</a:t>
             </a:r>
           </a:p>
           <a:p>
@@ -1465,13 +1900,13 @@
               <a:rPr lang="ko-KR" altLang="en-US" smtClean="0"/>
               <a:t>다섯째 수준</a:t>
             </a:r>
-            <a:endParaRPr lang="ko-KR" altLang="en-US"/>
-          </a:p>
-        </p:txBody>
-      </p:sp>
-      <p:sp>
-        <p:nvSpPr>
-          <p:cNvPr id="5" name="텍스트 개체 틀 4"/>
+            <a:endParaRPr lang="en-US" dirty="0"/>
+          </a:p>
+        </p:txBody>
+      </p:sp>
+      <p:sp>
+        <p:nvSpPr>
+          <p:cNvPr id="5" name="Text Placeholder 4"/>
           <p:cNvSpPr>
             <a:spLocks noGrp="1"/>
           </p:cNvSpPr>
@@ -1481,8 +1916,8 @@
         </p:nvSpPr>
         <p:spPr>
           <a:xfrm>
-            <a:off x="6172200" y="1681163"/>
-            <a:ext cx="5183188" cy="823912"/>
+            <a:off x="3471863" y="2241551"/>
+            <a:ext cx="2915543" cy="1098549"/>
           </a:xfrm>
         </p:spPr>
         <p:txBody>
@@ -1490,53 +1925,53 @@
           <a:lstStyle>
             <a:lvl1pPr marL="0" indent="0">
               <a:buNone/>
-              <a:defRPr sz="2400" b="1"/>
+              <a:defRPr sz="1800" b="1"/>
             </a:lvl1pPr>
-            <a:lvl2pPr marL="457200" indent="0">
+            <a:lvl2pPr marL="342900" indent="0">
               <a:buNone/>
-              <a:defRPr sz="2000" b="1"/>
+              <a:defRPr sz="1500" b="1"/>
             </a:lvl2pPr>
-            <a:lvl3pPr marL="914400" indent="0">
+            <a:lvl3pPr marL="685800" indent="0">
               <a:buNone/>
-              <a:defRPr sz="1800" b="1"/>
+              <a:defRPr sz="1350" b="1"/>
             </a:lvl3pPr>
-            <a:lvl4pPr marL="1371600" indent="0">
+            <a:lvl4pPr marL="1028700" indent="0">
               <a:buNone/>
-              <a:defRPr sz="1600" b="1"/>
+              <a:defRPr sz="1200" b="1"/>
             </a:lvl4pPr>
-            <a:lvl5pPr marL="1828800" indent="0">
+            <a:lvl5pPr marL="1371600" indent="0">
               <a:buNone/>
-              <a:defRPr sz="1600" b="1"/>
+              <a:defRPr sz="1200" b="1"/>
             </a:lvl5pPr>
-            <a:lvl6pPr marL="2286000" indent="0">
+            <a:lvl6pPr marL="1714500" indent="0">
               <a:buNone/>
-              <a:defRPr sz="1600" b="1"/>
+              <a:defRPr sz="1200" b="1"/>
             </a:lvl6pPr>
-            <a:lvl7pPr marL="2743200" indent="0">
+            <a:lvl7pPr marL="2057400" indent="0">
               <a:buNone/>
-              <a:defRPr sz="1600" b="1"/>
+              <a:defRPr sz="1200" b="1"/>
             </a:lvl7pPr>
-            <a:lvl8pPr marL="3200400" indent="0">
+            <a:lvl8pPr marL="2400300" indent="0">
               <a:buNone/>
-              <a:defRPr sz="1600" b="1"/>
+              <a:defRPr sz="1200" b="1"/>
             </a:lvl8pPr>
-            <a:lvl9pPr marL="3657600" indent="0">
+            <a:lvl9pPr marL="2743200" indent="0">
               <a:buNone/>
-              <a:defRPr sz="1600" b="1"/>
+              <a:defRPr sz="1200" b="1"/>
             </a:lvl9pPr>
           </a:lstStyle>
           <a:p>
             <a:pPr lvl="0"/>
             <a:r>
               <a:rPr lang="ko-KR" altLang="en-US" smtClean="0"/>
-              <a:t>마스터 텍스트 스타일 편집</a:t>
-            </a:r>
-          </a:p>
-        </p:txBody>
-      </p:sp>
-      <p:sp>
-        <p:nvSpPr>
-          <p:cNvPr id="6" name="내용 개체 틀 5"/>
+              <a:t>마스터 텍스트 스타일을 편집합니다</a:t>
+            </a:r>
+          </a:p>
+        </p:txBody>
+      </p:sp>
+      <p:sp>
+        <p:nvSpPr>
+          <p:cNvPr id="6" name="Content Placeholder 5"/>
           <p:cNvSpPr>
             <a:spLocks noGrp="1"/>
           </p:cNvSpPr>
@@ -1546,8 +1981,8 @@
         </p:nvSpPr>
         <p:spPr>
           <a:xfrm>
-            <a:off x="6172200" y="2505075"/>
-            <a:ext cx="5183188" cy="3684588"/>
+            <a:off x="3471863" y="3340100"/>
+            <a:ext cx="2915543" cy="4912784"/>
           </a:xfrm>
         </p:spPr>
         <p:txBody>
@@ -1557,7 +1992,7 @@
             <a:pPr lvl="0"/>
             <a:r>
               <a:rPr lang="ko-KR" altLang="en-US" smtClean="0"/>
-              <a:t>마스터 텍스트 스타일 편집</a:t>
+              <a:t>마스터 텍스트 스타일을 편집합니다</a:t>
             </a:r>
           </a:p>
           <a:p>
@@ -1587,13 +2022,13 @@
               <a:rPr lang="ko-KR" altLang="en-US" smtClean="0"/>
               <a:t>다섯째 수준</a:t>
             </a:r>
-            <a:endParaRPr lang="ko-KR" altLang="en-US"/>
-          </a:p>
-        </p:txBody>
-      </p:sp>
-      <p:sp>
-        <p:nvSpPr>
-          <p:cNvPr id="7" name="날짜 개체 틀 6"/>
+            <a:endParaRPr lang="en-US" dirty="0"/>
+          </a:p>
+        </p:txBody>
+      </p:sp>
+      <p:sp>
+        <p:nvSpPr>
+          <p:cNvPr id="7" name="Date Placeholder 6"/>
           <p:cNvSpPr>
             <a:spLocks noGrp="1"/>
           </p:cNvSpPr>
@@ -1608,7 +2043,7 @@
           <a:p>
             <a:fld id="{04540ACD-BC2E-4EBE-987A-42A8EBDEC663}" type="datetimeFigureOut">
               <a:rPr lang="ko-KR" altLang="en-US" smtClean="0"/>
-              <a:t>2018-02-17</a:t>
+              <a:t>2018-03-01</a:t>
             </a:fld>
             <a:endParaRPr lang="ko-KR" altLang="en-US"/>
           </a:p>
@@ -1616,7 +2051,7 @@
       </p:sp>
       <p:sp>
         <p:nvSpPr>
-          <p:cNvPr id="8" name="바닥글 개체 틀 7"/>
+          <p:cNvPr id="8" name="Footer Placeholder 7"/>
           <p:cNvSpPr>
             <a:spLocks noGrp="1"/>
           </p:cNvSpPr>
@@ -1635,7 +2070,7 @@
       </p:sp>
       <p:sp>
         <p:nvSpPr>
-          <p:cNvPr id="9" name="슬라이드 번호 개체 틀 8"/>
+          <p:cNvPr id="9" name="Slide Number Placeholder 8"/>
           <p:cNvSpPr>
             <a:spLocks noGrp="1"/>
           </p:cNvSpPr>
@@ -1659,7 +2094,7 @@
     </p:spTree>
     <p:extLst>
       <p:ext uri="{BB962C8B-B14F-4D97-AF65-F5344CB8AC3E}">
-        <p14:creationId xmlns:p14="http://schemas.microsoft.com/office/powerpoint/2010/main" val="2962825806"/>
+        <p14:creationId xmlns:p14="http://schemas.microsoft.com/office/powerpoint/2010/main" val="3312898389"/>
       </p:ext>
     </p:extLst>
   </p:cSld>
@@ -1688,7 +2123,7 @@
       </p:grpSpPr>
       <p:sp>
         <p:nvSpPr>
-          <p:cNvPr id="2" name="제목 1"/>
+          <p:cNvPr id="2" name="Title 1"/>
           <p:cNvSpPr>
             <a:spLocks noGrp="1"/>
           </p:cNvSpPr>
@@ -1705,13 +2140,13 @@
               <a:rPr lang="ko-KR" altLang="en-US" smtClean="0"/>
               <a:t>마스터 제목 스타일 편집</a:t>
             </a:r>
-            <a:endParaRPr lang="ko-KR" altLang="en-US"/>
-          </a:p>
-        </p:txBody>
-      </p:sp>
-      <p:sp>
-        <p:nvSpPr>
-          <p:cNvPr id="3" name="날짜 개체 틀 2"/>
+            <a:endParaRPr lang="en-US" dirty="0"/>
+          </a:p>
+        </p:txBody>
+      </p:sp>
+      <p:sp>
+        <p:nvSpPr>
+          <p:cNvPr id="3" name="Date Placeholder 2"/>
           <p:cNvSpPr>
             <a:spLocks noGrp="1"/>
           </p:cNvSpPr>
@@ -1726,7 +2161,7 @@
           <a:p>
             <a:fld id="{04540ACD-BC2E-4EBE-987A-42A8EBDEC663}" type="datetimeFigureOut">
               <a:rPr lang="ko-KR" altLang="en-US" smtClean="0"/>
-              <a:t>2018-02-17</a:t>
+              <a:t>2018-03-01</a:t>
             </a:fld>
             <a:endParaRPr lang="ko-KR" altLang="en-US"/>
           </a:p>
@@ -1734,7 +2169,7 @@
       </p:sp>
       <p:sp>
         <p:nvSpPr>
-          <p:cNvPr id="4" name="바닥글 개체 틀 3"/>
+          <p:cNvPr id="4" name="Footer Placeholder 3"/>
           <p:cNvSpPr>
             <a:spLocks noGrp="1"/>
           </p:cNvSpPr>
@@ -1753,7 +2188,7 @@
       </p:sp>
       <p:sp>
         <p:nvSpPr>
-          <p:cNvPr id="5" name="슬라이드 번호 개체 틀 4"/>
+          <p:cNvPr id="5" name="Slide Number Placeholder 4"/>
           <p:cNvSpPr>
             <a:spLocks noGrp="1"/>
           </p:cNvSpPr>
@@ -1777,7 +2212,7 @@
     </p:spTree>
     <p:extLst>
       <p:ext uri="{BB962C8B-B14F-4D97-AF65-F5344CB8AC3E}">
-        <p14:creationId xmlns:p14="http://schemas.microsoft.com/office/powerpoint/2010/main" val="1397404313"/>
+        <p14:creationId xmlns:p14="http://schemas.microsoft.com/office/powerpoint/2010/main" val="3581363727"/>
       </p:ext>
     </p:extLst>
   </p:cSld>
@@ -1806,7 +2241,7 @@
       </p:grpSpPr>
       <p:sp>
         <p:nvSpPr>
-          <p:cNvPr id="2" name="날짜 개체 틀 1"/>
+          <p:cNvPr id="2" name="Date Placeholder 1"/>
           <p:cNvSpPr>
             <a:spLocks noGrp="1"/>
           </p:cNvSpPr>
@@ -1821,7 +2256,7 @@
           <a:p>
             <a:fld id="{04540ACD-BC2E-4EBE-987A-42A8EBDEC663}" type="datetimeFigureOut">
               <a:rPr lang="ko-KR" altLang="en-US" smtClean="0"/>
-              <a:t>2018-02-17</a:t>
+              <a:t>2018-03-01</a:t>
             </a:fld>
             <a:endParaRPr lang="ko-KR" altLang="en-US"/>
           </a:p>
@@ -1829,7 +2264,7 @@
       </p:sp>
       <p:sp>
         <p:nvSpPr>
-          <p:cNvPr id="3" name="바닥글 개체 틀 2"/>
+          <p:cNvPr id="3" name="Footer Placeholder 2"/>
           <p:cNvSpPr>
             <a:spLocks noGrp="1"/>
           </p:cNvSpPr>
@@ -1848,7 +2283,7 @@
       </p:sp>
       <p:sp>
         <p:nvSpPr>
-          <p:cNvPr id="4" name="슬라이드 번호 개체 틀 3"/>
+          <p:cNvPr id="4" name="Slide Number Placeholder 3"/>
           <p:cNvSpPr>
             <a:spLocks noGrp="1"/>
           </p:cNvSpPr>
@@ -1872,7 +2307,7 @@
     </p:spTree>
     <p:extLst>
       <p:ext uri="{BB962C8B-B14F-4D97-AF65-F5344CB8AC3E}">
-        <p14:creationId xmlns:p14="http://schemas.microsoft.com/office/powerpoint/2010/main" val="3943343449"/>
+        <p14:creationId xmlns:p14="http://schemas.microsoft.com/office/powerpoint/2010/main" val="2907907320"/>
       </p:ext>
     </p:extLst>
   </p:cSld>
@@ -1901,7 +2336,7 @@
       </p:grpSpPr>
       <p:sp>
         <p:nvSpPr>
-          <p:cNvPr id="2" name="제목 1"/>
+          <p:cNvPr id="2" name="Title 1"/>
           <p:cNvSpPr>
             <a:spLocks noGrp="1"/>
           </p:cNvSpPr>
@@ -1911,15 +2346,15 @@
         </p:nvSpPr>
         <p:spPr>
           <a:xfrm>
-            <a:off x="839788" y="457200"/>
-            <a:ext cx="3932237" cy="1600200"/>
+            <a:off x="472381" y="609600"/>
+            <a:ext cx="2211884" cy="2133600"/>
           </a:xfrm>
         </p:spPr>
         <p:txBody>
           <a:bodyPr anchor="b"/>
           <a:lstStyle>
             <a:lvl1pPr>
-              <a:defRPr sz="3200"/>
+              <a:defRPr sz="2400"/>
             </a:lvl1pPr>
           </a:lstStyle>
           <a:p>
@@ -1927,13 +2362,13 @@
               <a:rPr lang="ko-KR" altLang="en-US" smtClean="0"/>
               <a:t>마스터 제목 스타일 편집</a:t>
             </a:r>
-            <a:endParaRPr lang="ko-KR" altLang="en-US"/>
-          </a:p>
-        </p:txBody>
-      </p:sp>
-      <p:sp>
-        <p:nvSpPr>
-          <p:cNvPr id="3" name="내용 개체 틀 2"/>
+            <a:endParaRPr lang="en-US" dirty="0"/>
+          </a:p>
+        </p:txBody>
+      </p:sp>
+      <p:sp>
+        <p:nvSpPr>
+          <p:cNvPr id="3" name="Content Placeholder 2"/>
           <p:cNvSpPr>
             <a:spLocks noGrp="1"/>
           </p:cNvSpPr>
@@ -1943,46 +2378,46 @@
         </p:nvSpPr>
         <p:spPr>
           <a:xfrm>
-            <a:off x="5183188" y="987425"/>
-            <a:ext cx="6172200" cy="4873625"/>
+            <a:off x="2915543" y="1316569"/>
+            <a:ext cx="3471863" cy="6498167"/>
           </a:xfrm>
         </p:spPr>
         <p:txBody>
           <a:bodyPr/>
           <a:lstStyle>
             <a:lvl1pPr>
-              <a:defRPr sz="3200"/>
+              <a:defRPr sz="2400"/>
             </a:lvl1pPr>
             <a:lvl2pPr>
-              <a:defRPr sz="2800"/>
+              <a:defRPr sz="2100"/>
             </a:lvl2pPr>
             <a:lvl3pPr>
-              <a:defRPr sz="2400"/>
+              <a:defRPr sz="1800"/>
             </a:lvl3pPr>
             <a:lvl4pPr>
-              <a:defRPr sz="2000"/>
+              <a:defRPr sz="1500"/>
             </a:lvl4pPr>
             <a:lvl5pPr>
-              <a:defRPr sz="2000"/>
+              <a:defRPr sz="1500"/>
             </a:lvl5pPr>
             <a:lvl6pPr>
-              <a:defRPr sz="2000"/>
+              <a:defRPr sz="1500"/>
             </a:lvl6pPr>
             <a:lvl7pPr>
-              <a:defRPr sz="2000"/>
+              <a:defRPr sz="1500"/>
             </a:lvl7pPr>
             <a:lvl8pPr>
-              <a:defRPr sz="2000"/>
+              <a:defRPr sz="1500"/>
             </a:lvl8pPr>
             <a:lvl9pPr>
-              <a:defRPr sz="2000"/>
+              <a:defRPr sz="1500"/>
             </a:lvl9pPr>
           </a:lstStyle>
           <a:p>
             <a:pPr lvl="0"/>
             <a:r>
               <a:rPr lang="ko-KR" altLang="en-US" smtClean="0"/>
-              <a:t>마스터 텍스트 스타일 편집</a:t>
+              <a:t>마스터 텍스트 스타일을 편집합니다</a:t>
             </a:r>
           </a:p>
           <a:p>
@@ -2012,13 +2447,13 @@
               <a:rPr lang="ko-KR" altLang="en-US" smtClean="0"/>
               <a:t>다섯째 수준</a:t>
             </a:r>
-            <a:endParaRPr lang="ko-KR" altLang="en-US"/>
-          </a:p>
-        </p:txBody>
-      </p:sp>
-      <p:sp>
-        <p:nvSpPr>
-          <p:cNvPr id="4" name="텍스트 개체 틀 3"/>
+            <a:endParaRPr lang="en-US" dirty="0"/>
+          </a:p>
+        </p:txBody>
+      </p:sp>
+      <p:sp>
+        <p:nvSpPr>
+          <p:cNvPr id="4" name="Text Placeholder 3"/>
           <p:cNvSpPr>
             <a:spLocks noGrp="1"/>
           </p:cNvSpPr>
@@ -2028,8 +2463,8 @@
         </p:nvSpPr>
         <p:spPr>
           <a:xfrm>
-            <a:off x="839788" y="2057400"/>
-            <a:ext cx="3932237" cy="3811588"/>
+            <a:off x="472381" y="2743200"/>
+            <a:ext cx="2211884" cy="5082117"/>
           </a:xfrm>
         </p:spPr>
         <p:txBody>
@@ -2037,53 +2472,53 @@
           <a:lstStyle>
             <a:lvl1pPr marL="0" indent="0">
               <a:buNone/>
-              <a:defRPr sz="1600"/>
+              <a:defRPr sz="1200"/>
             </a:lvl1pPr>
-            <a:lvl2pPr marL="457200" indent="0">
+            <a:lvl2pPr marL="342900" indent="0">
               <a:buNone/>
-              <a:defRPr sz="1400"/>
+              <a:defRPr sz="1050"/>
             </a:lvl2pPr>
-            <a:lvl3pPr marL="914400" indent="0">
+            <a:lvl3pPr marL="685800" indent="0">
               <a:buNone/>
-              <a:defRPr sz="1200"/>
+              <a:defRPr sz="900"/>
             </a:lvl3pPr>
-            <a:lvl4pPr marL="1371600" indent="0">
+            <a:lvl4pPr marL="1028700" indent="0">
               <a:buNone/>
-              <a:defRPr sz="1000"/>
+              <a:defRPr sz="750"/>
             </a:lvl4pPr>
-            <a:lvl5pPr marL="1828800" indent="0">
+            <a:lvl5pPr marL="1371600" indent="0">
               <a:buNone/>
-              <a:defRPr sz="1000"/>
+              <a:defRPr sz="750"/>
             </a:lvl5pPr>
-            <a:lvl6pPr marL="2286000" indent="0">
+            <a:lvl6pPr marL="1714500" indent="0">
               <a:buNone/>
-              <a:defRPr sz="1000"/>
+              <a:defRPr sz="750"/>
             </a:lvl6pPr>
-            <a:lvl7pPr marL="2743200" indent="0">
+            <a:lvl7pPr marL="2057400" indent="0">
               <a:buNone/>
-              <a:defRPr sz="1000"/>
+              <a:defRPr sz="750"/>
             </a:lvl7pPr>
-            <a:lvl8pPr marL="3200400" indent="0">
+            <a:lvl8pPr marL="2400300" indent="0">
               <a:buNone/>
-              <a:defRPr sz="1000"/>
+              <a:defRPr sz="750"/>
             </a:lvl8pPr>
-            <a:lvl9pPr marL="3657600" indent="0">
+            <a:lvl9pPr marL="2743200" indent="0">
               <a:buNone/>
-              <a:defRPr sz="1000"/>
+              <a:defRPr sz="750"/>
             </a:lvl9pPr>
           </a:lstStyle>
           <a:p>
             <a:pPr lvl="0"/>
             <a:r>
               <a:rPr lang="ko-KR" altLang="en-US" smtClean="0"/>
-              <a:t>마스터 텍스트 스타일 편집</a:t>
-            </a:r>
-          </a:p>
-        </p:txBody>
-      </p:sp>
-      <p:sp>
-        <p:nvSpPr>
-          <p:cNvPr id="5" name="날짜 개체 틀 4"/>
+              <a:t>마스터 텍스트 스타일을 편집합니다</a:t>
+            </a:r>
+          </a:p>
+        </p:txBody>
+      </p:sp>
+      <p:sp>
+        <p:nvSpPr>
+          <p:cNvPr id="5" name="Date Placeholder 4"/>
           <p:cNvSpPr>
             <a:spLocks noGrp="1"/>
           </p:cNvSpPr>
@@ -2098,7 +2533,7 @@
           <a:p>
             <a:fld id="{04540ACD-BC2E-4EBE-987A-42A8EBDEC663}" type="datetimeFigureOut">
               <a:rPr lang="ko-KR" altLang="en-US" smtClean="0"/>
-              <a:t>2018-02-17</a:t>
+              <a:t>2018-03-01</a:t>
             </a:fld>
             <a:endParaRPr lang="ko-KR" altLang="en-US"/>
           </a:p>
@@ -2106,7 +2541,7 @@
       </p:sp>
       <p:sp>
         <p:nvSpPr>
-          <p:cNvPr id="6" name="바닥글 개체 틀 5"/>
+          <p:cNvPr id="6" name="Footer Placeholder 5"/>
           <p:cNvSpPr>
             <a:spLocks noGrp="1"/>
           </p:cNvSpPr>
@@ -2125,7 +2560,7 @@
       </p:sp>
       <p:sp>
         <p:nvSpPr>
-          <p:cNvPr id="7" name="슬라이드 번호 개체 틀 6"/>
+          <p:cNvPr id="7" name="Slide Number Placeholder 6"/>
           <p:cNvSpPr>
             <a:spLocks noGrp="1"/>
           </p:cNvSpPr>
@@ -2149,7 +2584,7 @@
     </p:spTree>
     <p:extLst>
       <p:ext uri="{BB962C8B-B14F-4D97-AF65-F5344CB8AC3E}">
-        <p14:creationId xmlns:p14="http://schemas.microsoft.com/office/powerpoint/2010/main" val="2589826935"/>
+        <p14:creationId xmlns:p14="http://schemas.microsoft.com/office/powerpoint/2010/main" val="1874125447"/>
       </p:ext>
     </p:extLst>
   </p:cSld>
@@ -2178,7 +2613,7 @@
       </p:grpSpPr>
       <p:sp>
         <p:nvSpPr>
-          <p:cNvPr id="2" name="제목 1"/>
+          <p:cNvPr id="2" name="Title 1"/>
           <p:cNvSpPr>
             <a:spLocks noGrp="1"/>
           </p:cNvSpPr>
@@ -2188,15 +2623,15 @@
         </p:nvSpPr>
         <p:spPr>
           <a:xfrm>
-            <a:off x="839788" y="457200"/>
-            <a:ext cx="3932237" cy="1600200"/>
+            <a:off x="472381" y="609600"/>
+            <a:ext cx="2211884" cy="2133600"/>
           </a:xfrm>
         </p:spPr>
         <p:txBody>
           <a:bodyPr anchor="b"/>
           <a:lstStyle>
             <a:lvl1pPr>
-              <a:defRPr sz="3200"/>
+              <a:defRPr sz="2400"/>
             </a:lvl1pPr>
           </a:lstStyle>
           <a:p>
@@ -2204,15 +2639,15 @@
               <a:rPr lang="ko-KR" altLang="en-US" smtClean="0"/>
               <a:t>마스터 제목 스타일 편집</a:t>
             </a:r>
-            <a:endParaRPr lang="ko-KR" altLang="en-US"/>
-          </a:p>
-        </p:txBody>
-      </p:sp>
-      <p:sp>
-        <p:nvSpPr>
-          <p:cNvPr id="3" name="그림 개체 틀 2"/>
+            <a:endParaRPr lang="en-US" dirty="0"/>
+          </a:p>
+        </p:txBody>
+      </p:sp>
+      <p:sp>
+        <p:nvSpPr>
+          <p:cNvPr id="3" name="Picture Placeholder 2"/>
           <p:cNvSpPr>
-            <a:spLocks noGrp="1"/>
+            <a:spLocks noGrp="1" noChangeAspect="1"/>
           </p:cNvSpPr>
           <p:nvPr>
             <p:ph type="pic" idx="1"/>
@@ -2220,58 +2655,62 @@
         </p:nvSpPr>
         <p:spPr>
           <a:xfrm>
-            <a:off x="5183188" y="987425"/>
-            <a:ext cx="6172200" cy="4873625"/>
-          </a:xfrm>
-        </p:spPr>
-        <p:txBody>
-          <a:bodyPr/>
+            <a:off x="2915543" y="1316569"/>
+            <a:ext cx="3471863" cy="6498167"/>
+          </a:xfrm>
+        </p:spPr>
+        <p:txBody>
+          <a:bodyPr anchor="t"/>
           <a:lstStyle>
             <a:lvl1pPr marL="0" indent="0">
               <a:buNone/>
-              <a:defRPr sz="3200"/>
+              <a:defRPr sz="2400"/>
             </a:lvl1pPr>
-            <a:lvl2pPr marL="457200" indent="0">
+            <a:lvl2pPr marL="342900" indent="0">
               <a:buNone/>
-              <a:defRPr sz="2800"/>
+              <a:defRPr sz="2100"/>
             </a:lvl2pPr>
-            <a:lvl3pPr marL="914400" indent="0">
+            <a:lvl3pPr marL="685800" indent="0">
               <a:buNone/>
-              <a:defRPr sz="2400"/>
+              <a:defRPr sz="1800"/>
             </a:lvl3pPr>
-            <a:lvl4pPr marL="1371600" indent="0">
+            <a:lvl4pPr marL="1028700" indent="0">
               <a:buNone/>
-              <a:defRPr sz="2000"/>
+              <a:defRPr sz="1500"/>
             </a:lvl4pPr>
-            <a:lvl5pPr marL="1828800" indent="0">
+            <a:lvl5pPr marL="1371600" indent="0">
               <a:buNone/>
-              <a:defRPr sz="2000"/>
+              <a:defRPr sz="1500"/>
             </a:lvl5pPr>
-            <a:lvl6pPr marL="2286000" indent="0">
+            <a:lvl6pPr marL="1714500" indent="0">
               <a:buNone/>
-              <a:defRPr sz="2000"/>
+              <a:defRPr sz="1500"/>
             </a:lvl6pPr>
-            <a:lvl7pPr marL="2743200" indent="0">
+            <a:lvl7pPr marL="2057400" indent="0">
               <a:buNone/>
-              <a:defRPr sz="2000"/>
+              <a:defRPr sz="1500"/>
             </a:lvl7pPr>
-            <a:lvl8pPr marL="3200400" indent="0">
+            <a:lvl8pPr marL="2400300" indent="0">
               <a:buNone/>
-              <a:defRPr sz="2000"/>
+              <a:defRPr sz="1500"/>
             </a:lvl8pPr>
-            <a:lvl9pPr marL="3657600" indent="0">
+            <a:lvl9pPr marL="2743200" indent="0">
               <a:buNone/>
-              <a:defRPr sz="2000"/>
+              <a:defRPr sz="1500"/>
             </a:lvl9pPr>
           </a:lstStyle>
           <a:p>
-            <a:endParaRPr lang="ko-KR" altLang="en-US"/>
-          </a:p>
-        </p:txBody>
-      </p:sp>
-      <p:sp>
-        <p:nvSpPr>
-          <p:cNvPr id="4" name="텍스트 개체 틀 3"/>
+            <a:r>
+              <a:rPr lang="ko-KR" altLang="en-US" smtClean="0"/>
+              <a:t>그림을 추가하려면 아이콘을 클릭하십시오</a:t>
+            </a:r>
+            <a:endParaRPr lang="en-US" dirty="0"/>
+          </a:p>
+        </p:txBody>
+      </p:sp>
+      <p:sp>
+        <p:nvSpPr>
+          <p:cNvPr id="4" name="Text Placeholder 3"/>
           <p:cNvSpPr>
             <a:spLocks noGrp="1"/>
           </p:cNvSpPr>
@@ -2281,8 +2720,8 @@
         </p:nvSpPr>
         <p:spPr>
           <a:xfrm>
-            <a:off x="839788" y="2057400"/>
-            <a:ext cx="3932237" cy="3811588"/>
+            <a:off x="472381" y="2743200"/>
+            <a:ext cx="2211884" cy="5082117"/>
           </a:xfrm>
         </p:spPr>
         <p:txBody>
@@ -2290,53 +2729,53 @@
           <a:lstStyle>
             <a:lvl1pPr marL="0" indent="0">
               <a:buNone/>
-              <a:defRPr sz="1600"/>
+              <a:defRPr sz="1200"/>
             </a:lvl1pPr>
-            <a:lvl2pPr marL="457200" indent="0">
+            <a:lvl2pPr marL="342900" indent="0">
               <a:buNone/>
-              <a:defRPr sz="1400"/>
+              <a:defRPr sz="1050"/>
             </a:lvl2pPr>
-            <a:lvl3pPr marL="914400" indent="0">
+            <a:lvl3pPr marL="685800" indent="0">
               <a:buNone/>
-              <a:defRPr sz="1200"/>
+              <a:defRPr sz="900"/>
             </a:lvl3pPr>
-            <a:lvl4pPr marL="1371600" indent="0">
+            <a:lvl4pPr marL="1028700" indent="0">
               <a:buNone/>
-              <a:defRPr sz="1000"/>
+              <a:defRPr sz="750"/>
             </a:lvl4pPr>
-            <a:lvl5pPr marL="1828800" indent="0">
+            <a:lvl5pPr marL="1371600" indent="0">
               <a:buNone/>
-              <a:defRPr sz="1000"/>
+              <a:defRPr sz="750"/>
             </a:lvl5pPr>
-            <a:lvl6pPr marL="2286000" indent="0">
+            <a:lvl6pPr marL="1714500" indent="0">
               <a:buNone/>
-              <a:defRPr sz="1000"/>
+              <a:defRPr sz="750"/>
             </a:lvl6pPr>
-            <a:lvl7pPr marL="2743200" indent="0">
+            <a:lvl7pPr marL="2057400" indent="0">
               <a:buNone/>
-              <a:defRPr sz="1000"/>
+              <a:defRPr sz="750"/>
             </a:lvl7pPr>
-            <a:lvl8pPr marL="3200400" indent="0">
+            <a:lvl8pPr marL="2400300" indent="0">
               <a:buNone/>
-              <a:defRPr sz="1000"/>
+              <a:defRPr sz="750"/>
             </a:lvl8pPr>
-            <a:lvl9pPr marL="3657600" indent="0">
+            <a:lvl9pPr marL="2743200" indent="0">
               <a:buNone/>
-              <a:defRPr sz="1000"/>
+              <a:defRPr sz="750"/>
             </a:lvl9pPr>
           </a:lstStyle>
           <a:p>
             <a:pPr lvl="0"/>
             <a:r>
               <a:rPr lang="ko-KR" altLang="en-US" smtClean="0"/>
-              <a:t>마스터 텍스트 스타일 편집</a:t>
-            </a:r>
-          </a:p>
-        </p:txBody>
-      </p:sp>
-      <p:sp>
-        <p:nvSpPr>
-          <p:cNvPr id="5" name="날짜 개체 틀 4"/>
+              <a:t>마스터 텍스트 스타일을 편집합니다</a:t>
+            </a:r>
+          </a:p>
+        </p:txBody>
+      </p:sp>
+      <p:sp>
+        <p:nvSpPr>
+          <p:cNvPr id="5" name="Date Placeholder 4"/>
           <p:cNvSpPr>
             <a:spLocks noGrp="1"/>
           </p:cNvSpPr>
@@ -2351,7 +2790,7 @@
           <a:p>
             <a:fld id="{04540ACD-BC2E-4EBE-987A-42A8EBDEC663}" type="datetimeFigureOut">
               <a:rPr lang="ko-KR" altLang="en-US" smtClean="0"/>
-              <a:t>2018-02-17</a:t>
+              <a:t>2018-03-01</a:t>
             </a:fld>
             <a:endParaRPr lang="ko-KR" altLang="en-US"/>
           </a:p>
@@ -2359,7 +2798,7 @@
       </p:sp>
       <p:sp>
         <p:nvSpPr>
-          <p:cNvPr id="6" name="바닥글 개체 틀 5"/>
+          <p:cNvPr id="6" name="Footer Placeholder 5"/>
           <p:cNvSpPr>
             <a:spLocks noGrp="1"/>
           </p:cNvSpPr>
@@ -2378,7 +2817,7 @@
       </p:sp>
       <p:sp>
         <p:nvSpPr>
-          <p:cNvPr id="7" name="슬라이드 번호 개체 틀 6"/>
+          <p:cNvPr id="7" name="Slide Number Placeholder 6"/>
           <p:cNvSpPr>
             <a:spLocks noGrp="1"/>
           </p:cNvSpPr>
@@ -2402,7 +2841,7 @@
     </p:spTree>
     <p:extLst>
       <p:ext uri="{BB962C8B-B14F-4D97-AF65-F5344CB8AC3E}">
-        <p14:creationId xmlns:p14="http://schemas.microsoft.com/office/powerpoint/2010/main" val="1326405182"/>
+        <p14:creationId xmlns:p14="http://schemas.microsoft.com/office/powerpoint/2010/main" val="2675088552"/>
       </p:ext>
     </p:extLst>
   </p:cSld>
@@ -2436,7 +2875,7 @@
       </p:grpSpPr>
       <p:sp>
         <p:nvSpPr>
-          <p:cNvPr id="2" name="제목 개체 틀 1"/>
+          <p:cNvPr id="2" name="Title Placeholder 1"/>
           <p:cNvSpPr>
             <a:spLocks noGrp="1"/>
           </p:cNvSpPr>
@@ -2446,8 +2885,8 @@
         </p:nvSpPr>
         <p:spPr>
           <a:xfrm>
-            <a:off x="838200" y="365125"/>
-            <a:ext cx="10515600" cy="1325563"/>
+            <a:off x="471488" y="486836"/>
+            <a:ext cx="5915025" cy="1767417"/>
           </a:xfrm>
           <a:prstGeom prst="rect">
             <a:avLst/>
@@ -2463,13 +2902,13 @@
               <a:rPr lang="ko-KR" altLang="en-US" smtClean="0"/>
               <a:t>마스터 제목 스타일 편집</a:t>
             </a:r>
-            <a:endParaRPr lang="ko-KR" altLang="en-US"/>
-          </a:p>
-        </p:txBody>
-      </p:sp>
-      <p:sp>
-        <p:nvSpPr>
-          <p:cNvPr id="3" name="텍스트 개체 틀 2"/>
+            <a:endParaRPr lang="en-US" dirty="0"/>
+          </a:p>
+        </p:txBody>
+      </p:sp>
+      <p:sp>
+        <p:nvSpPr>
+          <p:cNvPr id="3" name="Text Placeholder 2"/>
           <p:cNvSpPr>
             <a:spLocks noGrp="1"/>
           </p:cNvSpPr>
@@ -2479,8 +2918,8 @@
         </p:nvSpPr>
         <p:spPr>
           <a:xfrm>
-            <a:off x="838200" y="1825625"/>
-            <a:ext cx="10515600" cy="4351338"/>
+            <a:off x="471488" y="2434167"/>
+            <a:ext cx="5915025" cy="5801784"/>
           </a:xfrm>
           <a:prstGeom prst="rect">
             <a:avLst/>
@@ -2495,7 +2934,7 @@
             <a:pPr lvl="0"/>
             <a:r>
               <a:rPr lang="ko-KR" altLang="en-US" smtClean="0"/>
-              <a:t>마스터 텍스트 스타일 편집</a:t>
+              <a:t>마스터 텍스트 스타일을 편집합니다</a:t>
             </a:r>
           </a:p>
           <a:p>
@@ -2525,13 +2964,13 @@
               <a:rPr lang="ko-KR" altLang="en-US" smtClean="0"/>
               <a:t>다섯째 수준</a:t>
             </a:r>
-            <a:endParaRPr lang="ko-KR" altLang="en-US"/>
-          </a:p>
-        </p:txBody>
-      </p:sp>
-      <p:sp>
-        <p:nvSpPr>
-          <p:cNvPr id="4" name="날짜 개체 틀 3"/>
+            <a:endParaRPr lang="en-US" dirty="0"/>
+          </a:p>
+        </p:txBody>
+      </p:sp>
+      <p:sp>
+        <p:nvSpPr>
+          <p:cNvPr id="4" name="Date Placeholder 3"/>
           <p:cNvSpPr>
             <a:spLocks noGrp="1"/>
           </p:cNvSpPr>
@@ -2541,8 +2980,8 @@
         </p:nvSpPr>
         <p:spPr>
           <a:xfrm>
-            <a:off x="838200" y="6356350"/>
-            <a:ext cx="2743200" cy="365125"/>
+            <a:off x="471488" y="8475136"/>
+            <a:ext cx="1543050" cy="486833"/>
           </a:xfrm>
           <a:prstGeom prst="rect">
             <a:avLst/>
@@ -2552,7 +2991,7 @@
           <a:bodyPr vert="horz" lIns="91440" tIns="45720" rIns="91440" bIns="45720" rtlCol="0" anchor="ctr"/>
           <a:lstStyle>
             <a:lvl1pPr algn="l">
-              <a:defRPr sz="1200">
+              <a:defRPr sz="900">
                 <a:solidFill>
                   <a:schemeClr val="tx1">
                     <a:tint val="75000"/>
@@ -2564,7 +3003,7 @@
           <a:p>
             <a:fld id="{04540ACD-BC2E-4EBE-987A-42A8EBDEC663}" type="datetimeFigureOut">
               <a:rPr lang="ko-KR" altLang="en-US" smtClean="0"/>
-              <a:t>2018-02-17</a:t>
+              <a:t>2018-03-01</a:t>
             </a:fld>
             <a:endParaRPr lang="ko-KR" altLang="en-US"/>
           </a:p>
@@ -2572,7 +3011,7 @@
       </p:sp>
       <p:sp>
         <p:nvSpPr>
-          <p:cNvPr id="5" name="바닥글 개체 틀 4"/>
+          <p:cNvPr id="5" name="Footer Placeholder 4"/>
           <p:cNvSpPr>
             <a:spLocks noGrp="1"/>
           </p:cNvSpPr>
@@ -2582,8 +3021,8 @@
         </p:nvSpPr>
         <p:spPr>
           <a:xfrm>
-            <a:off x="4038600" y="6356350"/>
-            <a:ext cx="4114800" cy="365125"/>
+            <a:off x="2271713" y="8475136"/>
+            <a:ext cx="2314575" cy="486833"/>
           </a:xfrm>
           <a:prstGeom prst="rect">
             <a:avLst/>
@@ -2593,7 +3032,7 @@
           <a:bodyPr vert="horz" lIns="91440" tIns="45720" rIns="91440" bIns="45720" rtlCol="0" anchor="ctr"/>
           <a:lstStyle>
             <a:lvl1pPr algn="ctr">
-              <a:defRPr sz="1200">
+              <a:defRPr sz="900">
                 <a:solidFill>
                   <a:schemeClr val="tx1">
                     <a:tint val="75000"/>
@@ -2609,7 +3048,7 @@
       </p:sp>
       <p:sp>
         <p:nvSpPr>
-          <p:cNvPr id="6" name="슬라이드 번호 개체 틀 5"/>
+          <p:cNvPr id="6" name="Slide Number Placeholder 5"/>
           <p:cNvSpPr>
             <a:spLocks noGrp="1"/>
           </p:cNvSpPr>
@@ -2619,8 +3058,8 @@
         </p:nvSpPr>
         <p:spPr>
           <a:xfrm>
-            <a:off x="8610600" y="6356350"/>
-            <a:ext cx="2743200" cy="365125"/>
+            <a:off x="4843463" y="8475136"/>
+            <a:ext cx="1543050" cy="486833"/>
           </a:xfrm>
           <a:prstGeom prst="rect">
             <a:avLst/>
@@ -2630,7 +3069,7 @@
           <a:bodyPr vert="horz" lIns="91440" tIns="45720" rIns="91440" bIns="45720" rtlCol="0" anchor="ctr"/>
           <a:lstStyle>
             <a:lvl1pPr algn="r">
-              <a:defRPr sz="1200">
+              <a:defRPr sz="900">
                 <a:solidFill>
                   <a:schemeClr val="tx1">
                     <a:tint val="75000"/>
@@ -2651,27 +3090,27 @@
     </p:spTree>
     <p:extLst>
       <p:ext uri="{BB962C8B-B14F-4D97-AF65-F5344CB8AC3E}">
-        <p14:creationId xmlns:p14="http://schemas.microsoft.com/office/powerpoint/2010/main" val="4010636398"/>
+        <p14:creationId xmlns:p14="http://schemas.microsoft.com/office/powerpoint/2010/main" val="2632862720"/>
       </p:ext>
     </p:extLst>
   </p:cSld>
   <p:clrMap bg1="lt1" tx1="dk1" bg2="lt2" tx2="dk2" accent1="accent1" accent2="accent2" accent3="accent3" accent4="accent4" accent5="accent5" accent6="accent6" hlink="hlink" folHlink="folHlink"/>
   <p:sldLayoutIdLst>
-    <p:sldLayoutId id="2147483649" r:id="rId1"/>
-    <p:sldLayoutId id="2147483650" r:id="rId2"/>
-    <p:sldLayoutId id="2147483651" r:id="rId3"/>
-    <p:sldLayoutId id="2147483652" r:id="rId4"/>
-    <p:sldLayoutId id="2147483653" r:id="rId5"/>
-    <p:sldLayoutId id="2147483654" r:id="rId6"/>
-    <p:sldLayoutId id="2147483655" r:id="rId7"/>
-    <p:sldLayoutId id="2147483656" r:id="rId8"/>
-    <p:sldLayoutId id="2147483657" r:id="rId9"/>
-    <p:sldLayoutId id="2147483658" r:id="rId10"/>
-    <p:sldLayoutId id="2147483659" r:id="rId11"/>
+    <p:sldLayoutId id="2147483673" r:id="rId1"/>
+    <p:sldLayoutId id="2147483674" r:id="rId2"/>
+    <p:sldLayoutId id="2147483675" r:id="rId3"/>
+    <p:sldLayoutId id="2147483676" r:id="rId4"/>
+    <p:sldLayoutId id="2147483677" r:id="rId5"/>
+    <p:sldLayoutId id="2147483678" r:id="rId6"/>
+    <p:sldLayoutId id="2147483679" r:id="rId7"/>
+    <p:sldLayoutId id="2147483680" r:id="rId8"/>
+    <p:sldLayoutId id="2147483681" r:id="rId9"/>
+    <p:sldLayoutId id="2147483682" r:id="rId10"/>
+    <p:sldLayoutId id="2147483683" r:id="rId11"/>
   </p:sldLayoutIdLst>
   <p:txStyles>
     <p:titleStyle>
-      <a:lvl1pPr algn="l" defTabSz="914400" rtl="0" eaLnBrk="1" latinLnBrk="1" hangingPunct="1">
+      <a:lvl1pPr algn="l" defTabSz="685800" rtl="0" eaLnBrk="1" latinLnBrk="1" hangingPunct="1">
         <a:lnSpc>
           <a:spcPct val="90000"/>
         </a:lnSpc>
@@ -2679,7 +3118,7 @@
           <a:spcPct val="0"/>
         </a:spcBef>
         <a:buNone/>
-        <a:defRPr sz="4400" kern="1200">
+        <a:defRPr sz="3300" kern="1200">
           <a:solidFill>
             <a:schemeClr val="tx1"/>
           </a:solidFill>
@@ -2690,16 +3129,16 @@
       </a:lvl1pPr>
     </p:titleStyle>
     <p:bodyStyle>
-      <a:lvl1pPr marL="228600" indent="-228600" algn="l" defTabSz="914400" rtl="0" eaLnBrk="1" latinLnBrk="1" hangingPunct="1">
+      <a:lvl1pPr marL="171450" indent="-171450" algn="l" defTabSz="685800" rtl="0" eaLnBrk="1" latinLnBrk="1" hangingPunct="1">
         <a:lnSpc>
           <a:spcPct val="90000"/>
         </a:lnSpc>
         <a:spcBef>
-          <a:spcPts val="1000"/>
+          <a:spcPts val="750"/>
         </a:spcBef>
         <a:buFont typeface="Arial" panose="020B0604020202020204" pitchFamily="34" charset="0"/>
         <a:buChar char="•"/>
-        <a:defRPr sz="2800" kern="1200">
+        <a:defRPr sz="2100" kern="1200">
           <a:solidFill>
             <a:schemeClr val="tx1"/>
           </a:solidFill>
@@ -2708,48 +3147,12 @@
           <a:cs typeface="+mn-cs"/>
         </a:defRPr>
       </a:lvl1pPr>
-      <a:lvl2pPr marL="685800" indent="-228600" algn="l" defTabSz="914400" rtl="0" eaLnBrk="1" latinLnBrk="1" hangingPunct="1">
+      <a:lvl2pPr marL="514350" indent="-171450" algn="l" defTabSz="685800" rtl="0" eaLnBrk="1" latinLnBrk="1" hangingPunct="1">
         <a:lnSpc>
           <a:spcPct val="90000"/>
         </a:lnSpc>
         <a:spcBef>
-          <a:spcPts val="500"/>
-        </a:spcBef>
-        <a:buFont typeface="Arial" panose="020B0604020202020204" pitchFamily="34" charset="0"/>
-        <a:buChar char="•"/>
-        <a:defRPr sz="2400" kern="1200">
-          <a:solidFill>
-            <a:schemeClr val="tx1"/>
-          </a:solidFill>
-          <a:latin typeface="+mn-lt"/>
-          <a:ea typeface="+mn-ea"/>
-          <a:cs typeface="+mn-cs"/>
-        </a:defRPr>
-      </a:lvl2pPr>
-      <a:lvl3pPr marL="1143000" indent="-228600" algn="l" defTabSz="914400" rtl="0" eaLnBrk="1" latinLnBrk="1" hangingPunct="1">
-        <a:lnSpc>
-          <a:spcPct val="90000"/>
-        </a:lnSpc>
-        <a:spcBef>
-          <a:spcPts val="500"/>
-        </a:spcBef>
-        <a:buFont typeface="Arial" panose="020B0604020202020204" pitchFamily="34" charset="0"/>
-        <a:buChar char="•"/>
-        <a:defRPr sz="2000" kern="1200">
-          <a:solidFill>
-            <a:schemeClr val="tx1"/>
-          </a:solidFill>
-          <a:latin typeface="+mn-lt"/>
-          <a:ea typeface="+mn-ea"/>
-          <a:cs typeface="+mn-cs"/>
-        </a:defRPr>
-      </a:lvl3pPr>
-      <a:lvl4pPr marL="1600200" indent="-228600" algn="l" defTabSz="914400" rtl="0" eaLnBrk="1" latinLnBrk="1" hangingPunct="1">
-        <a:lnSpc>
-          <a:spcPct val="90000"/>
-        </a:lnSpc>
-        <a:spcBef>
-          <a:spcPts val="500"/>
+          <a:spcPts val="375"/>
         </a:spcBef>
         <a:buFont typeface="Arial" panose="020B0604020202020204" pitchFamily="34" charset="0"/>
         <a:buChar char="•"/>
@@ -2761,17 +3164,53 @@
           <a:ea typeface="+mn-ea"/>
           <a:cs typeface="+mn-cs"/>
         </a:defRPr>
-      </a:lvl4pPr>
-      <a:lvl5pPr marL="2057400" indent="-228600" algn="l" defTabSz="914400" rtl="0" eaLnBrk="1" latinLnBrk="1" hangingPunct="1">
+      </a:lvl2pPr>
+      <a:lvl3pPr marL="857250" indent="-171450" algn="l" defTabSz="685800" rtl="0" eaLnBrk="1" latinLnBrk="1" hangingPunct="1">
         <a:lnSpc>
           <a:spcPct val="90000"/>
         </a:lnSpc>
         <a:spcBef>
-          <a:spcPts val="500"/>
+          <a:spcPts val="375"/>
         </a:spcBef>
         <a:buFont typeface="Arial" panose="020B0604020202020204" pitchFamily="34" charset="0"/>
         <a:buChar char="•"/>
-        <a:defRPr sz="1800" kern="1200">
+        <a:defRPr sz="1500" kern="1200">
+          <a:solidFill>
+            <a:schemeClr val="tx1"/>
+          </a:solidFill>
+          <a:latin typeface="+mn-lt"/>
+          <a:ea typeface="+mn-ea"/>
+          <a:cs typeface="+mn-cs"/>
+        </a:defRPr>
+      </a:lvl3pPr>
+      <a:lvl4pPr marL="1200150" indent="-171450" algn="l" defTabSz="685800" rtl="0" eaLnBrk="1" latinLnBrk="1" hangingPunct="1">
+        <a:lnSpc>
+          <a:spcPct val="90000"/>
+        </a:lnSpc>
+        <a:spcBef>
+          <a:spcPts val="375"/>
+        </a:spcBef>
+        <a:buFont typeface="Arial" panose="020B0604020202020204" pitchFamily="34" charset="0"/>
+        <a:buChar char="•"/>
+        <a:defRPr sz="1350" kern="1200">
+          <a:solidFill>
+            <a:schemeClr val="tx1"/>
+          </a:solidFill>
+          <a:latin typeface="+mn-lt"/>
+          <a:ea typeface="+mn-ea"/>
+          <a:cs typeface="+mn-cs"/>
+        </a:defRPr>
+      </a:lvl4pPr>
+      <a:lvl5pPr marL="1543050" indent="-171450" algn="l" defTabSz="685800" rtl="0" eaLnBrk="1" latinLnBrk="1" hangingPunct="1">
+        <a:lnSpc>
+          <a:spcPct val="90000"/>
+        </a:lnSpc>
+        <a:spcBef>
+          <a:spcPts val="375"/>
+        </a:spcBef>
+        <a:buFont typeface="Arial" panose="020B0604020202020204" pitchFamily="34" charset="0"/>
+        <a:buChar char="•"/>
+        <a:defRPr sz="1350" kern="1200">
           <a:solidFill>
             <a:schemeClr val="tx1"/>
           </a:solidFill>
@@ -2780,16 +3219,16 @@
           <a:cs typeface="+mn-cs"/>
         </a:defRPr>
       </a:lvl5pPr>
-      <a:lvl6pPr marL="2514600" indent="-228600" algn="l" defTabSz="914400" rtl="0" eaLnBrk="1" latinLnBrk="1" hangingPunct="1">
+      <a:lvl6pPr marL="1885950" indent="-171450" algn="l" defTabSz="685800" rtl="0" eaLnBrk="1" latinLnBrk="1" hangingPunct="1">
         <a:lnSpc>
           <a:spcPct val="90000"/>
         </a:lnSpc>
         <a:spcBef>
-          <a:spcPts val="500"/>
+          <a:spcPts val="375"/>
         </a:spcBef>
         <a:buFont typeface="Arial" panose="020B0604020202020204" pitchFamily="34" charset="0"/>
         <a:buChar char="•"/>
-        <a:defRPr sz="1800" kern="1200">
+        <a:defRPr sz="1350" kern="1200">
           <a:solidFill>
             <a:schemeClr val="tx1"/>
           </a:solidFill>
@@ -2798,16 +3237,16 @@
           <a:cs typeface="+mn-cs"/>
         </a:defRPr>
       </a:lvl6pPr>
-      <a:lvl7pPr marL="2971800" indent="-228600" algn="l" defTabSz="914400" rtl="0" eaLnBrk="1" latinLnBrk="1" hangingPunct="1">
+      <a:lvl7pPr marL="2228850" indent="-171450" algn="l" defTabSz="685800" rtl="0" eaLnBrk="1" latinLnBrk="1" hangingPunct="1">
         <a:lnSpc>
           <a:spcPct val="90000"/>
         </a:lnSpc>
         <a:spcBef>
-          <a:spcPts val="500"/>
+          <a:spcPts val="375"/>
         </a:spcBef>
         <a:buFont typeface="Arial" panose="020B0604020202020204" pitchFamily="34" charset="0"/>
         <a:buChar char="•"/>
-        <a:defRPr sz="1800" kern="1200">
+        <a:defRPr sz="1350" kern="1200">
           <a:solidFill>
             <a:schemeClr val="tx1"/>
           </a:solidFill>
@@ -2816,16 +3255,16 @@
           <a:cs typeface="+mn-cs"/>
         </a:defRPr>
       </a:lvl7pPr>
-      <a:lvl8pPr marL="3429000" indent="-228600" algn="l" defTabSz="914400" rtl="0" eaLnBrk="1" latinLnBrk="1" hangingPunct="1">
+      <a:lvl8pPr marL="2571750" indent="-171450" algn="l" defTabSz="685800" rtl="0" eaLnBrk="1" latinLnBrk="1" hangingPunct="1">
         <a:lnSpc>
           <a:spcPct val="90000"/>
         </a:lnSpc>
         <a:spcBef>
-          <a:spcPts val="500"/>
+          <a:spcPts val="375"/>
         </a:spcBef>
         <a:buFont typeface="Arial" panose="020B0604020202020204" pitchFamily="34" charset="0"/>
         <a:buChar char="•"/>
-        <a:defRPr sz="1800" kern="1200">
+        <a:defRPr sz="1350" kern="1200">
           <a:solidFill>
             <a:schemeClr val="tx1"/>
           </a:solidFill>
@@ -2834,16 +3273,16 @@
           <a:cs typeface="+mn-cs"/>
         </a:defRPr>
       </a:lvl8pPr>
-      <a:lvl9pPr marL="3886200" indent="-228600" algn="l" defTabSz="914400" rtl="0" eaLnBrk="1" latinLnBrk="1" hangingPunct="1">
+      <a:lvl9pPr marL="2914650" indent="-171450" algn="l" defTabSz="685800" rtl="0" eaLnBrk="1" latinLnBrk="1" hangingPunct="1">
         <a:lnSpc>
           <a:spcPct val="90000"/>
         </a:lnSpc>
         <a:spcBef>
-          <a:spcPts val="500"/>
+          <a:spcPts val="375"/>
         </a:spcBef>
         <a:buFont typeface="Arial" panose="020B0604020202020204" pitchFamily="34" charset="0"/>
         <a:buChar char="•"/>
-        <a:defRPr sz="1800" kern="1200">
+        <a:defRPr sz="1350" kern="1200">
           <a:solidFill>
             <a:schemeClr val="tx1"/>
           </a:solidFill>
@@ -2855,10 +3294,10 @@
     </p:bodyStyle>
     <p:otherStyle>
       <a:defPPr>
-        <a:defRPr lang="ko-KR"/>
+        <a:defRPr lang="en-US"/>
       </a:defPPr>
-      <a:lvl1pPr marL="0" algn="l" defTabSz="914400" rtl="0" eaLnBrk="1" latinLnBrk="1" hangingPunct="1">
-        <a:defRPr sz="1800" kern="1200">
+      <a:lvl1pPr marL="0" algn="l" defTabSz="685800" rtl="0" eaLnBrk="1" latinLnBrk="1" hangingPunct="1">
+        <a:defRPr sz="1350" kern="1200">
           <a:solidFill>
             <a:schemeClr val="tx1"/>
           </a:solidFill>
@@ -2867,8 +3306,8 @@
           <a:cs typeface="+mn-cs"/>
         </a:defRPr>
       </a:lvl1pPr>
-      <a:lvl2pPr marL="457200" algn="l" defTabSz="914400" rtl="0" eaLnBrk="1" latinLnBrk="1" hangingPunct="1">
-        <a:defRPr sz="1800" kern="1200">
+      <a:lvl2pPr marL="342900" algn="l" defTabSz="685800" rtl="0" eaLnBrk="1" latinLnBrk="1" hangingPunct="1">
+        <a:defRPr sz="1350" kern="1200">
           <a:solidFill>
             <a:schemeClr val="tx1"/>
           </a:solidFill>
@@ -2877,8 +3316,8 @@
           <a:cs typeface="+mn-cs"/>
         </a:defRPr>
       </a:lvl2pPr>
-      <a:lvl3pPr marL="914400" algn="l" defTabSz="914400" rtl="0" eaLnBrk="1" latinLnBrk="1" hangingPunct="1">
-        <a:defRPr sz="1800" kern="1200">
+      <a:lvl3pPr marL="685800" algn="l" defTabSz="685800" rtl="0" eaLnBrk="1" latinLnBrk="1" hangingPunct="1">
+        <a:defRPr sz="1350" kern="1200">
           <a:solidFill>
             <a:schemeClr val="tx1"/>
           </a:solidFill>
@@ -2887,8 +3326,8 @@
           <a:cs typeface="+mn-cs"/>
         </a:defRPr>
       </a:lvl3pPr>
-      <a:lvl4pPr marL="1371600" algn="l" defTabSz="914400" rtl="0" eaLnBrk="1" latinLnBrk="1" hangingPunct="1">
-        <a:defRPr sz="1800" kern="1200">
+      <a:lvl4pPr marL="1028700" algn="l" defTabSz="685800" rtl="0" eaLnBrk="1" latinLnBrk="1" hangingPunct="1">
+        <a:defRPr sz="1350" kern="1200">
           <a:solidFill>
             <a:schemeClr val="tx1"/>
           </a:solidFill>
@@ -2897,8 +3336,8 @@
           <a:cs typeface="+mn-cs"/>
         </a:defRPr>
       </a:lvl4pPr>
-      <a:lvl5pPr marL="1828800" algn="l" defTabSz="914400" rtl="0" eaLnBrk="1" latinLnBrk="1" hangingPunct="1">
-        <a:defRPr sz="1800" kern="1200">
+      <a:lvl5pPr marL="1371600" algn="l" defTabSz="685800" rtl="0" eaLnBrk="1" latinLnBrk="1" hangingPunct="1">
+        <a:defRPr sz="1350" kern="1200">
           <a:solidFill>
             <a:schemeClr val="tx1"/>
           </a:solidFill>
@@ -2907,8 +3346,8 @@
           <a:cs typeface="+mn-cs"/>
         </a:defRPr>
       </a:lvl5pPr>
-      <a:lvl6pPr marL="2286000" algn="l" defTabSz="914400" rtl="0" eaLnBrk="1" latinLnBrk="1" hangingPunct="1">
-        <a:defRPr sz="1800" kern="1200">
+      <a:lvl6pPr marL="1714500" algn="l" defTabSz="685800" rtl="0" eaLnBrk="1" latinLnBrk="1" hangingPunct="1">
+        <a:defRPr sz="1350" kern="1200">
           <a:solidFill>
             <a:schemeClr val="tx1"/>
           </a:solidFill>
@@ -2917,8 +3356,8 @@
           <a:cs typeface="+mn-cs"/>
         </a:defRPr>
       </a:lvl6pPr>
-      <a:lvl7pPr marL="2743200" algn="l" defTabSz="914400" rtl="0" eaLnBrk="1" latinLnBrk="1" hangingPunct="1">
-        <a:defRPr sz="1800" kern="1200">
+      <a:lvl7pPr marL="2057400" algn="l" defTabSz="685800" rtl="0" eaLnBrk="1" latinLnBrk="1" hangingPunct="1">
+        <a:defRPr sz="1350" kern="1200">
           <a:solidFill>
             <a:schemeClr val="tx1"/>
           </a:solidFill>
@@ -2927,8 +3366,8 @@
           <a:cs typeface="+mn-cs"/>
         </a:defRPr>
       </a:lvl7pPr>
-      <a:lvl8pPr marL="3200400" algn="l" defTabSz="914400" rtl="0" eaLnBrk="1" latinLnBrk="1" hangingPunct="1">
-        <a:defRPr sz="1800" kern="1200">
+      <a:lvl8pPr marL="2400300" algn="l" defTabSz="685800" rtl="0" eaLnBrk="1" latinLnBrk="1" hangingPunct="1">
+        <a:defRPr sz="1350" kern="1200">
           <a:solidFill>
             <a:schemeClr val="tx1"/>
           </a:solidFill>
@@ -2937,8 +3376,8 @@
           <a:cs typeface="+mn-cs"/>
         </a:defRPr>
       </a:lvl8pPr>
-      <a:lvl9pPr marL="3657600" algn="l" defTabSz="914400" rtl="0" eaLnBrk="1" latinLnBrk="1" hangingPunct="1">
-        <a:defRPr sz="1800" kern="1200">
+      <a:lvl9pPr marL="2743200" algn="l" defTabSz="685800" rtl="0" eaLnBrk="1" latinLnBrk="1" hangingPunct="1">
+        <a:defRPr sz="1350" kern="1200">
           <a:solidFill>
             <a:schemeClr val="tx1"/>
           </a:solidFill>
@@ -2977,8 +3416,8 @@
         </p:nvSpPr>
         <p:spPr>
           <a:xfrm>
-            <a:off x="270164" y="170409"/>
-            <a:ext cx="2189284" cy="644237"/>
+            <a:off x="477485" y="359164"/>
+            <a:ext cx="1440000" cy="312879"/>
           </a:xfrm>
           <a:prstGeom prst="rect">
             <a:avLst/>
@@ -3001,52 +3440,4571 @@
           </a:fontRef>
         </p:style>
         <p:txBody>
-          <a:bodyPr rtlCol="0" anchor="ctr"/>
+          <a:bodyPr rot="0" spcFirstLastPara="0" vertOverflow="overflow" horzOverflow="overflow" vert="horz" wrap="square" lIns="51435" tIns="25718" rIns="51435" bIns="25718" numCol="1" spcCol="0" rtlCol="0" fromWordArt="0" anchor="ctr" anchorCtr="0" forceAA="0" compatLnSpc="1">
+            <a:prstTxWarp prst="textNoShape">
+              <a:avLst/>
+            </a:prstTxWarp>
+            <a:noAutofit/>
+          </a:bodyPr>
           <a:lstStyle/>
           <a:p>
             <a:pPr algn="ctr"/>
             <a:r>
-              <a:rPr lang="en-US" altLang="ko-KR" sz="1400" b="1" dirty="0" smtClean="0">
+              <a:rPr lang="en-US" altLang="ko-KR" sz="675" dirty="0" err="1"/>
+              <a:t>Int</a:t>
+            </a:r>
+            <a:r>
+              <a:rPr lang="en-US" altLang="ko-KR" sz="675" dirty="0"/>
+              <a:t> or </a:t>
+            </a:r>
+            <a:r>
+              <a:rPr lang="en-US" altLang="ko-KR" sz="675" dirty="0" err="1"/>
+              <a:t>Wp</a:t>
+            </a:r>
+            <a:r>
+              <a:rPr lang="en-US" altLang="ko-KR" sz="675" dirty="0"/>
+              <a:t> </a:t>
+            </a:r>
+            <a:r>
+              <a:rPr lang="ko-KR" altLang="en-US" sz="675" dirty="0"/>
+              <a:t>순으로 </a:t>
+            </a:r>
+            <a:r>
+              <a:rPr lang="en-US" altLang="ko-KR" sz="675" dirty="0" smtClean="0"/>
+              <a:t>Area </a:t>
+            </a:r>
+            <a:r>
+              <a:rPr lang="ko-KR" altLang="en-US" sz="675" dirty="0" smtClean="0"/>
+              <a:t>정렬 후</a:t>
+            </a:r>
+            <a:endParaRPr lang="en-US" altLang="ko-KR" sz="675" dirty="0" smtClean="0"/>
+          </a:p>
+          <a:p>
+            <a:pPr algn="ctr"/>
+            <a:r>
+              <a:rPr lang="ko-KR" altLang="en-US" sz="675" dirty="0"/>
+              <a:t>가장 </a:t>
+            </a:r>
+            <a:r>
+              <a:rPr lang="ko-KR" altLang="en-US" sz="675" dirty="0" err="1"/>
+              <a:t>첫번째</a:t>
+            </a:r>
+            <a:r>
+              <a:rPr lang="ko-KR" altLang="en-US" sz="675" dirty="0"/>
+              <a:t> </a:t>
+            </a:r>
+            <a:r>
+              <a:rPr lang="en-US" altLang="ko-KR" sz="675" dirty="0"/>
+              <a:t>Area</a:t>
+            </a:r>
+            <a:r>
+              <a:rPr lang="ko-KR" altLang="en-US" sz="675" dirty="0"/>
+              <a:t>를</a:t>
+            </a:r>
+            <a:r>
+              <a:rPr lang="en-US" altLang="ko-KR" sz="675" dirty="0"/>
+              <a:t> </a:t>
+            </a:r>
+            <a:r>
+              <a:rPr lang="ko-KR" altLang="en-US" sz="675" dirty="0" smtClean="0"/>
+              <a:t>선택</a:t>
+            </a:r>
+            <a:endParaRPr lang="en-US" altLang="ko-KR" sz="675" dirty="0"/>
+          </a:p>
+        </p:txBody>
+      </p:sp>
+      <p:sp>
+        <p:nvSpPr>
+          <p:cNvPr id="6" name="모서리가 둥근 직사각형 5"/>
+          <p:cNvSpPr/>
+          <p:nvPr/>
+        </p:nvSpPr>
+        <p:spPr>
+          <a:xfrm>
+            <a:off x="477485" y="63306"/>
+            <a:ext cx="1440000" cy="180000"/>
+          </a:xfrm>
+          <a:prstGeom prst="roundRect">
+            <a:avLst/>
+          </a:prstGeom>
+        </p:spPr>
+        <p:style>
+          <a:lnRef idx="2">
+            <a:schemeClr val="accent1">
+              <a:shade val="50000"/>
+            </a:schemeClr>
+          </a:lnRef>
+          <a:fillRef idx="1">
+            <a:schemeClr val="accent1"/>
+          </a:fillRef>
+          <a:effectRef idx="0">
+            <a:schemeClr val="accent1"/>
+          </a:effectRef>
+          <a:fontRef idx="minor">
+            <a:schemeClr val="lt1"/>
+          </a:fontRef>
+        </p:style>
+        <p:txBody>
+          <a:bodyPr rot="0" spcFirstLastPara="0" vertOverflow="overflow" horzOverflow="overflow" vert="horz" wrap="square" lIns="51435" tIns="25718" rIns="51435" bIns="25718" numCol="1" spcCol="0" rtlCol="0" fromWordArt="0" anchor="ctr" anchorCtr="0" forceAA="0" compatLnSpc="1">
+            <a:prstTxWarp prst="textNoShape">
+              <a:avLst/>
+            </a:prstTxWarp>
+            <a:noAutofit/>
+          </a:bodyPr>
+          <a:lstStyle/>
+          <a:p>
+            <a:pPr algn="ctr"/>
+            <a:r>
+              <a:rPr lang="en-US" altLang="ko-KR" sz="675" dirty="0" smtClean="0"/>
+              <a:t>DB open</a:t>
+            </a:r>
+            <a:endParaRPr lang="en-US" altLang="ko-KR" sz="675" dirty="0"/>
+          </a:p>
+        </p:txBody>
+      </p:sp>
+      <p:sp>
+        <p:nvSpPr>
+          <p:cNvPr id="11" name="다이아몬드 10"/>
+          <p:cNvSpPr/>
+          <p:nvPr/>
+        </p:nvSpPr>
+        <p:spPr>
+          <a:xfrm>
+            <a:off x="477485" y="950883"/>
+            <a:ext cx="1440000" cy="626297"/>
+          </a:xfrm>
+          <a:prstGeom prst="diamond">
+            <a:avLst/>
+          </a:prstGeom>
+        </p:spPr>
+        <p:style>
+          <a:lnRef idx="2">
+            <a:schemeClr val="accent1">
+              <a:shade val="50000"/>
+            </a:schemeClr>
+          </a:lnRef>
+          <a:fillRef idx="1">
+            <a:schemeClr val="accent1"/>
+          </a:fillRef>
+          <a:effectRef idx="0">
+            <a:schemeClr val="accent1"/>
+          </a:effectRef>
+          <a:fontRef idx="minor">
+            <a:schemeClr val="lt1"/>
+          </a:fontRef>
+        </p:style>
+        <p:txBody>
+          <a:bodyPr rot="0" spcFirstLastPara="0" vertOverflow="overflow" horzOverflow="overflow" vert="horz" wrap="square" lIns="51435" tIns="25718" rIns="51435" bIns="25718" numCol="1" spcCol="0" rtlCol="0" fromWordArt="0" anchor="ctr" anchorCtr="0" forceAA="0" compatLnSpc="1">
+            <a:prstTxWarp prst="textNoShape">
+              <a:avLst/>
+            </a:prstTxWarp>
+            <a:noAutofit/>
+          </a:bodyPr>
+          <a:lstStyle/>
+          <a:p>
+            <a:pPr algn="ctr"/>
+            <a:r>
+              <a:rPr lang="ko-KR" altLang="en-US" sz="675" dirty="0"/>
+              <a:t>해당 </a:t>
+            </a:r>
+            <a:r>
+              <a:rPr lang="en-US" altLang="ko-KR" sz="675" dirty="0" smtClean="0"/>
+              <a:t>Area</a:t>
+            </a:r>
+            <a:r>
+              <a:rPr lang="ko-KR" altLang="en-US" sz="675" dirty="0"/>
+              <a:t> </a:t>
+            </a:r>
+            <a:r>
+              <a:rPr lang="en-US" altLang="ko-KR" sz="675" dirty="0" smtClean="0"/>
+              <a:t/>
+            </a:r>
+            <a:br>
+              <a:rPr lang="en-US" altLang="ko-KR" sz="675" dirty="0" smtClean="0"/>
+            </a:br>
+            <a:r>
+              <a:rPr lang="ko-KR" altLang="en-US" sz="675" dirty="0" smtClean="0"/>
+              <a:t>잔여 </a:t>
+            </a:r>
+            <a:r>
+              <a:rPr lang="en-US" altLang="ko-KR" sz="675" dirty="0"/>
+              <a:t>shot</a:t>
+            </a:r>
+            <a:r>
+              <a:rPr lang="ko-KR" altLang="en-US" sz="675" dirty="0" smtClean="0"/>
+              <a:t>이</a:t>
+            </a:r>
+            <a:r>
+              <a:rPr lang="en-US" altLang="ko-KR" sz="675" dirty="0" smtClean="0"/>
+              <a:t/>
+            </a:r>
+            <a:br>
+              <a:rPr lang="en-US" altLang="ko-KR" sz="675" dirty="0" smtClean="0"/>
+            </a:br>
+            <a:r>
+              <a:rPr lang="ko-KR" altLang="en-US" sz="675" dirty="0" smtClean="0"/>
+              <a:t> </a:t>
+            </a:r>
+            <a:r>
+              <a:rPr lang="en-US" altLang="ko-KR" sz="675" b="1" i="1" dirty="0">
                 <a:solidFill>
-                  <a:schemeClr val="bg1"/>
+                  <a:srgbClr val="FF0000"/>
                 </a:solidFill>
               </a:rPr>
-              <a:t>P</a:t>
-            </a:r>
-            <a:r>
-              <a:rPr lang="ko-KR" altLang="en-US" sz="1400" b="1" dirty="0" smtClean="0">
+              <a:t>x_1</a:t>
+            </a:r>
+            <a:r>
+              <a:rPr lang="en-US" altLang="ko-KR" sz="675" dirty="0"/>
+              <a:t> </a:t>
+            </a:r>
+            <a:r>
+              <a:rPr lang="ko-KR" altLang="en-US" sz="675" dirty="0"/>
+              <a:t>이상인가</a:t>
+            </a:r>
+            <a:r>
+              <a:rPr lang="en-US" altLang="ko-KR" sz="675" dirty="0" smtClean="0"/>
+              <a:t>?/</a:t>
+            </a:r>
+            <a:r>
+              <a:rPr lang="ko-KR" altLang="en-US" sz="675" dirty="0" err="1" smtClean="0"/>
+              <a:t>수율은</a:t>
+            </a:r>
+            <a:r>
+              <a:rPr lang="ko-KR" altLang="en-US" sz="675" dirty="0" smtClean="0"/>
+              <a:t> </a:t>
+            </a:r>
+            <a:r>
+              <a:rPr lang="en-US" altLang="ko-KR" sz="675" b="1" i="1" dirty="0" smtClean="0">
                 <a:solidFill>
-                  <a:schemeClr val="bg1"/>
+                  <a:srgbClr val="FF0000"/>
                 </a:solidFill>
               </a:rPr>
-              <a:t>사 측정 </a:t>
-            </a:r>
-            <a:r>
-              <a:rPr lang="en-US" altLang="ko-KR" sz="1400" b="1" dirty="0" smtClean="0">
+              <a:t>y_1</a:t>
+            </a:r>
+            <a:r>
+              <a:rPr lang="en-US" altLang="ko-KR" sz="675" dirty="0" smtClean="0"/>
+              <a:t> </a:t>
+            </a:r>
+            <a:r>
+              <a:rPr lang="ko-KR" altLang="en-US" sz="675" dirty="0" smtClean="0"/>
+              <a:t>이상인가</a:t>
+            </a:r>
+            <a:r>
+              <a:rPr lang="en-US" altLang="ko-KR" sz="675" dirty="0" smtClean="0"/>
+              <a:t>?</a:t>
+            </a:r>
+            <a:endParaRPr lang="ko-KR" altLang="en-US" sz="675" dirty="0"/>
+          </a:p>
+        </p:txBody>
+      </p:sp>
+      <p:sp>
+        <p:nvSpPr>
+          <p:cNvPr id="12" name="직사각형 11"/>
+          <p:cNvSpPr/>
+          <p:nvPr/>
+        </p:nvSpPr>
+        <p:spPr>
+          <a:xfrm>
+            <a:off x="2542845" y="649830"/>
+            <a:ext cx="1440000" cy="180000"/>
+          </a:xfrm>
+          <a:prstGeom prst="rect">
+            <a:avLst/>
+          </a:prstGeom>
+        </p:spPr>
+        <p:style>
+          <a:lnRef idx="2">
+            <a:schemeClr val="accent1">
+              <a:shade val="50000"/>
+            </a:schemeClr>
+          </a:lnRef>
+          <a:fillRef idx="1">
+            <a:schemeClr val="accent1"/>
+          </a:fillRef>
+          <a:effectRef idx="0">
+            <a:schemeClr val="accent1"/>
+          </a:effectRef>
+          <a:fontRef idx="minor">
+            <a:schemeClr val="lt1"/>
+          </a:fontRef>
+        </p:style>
+        <p:txBody>
+          <a:bodyPr rot="0" spcFirstLastPara="0" vertOverflow="overflow" horzOverflow="overflow" vert="horz" wrap="square" lIns="51435" tIns="25718" rIns="51435" bIns="25718" numCol="1" spcCol="0" rtlCol="0" fromWordArt="0" anchor="ctr" anchorCtr="0" forceAA="0" compatLnSpc="1">
+            <a:prstTxWarp prst="textNoShape">
+              <a:avLst/>
+            </a:prstTxWarp>
+            <a:noAutofit/>
+          </a:bodyPr>
+          <a:lstStyle/>
+          <a:p>
+            <a:pPr algn="ctr"/>
+            <a:r>
+              <a:rPr lang="ko-KR" altLang="en-US" sz="675" dirty="0"/>
+              <a:t>다음 </a:t>
+            </a:r>
+            <a:r>
+              <a:rPr lang="en-US" altLang="ko-KR" sz="675" dirty="0"/>
+              <a:t>Area </a:t>
+            </a:r>
+            <a:r>
+              <a:rPr lang="ko-KR" altLang="en-US" sz="675" dirty="0"/>
+              <a:t>선택</a:t>
+            </a:r>
+            <a:endParaRPr lang="en-US" altLang="ko-KR" sz="675" dirty="0"/>
+          </a:p>
+        </p:txBody>
+      </p:sp>
+      <p:sp>
+        <p:nvSpPr>
+          <p:cNvPr id="13" name="직사각형 12"/>
+          <p:cNvSpPr/>
+          <p:nvPr/>
+        </p:nvSpPr>
+        <p:spPr>
+          <a:xfrm>
+            <a:off x="477485" y="7937599"/>
+            <a:ext cx="1440000" cy="180000"/>
+          </a:xfrm>
+          <a:prstGeom prst="rect">
+            <a:avLst/>
+          </a:prstGeom>
+        </p:spPr>
+        <p:style>
+          <a:lnRef idx="2">
+            <a:schemeClr val="accent1">
+              <a:shade val="50000"/>
+            </a:schemeClr>
+          </a:lnRef>
+          <a:fillRef idx="1">
+            <a:schemeClr val="accent1"/>
+          </a:fillRef>
+          <a:effectRef idx="0">
+            <a:schemeClr val="accent1"/>
+          </a:effectRef>
+          <a:fontRef idx="minor">
+            <a:schemeClr val="lt1"/>
+          </a:fontRef>
+        </p:style>
+        <p:txBody>
+          <a:bodyPr rot="0" spcFirstLastPara="0" vertOverflow="overflow" horzOverflow="overflow" vert="horz" wrap="square" lIns="51435" tIns="25718" rIns="51435" bIns="25718" numCol="1" spcCol="0" rtlCol="0" fromWordArt="0" anchor="ctr" anchorCtr="0" forceAA="0" compatLnSpc="1">
+            <a:prstTxWarp prst="textNoShape">
+              <a:avLst/>
+            </a:prstTxWarp>
+            <a:noAutofit/>
+          </a:bodyPr>
+          <a:lstStyle/>
+          <a:p>
+            <a:pPr algn="ctr"/>
+            <a:r>
+              <a:rPr lang="en-US" altLang="ko-KR" sz="675" dirty="0" smtClean="0"/>
+              <a:t>Area </a:t>
+            </a:r>
+            <a:r>
+              <a:rPr lang="ko-KR" altLang="en-US" sz="675" dirty="0" smtClean="0"/>
+              <a:t>선정</a:t>
+            </a:r>
+            <a:endParaRPr lang="en-US" altLang="ko-KR" sz="675" dirty="0"/>
+          </a:p>
+        </p:txBody>
+      </p:sp>
+      <p:sp>
+        <p:nvSpPr>
+          <p:cNvPr id="14" name="직사각형 13"/>
+          <p:cNvSpPr/>
+          <p:nvPr/>
+        </p:nvSpPr>
+        <p:spPr>
+          <a:xfrm>
+            <a:off x="4612193" y="862182"/>
+            <a:ext cx="1440000" cy="180000"/>
+          </a:xfrm>
+          <a:prstGeom prst="rect">
+            <a:avLst/>
+          </a:prstGeom>
+        </p:spPr>
+        <p:style>
+          <a:lnRef idx="2">
+            <a:schemeClr val="accent1">
+              <a:shade val="50000"/>
+            </a:schemeClr>
+          </a:lnRef>
+          <a:fillRef idx="1">
+            <a:schemeClr val="accent1"/>
+          </a:fillRef>
+          <a:effectRef idx="0">
+            <a:schemeClr val="accent1"/>
+          </a:effectRef>
+          <a:fontRef idx="minor">
+            <a:schemeClr val="lt1"/>
+          </a:fontRef>
+        </p:style>
+        <p:txBody>
+          <a:bodyPr rot="0" spcFirstLastPara="0" vertOverflow="overflow" horzOverflow="overflow" vert="horz" wrap="square" lIns="51435" tIns="25718" rIns="51435" bIns="25718" numCol="1" spcCol="0" rtlCol="0" fromWordArt="0" anchor="ctr" anchorCtr="0" forceAA="0" compatLnSpc="1">
+            <a:prstTxWarp prst="textNoShape">
+              <a:avLst/>
+            </a:prstTxWarp>
+            <a:noAutofit/>
+          </a:bodyPr>
+          <a:lstStyle/>
+          <a:p>
+            <a:pPr algn="ctr"/>
+            <a:r>
+              <a:rPr lang="ko-KR" altLang="en-US" sz="675" dirty="0"/>
+              <a:t>다음</a:t>
+            </a:r>
+            <a:r>
+              <a:rPr lang="en-US" altLang="ko-KR" sz="675" dirty="0"/>
+              <a:t> Area</a:t>
+            </a:r>
+            <a:r>
+              <a:rPr lang="ko-KR" altLang="en-US" sz="675" dirty="0"/>
+              <a:t> 선택</a:t>
+            </a:r>
+            <a:endParaRPr lang="en-US" altLang="ko-KR" sz="675" dirty="0"/>
+          </a:p>
+        </p:txBody>
+      </p:sp>
+      <p:sp>
+        <p:nvSpPr>
+          <p:cNvPr id="15" name="다이아몬드 14"/>
+          <p:cNvSpPr/>
+          <p:nvPr/>
+        </p:nvSpPr>
+        <p:spPr>
+          <a:xfrm>
+            <a:off x="4612193" y="1232320"/>
+            <a:ext cx="1440000" cy="626297"/>
+          </a:xfrm>
+          <a:prstGeom prst="diamond">
+            <a:avLst/>
+          </a:prstGeom>
+        </p:spPr>
+        <p:style>
+          <a:lnRef idx="2">
+            <a:schemeClr val="accent1">
+              <a:shade val="50000"/>
+            </a:schemeClr>
+          </a:lnRef>
+          <a:fillRef idx="1">
+            <a:schemeClr val="accent1"/>
+          </a:fillRef>
+          <a:effectRef idx="0">
+            <a:schemeClr val="accent1"/>
+          </a:effectRef>
+          <a:fontRef idx="minor">
+            <a:schemeClr val="lt1"/>
+          </a:fontRef>
+        </p:style>
+        <p:txBody>
+          <a:bodyPr rot="0" spcFirstLastPara="0" vertOverflow="overflow" horzOverflow="overflow" vert="horz" wrap="square" lIns="51435" tIns="25718" rIns="51435" bIns="25718" numCol="1" spcCol="0" rtlCol="0" fromWordArt="0" anchor="ctr" anchorCtr="0" forceAA="0" compatLnSpc="1">
+            <a:prstTxWarp prst="textNoShape">
+              <a:avLst/>
+            </a:prstTxWarp>
+            <a:noAutofit/>
+          </a:bodyPr>
+          <a:lstStyle/>
+          <a:p>
+            <a:pPr algn="ctr"/>
+            <a:r>
+              <a:rPr lang="ko-KR" altLang="en-US" sz="675" dirty="0"/>
+              <a:t>해당 </a:t>
+            </a:r>
+            <a:r>
+              <a:rPr lang="en-US" altLang="ko-KR" sz="675" dirty="0"/>
+              <a:t>Area</a:t>
+            </a:r>
+            <a:r>
+              <a:rPr lang="ko-KR" altLang="en-US" sz="675" dirty="0"/>
+              <a:t>의 잔여 </a:t>
+            </a:r>
+            <a:r>
+              <a:rPr lang="en-US" altLang="ko-KR" sz="675" dirty="0"/>
+              <a:t>shot</a:t>
+            </a:r>
+            <a:r>
+              <a:rPr lang="ko-KR" altLang="en-US" sz="675" dirty="0"/>
+              <a:t>이 </a:t>
+            </a:r>
+            <a:r>
+              <a:rPr lang="en-US" altLang="ko-KR" sz="675" b="1" i="1" dirty="0" smtClean="0">
                 <a:solidFill>
-                  <a:schemeClr val="bg1"/>
+                  <a:srgbClr val="FF0000"/>
                 </a:solidFill>
               </a:rPr>
-              <a:t>Raw data</a:t>
-            </a:r>
-            <a:endParaRPr lang="ko-KR" altLang="en-US" sz="1400" b="1" dirty="0">
-              <a:solidFill>
-                <a:schemeClr val="bg1"/>
-              </a:solidFill>
-            </a:endParaRPr>
-          </a:p>
-        </p:txBody>
-      </p:sp>
-      <p:sp>
-        <p:nvSpPr>
-          <p:cNvPr id="5" name="TextBox 4"/>
+              <a:t>x</a:t>
+            </a:r>
+            <a:r>
+              <a:rPr lang="en-US" altLang="ko-KR" sz="675" b="1" dirty="0" smtClean="0">
+                <a:solidFill>
+                  <a:srgbClr val="FF0000"/>
+                </a:solidFill>
+              </a:rPr>
+              <a:t>_3</a:t>
+            </a:r>
+            <a:r>
+              <a:rPr lang="ko-KR" altLang="en-US" sz="675" dirty="0" smtClean="0"/>
+              <a:t>이상인가</a:t>
+            </a:r>
+            <a:r>
+              <a:rPr lang="en-US" altLang="ko-KR" sz="675" dirty="0" smtClean="0"/>
+              <a:t>?</a:t>
+            </a:r>
+            <a:r>
+              <a:rPr lang="ko-KR" altLang="en-US" sz="675" dirty="0"/>
+              <a:t> </a:t>
+            </a:r>
+            <a:r>
+              <a:rPr lang="ko-KR" altLang="en-US" sz="675" dirty="0" err="1"/>
+              <a:t>수율은</a:t>
+            </a:r>
+            <a:r>
+              <a:rPr lang="ko-KR" altLang="en-US" sz="675" dirty="0"/>
+              <a:t> </a:t>
+            </a:r>
+            <a:r>
+              <a:rPr lang="en-US" altLang="ko-KR" sz="675" b="1" i="1" dirty="0" smtClean="0">
+                <a:solidFill>
+                  <a:srgbClr val="FF0000"/>
+                </a:solidFill>
+              </a:rPr>
+              <a:t>y_3</a:t>
+            </a:r>
+            <a:r>
+              <a:rPr lang="en-US" altLang="ko-KR" sz="675" dirty="0" smtClean="0"/>
+              <a:t> </a:t>
+            </a:r>
+            <a:r>
+              <a:rPr lang="ko-KR" altLang="en-US" sz="675" dirty="0"/>
+              <a:t>이상인가</a:t>
+            </a:r>
+            <a:r>
+              <a:rPr lang="en-US" altLang="ko-KR" sz="675" dirty="0" smtClean="0"/>
+              <a:t>?</a:t>
+            </a:r>
+            <a:endParaRPr lang="ko-KR" altLang="en-US" sz="675" dirty="0"/>
+          </a:p>
+        </p:txBody>
+      </p:sp>
+      <p:sp>
+        <p:nvSpPr>
+          <p:cNvPr id="17" name="직사각형 16"/>
+          <p:cNvSpPr/>
+          <p:nvPr/>
+        </p:nvSpPr>
+        <p:spPr>
+          <a:xfrm>
+            <a:off x="4612193" y="330153"/>
+            <a:ext cx="1440000" cy="341891"/>
+          </a:xfrm>
+          <a:prstGeom prst="rect">
+            <a:avLst/>
+          </a:prstGeom>
+        </p:spPr>
+        <p:style>
+          <a:lnRef idx="2">
+            <a:schemeClr val="accent1">
+              <a:shade val="50000"/>
+            </a:schemeClr>
+          </a:lnRef>
+          <a:fillRef idx="1">
+            <a:schemeClr val="accent1"/>
+          </a:fillRef>
+          <a:effectRef idx="0">
+            <a:schemeClr val="accent1"/>
+          </a:effectRef>
+          <a:fontRef idx="minor">
+            <a:schemeClr val="lt1"/>
+          </a:fontRef>
+        </p:style>
+        <p:txBody>
+          <a:bodyPr rot="0" spcFirstLastPara="0" vertOverflow="overflow" horzOverflow="overflow" vert="horz" wrap="square" lIns="51435" tIns="25718" rIns="51435" bIns="25718" numCol="1" spcCol="0" rtlCol="0" fromWordArt="0" anchor="ctr" anchorCtr="0" forceAA="0" compatLnSpc="1">
+            <a:prstTxWarp prst="textNoShape">
+              <a:avLst/>
+            </a:prstTxWarp>
+            <a:noAutofit/>
+          </a:bodyPr>
+          <a:lstStyle/>
+          <a:p>
+            <a:pPr algn="ctr"/>
+            <a:r>
+              <a:rPr lang="ko-KR" altLang="en-US" sz="675" dirty="0" smtClean="0"/>
+              <a:t>기준</a:t>
+            </a:r>
+            <a:r>
+              <a:rPr lang="en-US" altLang="ko-KR" sz="675" dirty="0" smtClean="0"/>
+              <a:t> </a:t>
+            </a:r>
+            <a:r>
+              <a:rPr lang="ko-KR" altLang="en-US" sz="675" dirty="0"/>
+              <a:t>물량</a:t>
+            </a:r>
+            <a:r>
+              <a:rPr lang="en-US" altLang="ko-KR" sz="675" dirty="0" smtClean="0"/>
+              <a:t>(</a:t>
+            </a:r>
+            <a:r>
+              <a:rPr lang="en-US" altLang="ko-KR" sz="675" dirty="0" err="1" smtClean="0"/>
+              <a:t>y_temp</a:t>
+            </a:r>
+            <a:r>
+              <a:rPr lang="en-US" altLang="ko-KR" sz="675" dirty="0" smtClean="0"/>
+              <a:t> = </a:t>
+            </a:r>
+            <a:r>
+              <a:rPr lang="en-US" altLang="ko-KR" sz="675" b="1" i="1" dirty="0" smtClean="0">
+                <a:solidFill>
+                  <a:srgbClr val="FF0000"/>
+                </a:solidFill>
+              </a:rPr>
+              <a:t>y_1</a:t>
+            </a:r>
+            <a:r>
+              <a:rPr lang="en-US" altLang="ko-KR" sz="675" dirty="0"/>
+              <a:t>), </a:t>
+            </a:r>
+            <a:r>
+              <a:rPr lang="en-US" altLang="ko-KR" sz="675" dirty="0" err="1" smtClean="0"/>
+              <a:t>Int</a:t>
+            </a:r>
+            <a:r>
+              <a:rPr lang="en-US" altLang="ko-KR" sz="675" dirty="0" smtClean="0"/>
+              <a:t>(</a:t>
+            </a:r>
+            <a:r>
+              <a:rPr lang="en-US" altLang="ko-KR" sz="675" dirty="0" err="1" smtClean="0"/>
+              <a:t>Int_temp</a:t>
+            </a:r>
+            <a:r>
+              <a:rPr lang="en-US" altLang="ko-KR" sz="675" dirty="0" smtClean="0"/>
+              <a:t> = </a:t>
+            </a:r>
+            <a:r>
+              <a:rPr lang="en-US" altLang="ko-KR" sz="675" b="1" i="1" dirty="0" smtClean="0">
+                <a:solidFill>
+                  <a:srgbClr val="FF0000"/>
+                </a:solidFill>
+              </a:rPr>
+              <a:t>Int_1</a:t>
+            </a:r>
+            <a:r>
+              <a:rPr lang="en-US" altLang="ko-KR" sz="675" dirty="0" smtClean="0"/>
+              <a:t>),</a:t>
+            </a:r>
+            <a:br>
+              <a:rPr lang="en-US" altLang="ko-KR" sz="675" dirty="0" smtClean="0"/>
+            </a:br>
+            <a:r>
+              <a:rPr lang="en-US" altLang="ko-KR" sz="675" dirty="0" smtClean="0"/>
+              <a:t> </a:t>
+            </a:r>
+            <a:r>
+              <a:rPr lang="en-US" altLang="ko-KR" sz="675" dirty="0" err="1" smtClean="0"/>
+              <a:t>Wp</a:t>
+            </a:r>
+            <a:r>
+              <a:rPr lang="en-US" altLang="ko-KR" sz="675" dirty="0" smtClean="0"/>
+              <a:t>(</a:t>
+            </a:r>
+            <a:r>
+              <a:rPr lang="en-US" altLang="ko-KR" sz="675" dirty="0" err="1" smtClean="0"/>
+              <a:t>Wp_temp</a:t>
+            </a:r>
+            <a:r>
+              <a:rPr lang="en-US" altLang="ko-KR" sz="675" dirty="0" smtClean="0"/>
+              <a:t> = </a:t>
+            </a:r>
+            <a:r>
+              <a:rPr lang="en-US" altLang="ko-KR" sz="675" b="1" i="1" dirty="0" smtClean="0">
+                <a:solidFill>
+                  <a:srgbClr val="FF0000"/>
+                </a:solidFill>
+              </a:rPr>
+              <a:t>Wp_1</a:t>
+            </a:r>
+            <a:r>
+              <a:rPr lang="en-US" altLang="ko-KR" sz="675" dirty="0"/>
+              <a:t>) </a:t>
+            </a:r>
+            <a:r>
+              <a:rPr lang="ko-KR" altLang="en-US" sz="675" dirty="0"/>
+              <a:t>저장</a:t>
+            </a:r>
+            <a:endParaRPr lang="en-US" altLang="ko-KR" sz="675" dirty="0"/>
+          </a:p>
+        </p:txBody>
+      </p:sp>
+      <p:sp>
+        <p:nvSpPr>
+          <p:cNvPr id="19" name="다이아몬드 18"/>
+          <p:cNvSpPr/>
+          <p:nvPr/>
+        </p:nvSpPr>
+        <p:spPr>
+          <a:xfrm>
+            <a:off x="477485" y="1693039"/>
+            <a:ext cx="1440000" cy="626297"/>
+          </a:xfrm>
+          <a:prstGeom prst="diamond">
+            <a:avLst/>
+          </a:prstGeom>
+        </p:spPr>
+        <p:style>
+          <a:lnRef idx="2">
+            <a:schemeClr val="accent1">
+              <a:shade val="50000"/>
+            </a:schemeClr>
+          </a:lnRef>
+          <a:fillRef idx="1">
+            <a:schemeClr val="accent1"/>
+          </a:fillRef>
+          <a:effectRef idx="0">
+            <a:schemeClr val="accent1"/>
+          </a:effectRef>
+          <a:fontRef idx="minor">
+            <a:schemeClr val="lt1"/>
+          </a:fontRef>
+        </p:style>
+        <p:txBody>
+          <a:bodyPr rot="0" spcFirstLastPara="0" vertOverflow="overflow" horzOverflow="overflow" vert="horz" wrap="square" lIns="51435" tIns="25718" rIns="51435" bIns="25718" numCol="1" spcCol="0" rtlCol="0" fromWordArt="0" anchor="ctr" anchorCtr="0" forceAA="0" compatLnSpc="1">
+            <a:prstTxWarp prst="textNoShape">
+              <a:avLst/>
+            </a:prstTxWarp>
+            <a:noAutofit/>
+          </a:bodyPr>
+          <a:lstStyle/>
+          <a:p>
+            <a:pPr algn="ctr"/>
+            <a:r>
+              <a:rPr lang="ko-KR" altLang="en-US" sz="675" dirty="0"/>
+              <a:t>해당 </a:t>
+            </a:r>
+            <a:r>
+              <a:rPr lang="en-US" altLang="ko-KR" sz="675" dirty="0"/>
+              <a:t>Area</a:t>
+            </a:r>
+            <a:r>
+              <a:rPr lang="ko-KR" altLang="en-US" sz="675" dirty="0"/>
+              <a:t>의</a:t>
+            </a:r>
+            <a:endParaRPr lang="en-US" altLang="ko-KR" sz="675" dirty="0"/>
+          </a:p>
+          <a:p>
+            <a:pPr algn="ctr"/>
+            <a:r>
+              <a:rPr lang="en-US" altLang="ko-KR" sz="675" dirty="0"/>
+              <a:t>Int. </a:t>
+            </a:r>
+            <a:r>
+              <a:rPr lang="en-US" altLang="ko-KR" sz="675" dirty="0" err="1"/>
+              <a:t>Std</a:t>
+            </a:r>
+            <a:r>
+              <a:rPr lang="ko-KR" altLang="en-US" sz="675" dirty="0"/>
+              <a:t>가</a:t>
+            </a:r>
+            <a:endParaRPr lang="en-US" altLang="ko-KR" sz="675" dirty="0"/>
+          </a:p>
+          <a:p>
+            <a:pPr algn="ctr"/>
+            <a:r>
+              <a:rPr lang="en-US" altLang="ko-KR" sz="675" i="1" dirty="0" err="1">
+                <a:solidFill>
+                  <a:srgbClr val="FF0000"/>
+                </a:solidFill>
+              </a:rPr>
+              <a:t>I</a:t>
+            </a:r>
+            <a:r>
+              <a:rPr lang="en-US" altLang="ko-KR" sz="675" b="1" i="1" dirty="0" err="1">
+                <a:solidFill>
+                  <a:srgbClr val="FF0000"/>
+                </a:solidFill>
+              </a:rPr>
+              <a:t>nt_std_standard</a:t>
+            </a:r>
+            <a:r>
+              <a:rPr lang="ko-KR" altLang="en-US" sz="675" dirty="0"/>
+              <a:t>이내인가</a:t>
+            </a:r>
+            <a:r>
+              <a:rPr lang="en-US" altLang="ko-KR" sz="675" dirty="0"/>
+              <a:t>?</a:t>
+            </a:r>
+            <a:r>
+              <a:rPr lang="ko-KR" altLang="en-US" sz="675" dirty="0"/>
+              <a:t> </a:t>
+            </a:r>
+          </a:p>
+        </p:txBody>
+      </p:sp>
+      <p:sp>
+        <p:nvSpPr>
+          <p:cNvPr id="21" name="다이아몬드 20"/>
+          <p:cNvSpPr/>
+          <p:nvPr/>
+        </p:nvSpPr>
+        <p:spPr>
+          <a:xfrm>
+            <a:off x="477485" y="2435195"/>
+            <a:ext cx="1440000" cy="626297"/>
+          </a:xfrm>
+          <a:prstGeom prst="diamond">
+            <a:avLst/>
+          </a:prstGeom>
+        </p:spPr>
+        <p:style>
+          <a:lnRef idx="2">
+            <a:schemeClr val="accent1">
+              <a:shade val="50000"/>
+            </a:schemeClr>
+          </a:lnRef>
+          <a:fillRef idx="1">
+            <a:schemeClr val="accent1"/>
+          </a:fillRef>
+          <a:effectRef idx="0">
+            <a:schemeClr val="accent1"/>
+          </a:effectRef>
+          <a:fontRef idx="minor">
+            <a:schemeClr val="lt1"/>
+          </a:fontRef>
+        </p:style>
+        <p:txBody>
+          <a:bodyPr rot="0" spcFirstLastPara="0" vertOverflow="overflow" horzOverflow="overflow" vert="horz" wrap="square" lIns="51435" tIns="25718" rIns="51435" bIns="25718" numCol="1" spcCol="0" rtlCol="0" fromWordArt="0" anchor="ctr" anchorCtr="0" forceAA="0" compatLnSpc="1">
+            <a:prstTxWarp prst="textNoShape">
+              <a:avLst/>
+            </a:prstTxWarp>
+            <a:noAutofit/>
+          </a:bodyPr>
+          <a:lstStyle/>
+          <a:p>
+            <a:pPr algn="ctr"/>
+            <a:r>
+              <a:rPr lang="ko-KR" altLang="en-US" sz="675" dirty="0"/>
+              <a:t>해당 </a:t>
+            </a:r>
+            <a:r>
+              <a:rPr lang="en-US" altLang="ko-KR" sz="675" dirty="0"/>
+              <a:t>Area</a:t>
+            </a:r>
+            <a:r>
+              <a:rPr lang="ko-KR" altLang="en-US" sz="675" dirty="0"/>
+              <a:t>의</a:t>
+            </a:r>
+            <a:endParaRPr lang="en-US" altLang="ko-KR" sz="675" dirty="0"/>
+          </a:p>
+          <a:p>
+            <a:pPr algn="ctr"/>
+            <a:r>
+              <a:rPr lang="en-US" altLang="ko-KR" sz="675" dirty="0" err="1"/>
+              <a:t>Wp</a:t>
+            </a:r>
+            <a:r>
+              <a:rPr lang="en-US" altLang="ko-KR" sz="675" dirty="0"/>
+              <a:t>. </a:t>
+            </a:r>
+            <a:r>
+              <a:rPr lang="en-US" altLang="ko-KR" sz="675" dirty="0" err="1"/>
+              <a:t>Std</a:t>
+            </a:r>
+            <a:r>
+              <a:rPr lang="ko-KR" altLang="en-US" sz="675" dirty="0"/>
+              <a:t>가</a:t>
+            </a:r>
+            <a:endParaRPr lang="en-US" altLang="ko-KR" sz="675" dirty="0"/>
+          </a:p>
+          <a:p>
+            <a:pPr algn="ctr"/>
+            <a:r>
+              <a:rPr lang="en-US" altLang="ko-KR" sz="675" b="1" i="1" dirty="0" err="1">
+                <a:solidFill>
+                  <a:srgbClr val="FF0000"/>
+                </a:solidFill>
+              </a:rPr>
+              <a:t>Wp_std_standar</a:t>
+            </a:r>
+            <a:r>
+              <a:rPr lang="en-US" altLang="ko-KR" sz="675" i="1" dirty="0" err="1">
+                <a:solidFill>
+                  <a:srgbClr val="FF0000"/>
+                </a:solidFill>
+              </a:rPr>
+              <a:t>d</a:t>
+            </a:r>
+            <a:r>
+              <a:rPr lang="en-US" altLang="ko-KR" sz="675" i="1" dirty="0">
+                <a:solidFill>
+                  <a:srgbClr val="FF0000"/>
+                </a:solidFill>
+              </a:rPr>
+              <a:t> </a:t>
+            </a:r>
+            <a:r>
+              <a:rPr lang="ko-KR" altLang="en-US" sz="675" dirty="0"/>
+              <a:t>이내인가</a:t>
+            </a:r>
+            <a:r>
+              <a:rPr lang="en-US" altLang="ko-KR" sz="675" dirty="0"/>
+              <a:t>?</a:t>
+            </a:r>
+            <a:r>
+              <a:rPr lang="ko-KR" altLang="en-US" sz="675" dirty="0"/>
+              <a:t> </a:t>
+            </a:r>
+          </a:p>
+        </p:txBody>
+      </p:sp>
+      <p:sp>
+        <p:nvSpPr>
+          <p:cNvPr id="22" name="다이아몬드 21"/>
+          <p:cNvSpPr/>
+          <p:nvPr/>
+        </p:nvSpPr>
+        <p:spPr>
+          <a:xfrm>
+            <a:off x="4612193" y="2048756"/>
+            <a:ext cx="1440000" cy="626297"/>
+          </a:xfrm>
+          <a:prstGeom prst="diamond">
+            <a:avLst/>
+          </a:prstGeom>
+        </p:spPr>
+        <p:style>
+          <a:lnRef idx="2">
+            <a:schemeClr val="accent1">
+              <a:shade val="50000"/>
+            </a:schemeClr>
+          </a:lnRef>
+          <a:fillRef idx="1">
+            <a:schemeClr val="accent1"/>
+          </a:fillRef>
+          <a:effectRef idx="0">
+            <a:schemeClr val="accent1"/>
+          </a:effectRef>
+          <a:fontRef idx="minor">
+            <a:schemeClr val="lt1"/>
+          </a:fontRef>
+        </p:style>
+        <p:txBody>
+          <a:bodyPr rot="0" spcFirstLastPara="0" vertOverflow="overflow" horzOverflow="overflow" vert="horz" wrap="square" lIns="51435" tIns="25718" rIns="51435" bIns="25718" numCol="1" spcCol="0" rtlCol="0" fromWordArt="0" anchor="ctr" anchorCtr="0" forceAA="0" compatLnSpc="1">
+            <a:prstTxWarp prst="textNoShape">
+              <a:avLst/>
+            </a:prstTxWarp>
+            <a:noAutofit/>
+          </a:bodyPr>
+          <a:lstStyle/>
+          <a:p>
+            <a:pPr algn="ctr"/>
+            <a:r>
+              <a:rPr lang="ko-KR" altLang="en-US" sz="675" dirty="0"/>
+              <a:t>해당 </a:t>
+            </a:r>
+            <a:r>
+              <a:rPr lang="en-US" altLang="ko-KR" sz="675" dirty="0"/>
+              <a:t>Area</a:t>
+            </a:r>
+            <a:r>
+              <a:rPr lang="ko-KR" altLang="en-US" sz="675" dirty="0"/>
+              <a:t>의</a:t>
+            </a:r>
+            <a:endParaRPr lang="en-US" altLang="ko-KR" sz="675" dirty="0"/>
+          </a:p>
+          <a:p>
+            <a:pPr algn="ctr"/>
+            <a:r>
+              <a:rPr lang="en-US" altLang="ko-KR" sz="675" dirty="0"/>
+              <a:t>Int. </a:t>
+            </a:r>
+            <a:r>
+              <a:rPr lang="en-US" altLang="ko-KR" sz="675" dirty="0" err="1"/>
+              <a:t>Std</a:t>
+            </a:r>
+            <a:r>
+              <a:rPr lang="ko-KR" altLang="en-US" sz="675" dirty="0"/>
+              <a:t>가</a:t>
+            </a:r>
+            <a:endParaRPr lang="en-US" altLang="ko-KR" sz="675" dirty="0"/>
+          </a:p>
+          <a:p>
+            <a:pPr algn="ctr"/>
+            <a:r>
+              <a:rPr lang="en-US" altLang="ko-KR" sz="675" i="1" dirty="0" err="1">
+                <a:solidFill>
+                  <a:srgbClr val="FF0000"/>
+                </a:solidFill>
+              </a:rPr>
+              <a:t>I</a:t>
+            </a:r>
+            <a:r>
+              <a:rPr lang="en-US" altLang="ko-KR" sz="675" b="1" i="1" dirty="0" err="1">
+                <a:solidFill>
+                  <a:srgbClr val="FF0000"/>
+                </a:solidFill>
+              </a:rPr>
+              <a:t>nt_std_standard</a:t>
+            </a:r>
+            <a:r>
+              <a:rPr lang="ko-KR" altLang="en-US" sz="675" dirty="0"/>
+              <a:t>이내인가</a:t>
+            </a:r>
+            <a:r>
+              <a:rPr lang="en-US" altLang="ko-KR" sz="675" dirty="0"/>
+              <a:t>?</a:t>
+            </a:r>
+            <a:r>
+              <a:rPr lang="ko-KR" altLang="en-US" sz="675" dirty="0"/>
+              <a:t> </a:t>
+            </a:r>
+          </a:p>
+        </p:txBody>
+      </p:sp>
+      <p:sp>
+        <p:nvSpPr>
+          <p:cNvPr id="23" name="다이아몬드 22"/>
+          <p:cNvSpPr/>
+          <p:nvPr/>
+        </p:nvSpPr>
+        <p:spPr>
+          <a:xfrm>
+            <a:off x="4612193" y="2865192"/>
+            <a:ext cx="1440000" cy="626297"/>
+          </a:xfrm>
+          <a:prstGeom prst="diamond">
+            <a:avLst/>
+          </a:prstGeom>
+        </p:spPr>
+        <p:style>
+          <a:lnRef idx="2">
+            <a:schemeClr val="accent1">
+              <a:shade val="50000"/>
+            </a:schemeClr>
+          </a:lnRef>
+          <a:fillRef idx="1">
+            <a:schemeClr val="accent1"/>
+          </a:fillRef>
+          <a:effectRef idx="0">
+            <a:schemeClr val="accent1"/>
+          </a:effectRef>
+          <a:fontRef idx="minor">
+            <a:schemeClr val="lt1"/>
+          </a:fontRef>
+        </p:style>
+        <p:txBody>
+          <a:bodyPr rot="0" spcFirstLastPara="0" vertOverflow="overflow" horzOverflow="overflow" vert="horz" wrap="square" lIns="51435" tIns="25718" rIns="51435" bIns="25718" numCol="1" spcCol="0" rtlCol="0" fromWordArt="0" anchor="ctr" anchorCtr="0" forceAA="0" compatLnSpc="1">
+            <a:prstTxWarp prst="textNoShape">
+              <a:avLst/>
+            </a:prstTxWarp>
+            <a:noAutofit/>
+          </a:bodyPr>
+          <a:lstStyle/>
+          <a:p>
+            <a:pPr algn="ctr"/>
+            <a:r>
+              <a:rPr lang="ko-KR" altLang="en-US" sz="675" dirty="0"/>
+              <a:t>해당 </a:t>
+            </a:r>
+            <a:r>
+              <a:rPr lang="en-US" altLang="ko-KR" sz="675" dirty="0"/>
+              <a:t>Area</a:t>
+            </a:r>
+            <a:r>
+              <a:rPr lang="ko-KR" altLang="en-US" sz="675" dirty="0"/>
+              <a:t>의</a:t>
+            </a:r>
+            <a:endParaRPr lang="en-US" altLang="ko-KR" sz="675" dirty="0"/>
+          </a:p>
+          <a:p>
+            <a:pPr algn="ctr"/>
+            <a:r>
+              <a:rPr lang="en-US" altLang="ko-KR" sz="675" dirty="0" err="1"/>
+              <a:t>Wp</a:t>
+            </a:r>
+            <a:r>
+              <a:rPr lang="en-US" altLang="ko-KR" sz="675" dirty="0"/>
+              <a:t>. </a:t>
+            </a:r>
+            <a:r>
+              <a:rPr lang="en-US" altLang="ko-KR" sz="675" dirty="0" err="1"/>
+              <a:t>Std</a:t>
+            </a:r>
+            <a:r>
+              <a:rPr lang="ko-KR" altLang="en-US" sz="675" dirty="0"/>
+              <a:t>가</a:t>
+            </a:r>
+            <a:endParaRPr lang="en-US" altLang="ko-KR" sz="675" dirty="0"/>
+          </a:p>
+          <a:p>
+            <a:pPr algn="ctr"/>
+            <a:r>
+              <a:rPr lang="en-US" altLang="ko-KR" sz="675" b="1" i="1" dirty="0" err="1">
+                <a:solidFill>
+                  <a:srgbClr val="FF0000"/>
+                </a:solidFill>
+              </a:rPr>
+              <a:t>Wp_std_standard</a:t>
+            </a:r>
+            <a:r>
+              <a:rPr lang="en-US" altLang="ko-KR" sz="675" b="1" i="1" dirty="0">
+                <a:solidFill>
+                  <a:srgbClr val="FF0000"/>
+                </a:solidFill>
+              </a:rPr>
+              <a:t> </a:t>
+            </a:r>
+            <a:r>
+              <a:rPr lang="ko-KR" altLang="en-US" sz="675" dirty="0"/>
+              <a:t>이내인가</a:t>
+            </a:r>
+            <a:r>
+              <a:rPr lang="en-US" altLang="ko-KR" sz="675" dirty="0"/>
+              <a:t>?</a:t>
+            </a:r>
+            <a:r>
+              <a:rPr lang="ko-KR" altLang="en-US" sz="675" dirty="0"/>
+              <a:t> </a:t>
+            </a:r>
+          </a:p>
+        </p:txBody>
+      </p:sp>
+      <p:sp>
+        <p:nvSpPr>
+          <p:cNvPr id="24" name="다이아몬드 23"/>
+          <p:cNvSpPr/>
+          <p:nvPr/>
+        </p:nvSpPr>
+        <p:spPr>
+          <a:xfrm>
+            <a:off x="4612193" y="3681628"/>
+            <a:ext cx="1440000" cy="626297"/>
+          </a:xfrm>
+          <a:prstGeom prst="diamond">
+            <a:avLst/>
+          </a:prstGeom>
+        </p:spPr>
+        <p:style>
+          <a:lnRef idx="2">
+            <a:schemeClr val="accent1">
+              <a:shade val="50000"/>
+            </a:schemeClr>
+          </a:lnRef>
+          <a:fillRef idx="1">
+            <a:schemeClr val="accent1"/>
+          </a:fillRef>
+          <a:effectRef idx="0">
+            <a:schemeClr val="accent1"/>
+          </a:effectRef>
+          <a:fontRef idx="minor">
+            <a:schemeClr val="lt1"/>
+          </a:fontRef>
+        </p:style>
+        <p:txBody>
+          <a:bodyPr rot="0" spcFirstLastPara="0" vertOverflow="overflow" horzOverflow="overflow" vert="horz" wrap="square" lIns="51435" tIns="25718" rIns="51435" bIns="25718" numCol="1" spcCol="0" rtlCol="0" fromWordArt="0" anchor="ctr" anchorCtr="0" forceAA="0" compatLnSpc="1">
+            <a:prstTxWarp prst="textNoShape">
+              <a:avLst/>
+            </a:prstTxWarp>
+            <a:noAutofit/>
+          </a:bodyPr>
+          <a:lstStyle/>
+          <a:p>
+            <a:pPr algn="ctr"/>
+            <a:r>
+              <a:rPr lang="ko-KR" altLang="en-US" sz="675" dirty="0"/>
+              <a:t>해당 </a:t>
+            </a:r>
+            <a:r>
+              <a:rPr lang="en-US" altLang="ko-KR" sz="675" dirty="0"/>
+              <a:t>Area</a:t>
+            </a:r>
+            <a:r>
+              <a:rPr lang="ko-KR" altLang="en-US" sz="675" dirty="0"/>
+              <a:t>의</a:t>
+            </a:r>
+            <a:endParaRPr lang="en-US" altLang="ko-KR" sz="675" dirty="0"/>
+          </a:p>
+          <a:p>
+            <a:pPr algn="ctr"/>
+            <a:r>
+              <a:rPr lang="en-US" altLang="ko-KR" sz="675" dirty="0"/>
+              <a:t>Int.-Int_1 </a:t>
+            </a:r>
+            <a:r>
+              <a:rPr lang="ko-KR" altLang="en-US" sz="675" dirty="0"/>
+              <a:t>이</a:t>
+            </a:r>
+            <a:r>
+              <a:rPr lang="en-US" altLang="ko-KR" sz="675" dirty="0"/>
+              <a:t>, </a:t>
+            </a:r>
+            <a:r>
+              <a:rPr lang="en-US" altLang="ko-KR" sz="675" b="1" i="1" dirty="0" err="1">
+                <a:solidFill>
+                  <a:srgbClr val="FF0000"/>
+                </a:solidFill>
+              </a:rPr>
+              <a:t>Int_standard</a:t>
+            </a:r>
+            <a:r>
+              <a:rPr lang="en-US" altLang="ko-KR" sz="675" dirty="0"/>
+              <a:t> </a:t>
+            </a:r>
+            <a:r>
+              <a:rPr lang="ko-KR" altLang="en-US" sz="675" dirty="0"/>
+              <a:t>이내인가</a:t>
+            </a:r>
+            <a:r>
+              <a:rPr lang="en-US" altLang="ko-KR" sz="675" dirty="0"/>
+              <a:t>?</a:t>
+            </a:r>
+            <a:r>
+              <a:rPr lang="ko-KR" altLang="en-US" sz="675" dirty="0"/>
+              <a:t> </a:t>
+            </a:r>
+          </a:p>
+        </p:txBody>
+      </p:sp>
+      <p:sp>
+        <p:nvSpPr>
+          <p:cNvPr id="25" name="다이아몬드 24"/>
+          <p:cNvSpPr/>
+          <p:nvPr/>
+        </p:nvSpPr>
+        <p:spPr>
+          <a:xfrm>
+            <a:off x="4612193" y="4498064"/>
+            <a:ext cx="1440000" cy="626297"/>
+          </a:xfrm>
+          <a:prstGeom prst="diamond">
+            <a:avLst/>
+          </a:prstGeom>
+        </p:spPr>
+        <p:style>
+          <a:lnRef idx="2">
+            <a:schemeClr val="accent1">
+              <a:shade val="50000"/>
+            </a:schemeClr>
+          </a:lnRef>
+          <a:fillRef idx="1">
+            <a:schemeClr val="accent1"/>
+          </a:fillRef>
+          <a:effectRef idx="0">
+            <a:schemeClr val="accent1"/>
+          </a:effectRef>
+          <a:fontRef idx="minor">
+            <a:schemeClr val="lt1"/>
+          </a:fontRef>
+        </p:style>
+        <p:txBody>
+          <a:bodyPr rot="0" spcFirstLastPara="0" vertOverflow="overflow" horzOverflow="overflow" vert="horz" wrap="square" lIns="51435" tIns="25718" rIns="51435" bIns="25718" numCol="1" spcCol="0" rtlCol="0" fromWordArt="0" anchor="ctr" anchorCtr="0" forceAA="0" compatLnSpc="1">
+            <a:prstTxWarp prst="textNoShape">
+              <a:avLst/>
+            </a:prstTxWarp>
+            <a:noAutofit/>
+          </a:bodyPr>
+          <a:lstStyle/>
+          <a:p>
+            <a:pPr algn="ctr"/>
+            <a:r>
+              <a:rPr lang="ko-KR" altLang="en-US" sz="675" dirty="0"/>
+              <a:t>해당 </a:t>
+            </a:r>
+            <a:r>
+              <a:rPr lang="en-US" altLang="ko-KR" sz="675" dirty="0"/>
+              <a:t>Area</a:t>
+            </a:r>
+            <a:r>
+              <a:rPr lang="ko-KR" altLang="en-US" sz="675" dirty="0"/>
+              <a:t>의</a:t>
+            </a:r>
+            <a:endParaRPr lang="en-US" altLang="ko-KR" sz="675" dirty="0"/>
+          </a:p>
+          <a:p>
+            <a:pPr algn="ctr"/>
+            <a:r>
+              <a:rPr lang="en-US" altLang="ko-KR" sz="675" dirty="0"/>
+              <a:t>Wp-Wp_1 </a:t>
+            </a:r>
+            <a:r>
+              <a:rPr lang="ko-KR" altLang="en-US" sz="675" dirty="0"/>
+              <a:t>이</a:t>
+            </a:r>
+            <a:r>
+              <a:rPr lang="en-US" altLang="ko-KR" sz="675" dirty="0"/>
+              <a:t>, </a:t>
+            </a:r>
+            <a:r>
+              <a:rPr lang="en-US" altLang="ko-KR" sz="675" b="1" i="1" dirty="0" err="1">
+                <a:solidFill>
+                  <a:srgbClr val="FF0000"/>
+                </a:solidFill>
+              </a:rPr>
+              <a:t>Wp_standard</a:t>
+            </a:r>
+            <a:r>
+              <a:rPr lang="en-US" altLang="ko-KR" sz="675" b="1" i="1" dirty="0">
+                <a:solidFill>
+                  <a:srgbClr val="FF0000"/>
+                </a:solidFill>
+              </a:rPr>
+              <a:t> </a:t>
+            </a:r>
+            <a:r>
+              <a:rPr lang="ko-KR" altLang="en-US" sz="675" dirty="0"/>
+              <a:t>이내인가</a:t>
+            </a:r>
+            <a:r>
+              <a:rPr lang="en-US" altLang="ko-KR" sz="675" dirty="0"/>
+              <a:t>?</a:t>
+            </a:r>
+            <a:r>
+              <a:rPr lang="ko-KR" altLang="en-US" sz="675" dirty="0"/>
+              <a:t> </a:t>
+            </a:r>
+          </a:p>
+        </p:txBody>
+      </p:sp>
+      <p:sp>
+        <p:nvSpPr>
+          <p:cNvPr id="27" name="다이아몬드 26"/>
+          <p:cNvSpPr/>
+          <p:nvPr/>
+        </p:nvSpPr>
+        <p:spPr>
+          <a:xfrm>
+            <a:off x="4612193" y="5684637"/>
+            <a:ext cx="1440000" cy="626297"/>
+          </a:xfrm>
+          <a:prstGeom prst="diamond">
+            <a:avLst/>
+          </a:prstGeom>
+        </p:spPr>
+        <p:style>
+          <a:lnRef idx="2">
+            <a:schemeClr val="accent1">
+              <a:shade val="50000"/>
+            </a:schemeClr>
+          </a:lnRef>
+          <a:fillRef idx="1">
+            <a:schemeClr val="accent1"/>
+          </a:fillRef>
+          <a:effectRef idx="0">
+            <a:schemeClr val="accent1"/>
+          </a:effectRef>
+          <a:fontRef idx="minor">
+            <a:schemeClr val="lt1"/>
+          </a:fontRef>
+        </p:style>
+        <p:txBody>
+          <a:bodyPr rot="0" spcFirstLastPara="0" vertOverflow="overflow" horzOverflow="overflow" vert="horz" wrap="square" lIns="51435" tIns="25718" rIns="51435" bIns="25718" numCol="1" spcCol="0" rtlCol="0" fromWordArt="0" anchor="ctr" anchorCtr="0" forceAA="0" compatLnSpc="1">
+            <a:prstTxWarp prst="textNoShape">
+              <a:avLst/>
+            </a:prstTxWarp>
+            <a:noAutofit/>
+          </a:bodyPr>
+          <a:lstStyle/>
+          <a:p>
+            <a:pPr algn="ctr"/>
+            <a:r>
+              <a:rPr lang="ko-KR" altLang="en-US" sz="675" dirty="0"/>
+              <a:t>현재까지 모인 수량이 한 </a:t>
+            </a:r>
+            <a:r>
+              <a:rPr lang="en-US" altLang="ko-KR" sz="675" dirty="0"/>
+              <a:t>module </a:t>
+            </a:r>
+            <a:r>
+              <a:rPr lang="ko-KR" altLang="en-US" sz="675" dirty="0"/>
+              <a:t>분량을 넘는가 </a:t>
+            </a:r>
+            <a:r>
+              <a:rPr lang="en-US" altLang="ko-KR" sz="675" dirty="0"/>
+              <a:t>?</a:t>
+            </a:r>
+            <a:endParaRPr lang="ko-KR" altLang="en-US" sz="675" dirty="0"/>
+          </a:p>
+        </p:txBody>
+      </p:sp>
+      <p:sp>
+        <p:nvSpPr>
+          <p:cNvPr id="29" name="직사각형 28"/>
+          <p:cNvSpPr/>
+          <p:nvPr/>
+        </p:nvSpPr>
+        <p:spPr>
+          <a:xfrm>
+            <a:off x="4612193" y="5314499"/>
+            <a:ext cx="1440000" cy="180000"/>
+          </a:xfrm>
+          <a:prstGeom prst="rect">
+            <a:avLst/>
+          </a:prstGeom>
+        </p:spPr>
+        <p:style>
+          <a:lnRef idx="2">
+            <a:schemeClr val="accent1">
+              <a:shade val="50000"/>
+            </a:schemeClr>
+          </a:lnRef>
+          <a:fillRef idx="1">
+            <a:schemeClr val="accent1"/>
+          </a:fillRef>
+          <a:effectRef idx="0">
+            <a:schemeClr val="accent1"/>
+          </a:effectRef>
+          <a:fontRef idx="minor">
+            <a:schemeClr val="lt1"/>
+          </a:fontRef>
+        </p:style>
+        <p:txBody>
+          <a:bodyPr rot="0" spcFirstLastPara="0" vertOverflow="overflow" horzOverflow="overflow" vert="horz" wrap="square" lIns="51435" tIns="25718" rIns="51435" bIns="25718" numCol="1" spcCol="0" rtlCol="0" fromWordArt="0" anchor="ctr" anchorCtr="0" forceAA="0" compatLnSpc="1">
+            <a:prstTxWarp prst="textNoShape">
+              <a:avLst/>
+            </a:prstTxWarp>
+            <a:noAutofit/>
+          </a:bodyPr>
+          <a:lstStyle/>
+          <a:p>
+            <a:pPr algn="ctr"/>
+            <a:r>
+              <a:rPr lang="en-US" altLang="ko-KR" sz="675" dirty="0"/>
+              <a:t>Area </a:t>
+            </a:r>
+            <a:r>
+              <a:rPr lang="ko-KR" altLang="en-US" sz="675" dirty="0"/>
+              <a:t>선정</a:t>
+            </a:r>
+            <a:endParaRPr lang="en-US" altLang="ko-KR" sz="675" dirty="0"/>
+          </a:p>
+        </p:txBody>
+      </p:sp>
+      <p:sp>
+        <p:nvSpPr>
+          <p:cNvPr id="31" name="직사각형 30"/>
+          <p:cNvSpPr/>
+          <p:nvPr/>
+        </p:nvSpPr>
+        <p:spPr>
+          <a:xfrm>
+            <a:off x="4612193" y="6501072"/>
+            <a:ext cx="1440000" cy="180000"/>
+          </a:xfrm>
+          <a:prstGeom prst="rect">
+            <a:avLst/>
+          </a:prstGeom>
+        </p:spPr>
+        <p:style>
+          <a:lnRef idx="2">
+            <a:schemeClr val="accent1">
+              <a:shade val="50000"/>
+            </a:schemeClr>
+          </a:lnRef>
+          <a:fillRef idx="1">
+            <a:schemeClr val="accent1"/>
+          </a:fillRef>
+          <a:effectRef idx="0">
+            <a:schemeClr val="accent1"/>
+          </a:effectRef>
+          <a:fontRef idx="minor">
+            <a:schemeClr val="lt1"/>
+          </a:fontRef>
+        </p:style>
+        <p:txBody>
+          <a:bodyPr rot="0" spcFirstLastPara="0" vertOverflow="overflow" horzOverflow="overflow" vert="horz" wrap="square" lIns="51435" tIns="25718" rIns="51435" bIns="25718" numCol="1" spcCol="0" rtlCol="0" fromWordArt="0" anchor="ctr" anchorCtr="0" forceAA="0" compatLnSpc="1">
+            <a:prstTxWarp prst="textNoShape">
+              <a:avLst/>
+            </a:prstTxWarp>
+            <a:noAutofit/>
+          </a:bodyPr>
+          <a:lstStyle/>
+          <a:p>
+            <a:pPr algn="ctr"/>
+            <a:r>
+              <a:rPr lang="en-US" altLang="ko-KR" sz="675" dirty="0" smtClean="0"/>
+              <a:t>Group </a:t>
+            </a:r>
+            <a:r>
+              <a:rPr lang="ko-KR" altLang="en-US" sz="675" dirty="0" smtClean="0"/>
+              <a:t>선정</a:t>
+            </a:r>
+            <a:endParaRPr lang="en-US" altLang="ko-KR" sz="675" dirty="0" smtClean="0"/>
+          </a:p>
+        </p:txBody>
+      </p:sp>
+      <p:sp>
+        <p:nvSpPr>
+          <p:cNvPr id="32" name="다이아몬드 31"/>
+          <p:cNvSpPr/>
+          <p:nvPr/>
+        </p:nvSpPr>
+        <p:spPr>
+          <a:xfrm>
+            <a:off x="4612193" y="6871210"/>
+            <a:ext cx="1440000" cy="626297"/>
+          </a:xfrm>
+          <a:prstGeom prst="diamond">
+            <a:avLst/>
+          </a:prstGeom>
+        </p:spPr>
+        <p:style>
+          <a:lnRef idx="2">
+            <a:schemeClr val="accent1">
+              <a:shade val="50000"/>
+            </a:schemeClr>
+          </a:lnRef>
+          <a:fillRef idx="1">
+            <a:schemeClr val="accent1"/>
+          </a:fillRef>
+          <a:effectRef idx="0">
+            <a:schemeClr val="accent1"/>
+          </a:effectRef>
+          <a:fontRef idx="minor">
+            <a:schemeClr val="lt1"/>
+          </a:fontRef>
+        </p:style>
+        <p:txBody>
+          <a:bodyPr rot="0" spcFirstLastPara="0" vertOverflow="overflow" horzOverflow="overflow" vert="horz" wrap="square" lIns="51435" tIns="25718" rIns="51435" bIns="25718" numCol="1" spcCol="0" rtlCol="0" fromWordArt="0" anchor="ctr" anchorCtr="0" forceAA="0" compatLnSpc="1">
+            <a:prstTxWarp prst="textNoShape">
+              <a:avLst/>
+            </a:prstTxWarp>
+            <a:noAutofit/>
+          </a:bodyPr>
+          <a:lstStyle/>
+          <a:p>
+            <a:pPr algn="ctr"/>
+            <a:r>
+              <a:rPr lang="ko-KR" altLang="en-US" sz="675" dirty="0" smtClean="0"/>
+              <a:t>잔여 </a:t>
+            </a:r>
+            <a:r>
+              <a:rPr lang="en-US" altLang="ko-KR" sz="675" dirty="0" smtClean="0"/>
+              <a:t>area </a:t>
+            </a:r>
+            <a:r>
+              <a:rPr lang="ko-KR" altLang="en-US" sz="675" dirty="0" smtClean="0"/>
+              <a:t>가 </a:t>
+            </a:r>
+            <a:r>
+              <a:rPr lang="en-US" altLang="ko-KR" sz="675" dirty="0" smtClean="0"/>
+              <a:t/>
+            </a:r>
+            <a:br>
+              <a:rPr lang="en-US" altLang="ko-KR" sz="675" dirty="0" smtClean="0"/>
+            </a:br>
+            <a:r>
+              <a:rPr lang="ko-KR" altLang="en-US" sz="675" dirty="0" smtClean="0"/>
+              <a:t>있는가</a:t>
+            </a:r>
+            <a:r>
+              <a:rPr lang="en-US" altLang="ko-KR" sz="675" dirty="0" smtClean="0"/>
+              <a:t>?</a:t>
+            </a:r>
+          </a:p>
+        </p:txBody>
+      </p:sp>
+      <p:sp>
+        <p:nvSpPr>
+          <p:cNvPr id="33" name="모서리가 둥근 직사각형 32"/>
+          <p:cNvSpPr/>
+          <p:nvPr/>
+        </p:nvSpPr>
+        <p:spPr>
+          <a:xfrm>
+            <a:off x="4612193" y="8626342"/>
+            <a:ext cx="1440000" cy="180000"/>
+          </a:xfrm>
+          <a:prstGeom prst="roundRect">
+            <a:avLst/>
+          </a:prstGeom>
+        </p:spPr>
+        <p:style>
+          <a:lnRef idx="2">
+            <a:schemeClr val="accent1">
+              <a:shade val="50000"/>
+            </a:schemeClr>
+          </a:lnRef>
+          <a:fillRef idx="1">
+            <a:schemeClr val="accent1"/>
+          </a:fillRef>
+          <a:effectRef idx="0">
+            <a:schemeClr val="accent1"/>
+          </a:effectRef>
+          <a:fontRef idx="minor">
+            <a:schemeClr val="lt1"/>
+          </a:fontRef>
+        </p:style>
+        <p:txBody>
+          <a:bodyPr rot="0" spcFirstLastPara="0" vertOverflow="overflow" horzOverflow="overflow" vert="horz" wrap="square" lIns="51435" tIns="25718" rIns="51435" bIns="25718" numCol="1" spcCol="0" rtlCol="0" fromWordArt="0" anchor="ctr" anchorCtr="0" forceAA="0" compatLnSpc="1">
+            <a:prstTxWarp prst="textNoShape">
+              <a:avLst/>
+            </a:prstTxWarp>
+            <a:noAutofit/>
+          </a:bodyPr>
+          <a:lstStyle/>
+          <a:p>
+            <a:pPr algn="ctr"/>
+            <a:r>
+              <a:rPr lang="ko-KR" altLang="en-US" sz="675" dirty="0" smtClean="0"/>
+              <a:t>완료</a:t>
+            </a:r>
+            <a:endParaRPr lang="en-US" altLang="ko-KR" sz="675" dirty="0"/>
+          </a:p>
+        </p:txBody>
+      </p:sp>
+      <p:sp>
+        <p:nvSpPr>
+          <p:cNvPr id="28" name="직사각형 27"/>
+          <p:cNvSpPr/>
+          <p:nvPr/>
+        </p:nvSpPr>
+        <p:spPr>
+          <a:xfrm>
+            <a:off x="477485" y="3930960"/>
+            <a:ext cx="1440000" cy="180000"/>
+          </a:xfrm>
+          <a:prstGeom prst="rect">
+            <a:avLst/>
+          </a:prstGeom>
+        </p:spPr>
+        <p:style>
+          <a:lnRef idx="2">
+            <a:schemeClr val="accent1">
+              <a:shade val="50000"/>
+            </a:schemeClr>
+          </a:lnRef>
+          <a:fillRef idx="1">
+            <a:schemeClr val="accent1"/>
+          </a:fillRef>
+          <a:effectRef idx="0">
+            <a:schemeClr val="accent1"/>
+          </a:effectRef>
+          <a:fontRef idx="minor">
+            <a:schemeClr val="lt1"/>
+          </a:fontRef>
+        </p:style>
+        <p:txBody>
+          <a:bodyPr rot="0" spcFirstLastPara="0" vertOverflow="overflow" horzOverflow="overflow" vert="horz" wrap="square" lIns="51435" tIns="25718" rIns="51435" bIns="25718" numCol="1" spcCol="0" rtlCol="0" fromWordArt="0" anchor="ctr" anchorCtr="0" forceAA="0" compatLnSpc="1">
+            <a:prstTxWarp prst="textNoShape">
+              <a:avLst/>
+            </a:prstTxWarp>
+            <a:noAutofit/>
+          </a:bodyPr>
+          <a:lstStyle/>
+          <a:p>
+            <a:pPr algn="ctr"/>
+            <a:r>
+              <a:rPr lang="ko-KR" altLang="en-US" sz="675" dirty="0" smtClean="0"/>
+              <a:t>해당 </a:t>
+            </a:r>
+            <a:r>
+              <a:rPr lang="en-US" altLang="ko-KR" sz="675" dirty="0" smtClean="0"/>
+              <a:t>wafer </a:t>
+            </a:r>
+            <a:r>
+              <a:rPr lang="ko-KR" altLang="en-US" sz="675" dirty="0" smtClean="0"/>
+              <a:t>내 다른 </a:t>
+            </a:r>
+            <a:r>
+              <a:rPr lang="en-US" altLang="ko-KR" sz="675" dirty="0" smtClean="0"/>
+              <a:t>area</a:t>
+            </a:r>
+            <a:r>
+              <a:rPr lang="ko-KR" altLang="en-US" sz="675" dirty="0" smtClean="0"/>
+              <a:t>를</a:t>
+            </a:r>
+            <a:r>
+              <a:rPr lang="en-US" altLang="ko-KR" sz="675" dirty="0" smtClean="0"/>
+              <a:t> </a:t>
+            </a:r>
+            <a:r>
+              <a:rPr lang="ko-KR" altLang="en-US" sz="675" dirty="0" smtClean="0"/>
+              <a:t>선택</a:t>
+            </a:r>
+            <a:endParaRPr lang="en-US" altLang="ko-KR" sz="675" dirty="0"/>
+          </a:p>
+        </p:txBody>
+      </p:sp>
+      <p:sp>
+        <p:nvSpPr>
+          <p:cNvPr id="30" name="다이아몬드 29"/>
+          <p:cNvSpPr/>
+          <p:nvPr/>
+        </p:nvSpPr>
+        <p:spPr>
+          <a:xfrm>
+            <a:off x="477485" y="4226819"/>
+            <a:ext cx="1440000" cy="626297"/>
+          </a:xfrm>
+          <a:prstGeom prst="diamond">
+            <a:avLst/>
+          </a:prstGeom>
+        </p:spPr>
+        <p:style>
+          <a:lnRef idx="2">
+            <a:schemeClr val="accent1">
+              <a:shade val="50000"/>
+            </a:schemeClr>
+          </a:lnRef>
+          <a:fillRef idx="1">
+            <a:schemeClr val="accent1"/>
+          </a:fillRef>
+          <a:effectRef idx="0">
+            <a:schemeClr val="accent1"/>
+          </a:effectRef>
+          <a:fontRef idx="minor">
+            <a:schemeClr val="lt1"/>
+          </a:fontRef>
+        </p:style>
+        <p:txBody>
+          <a:bodyPr rot="0" spcFirstLastPara="0" vertOverflow="overflow" horzOverflow="overflow" vert="horz" wrap="square" lIns="51435" tIns="25718" rIns="51435" bIns="25718" numCol="1" spcCol="0" rtlCol="0" fromWordArt="0" anchor="ctr" anchorCtr="0" forceAA="0" compatLnSpc="1">
+            <a:prstTxWarp prst="textNoShape">
+              <a:avLst/>
+            </a:prstTxWarp>
+            <a:noAutofit/>
+          </a:bodyPr>
+          <a:lstStyle/>
+          <a:p>
+            <a:pPr algn="ctr"/>
+            <a:r>
+              <a:rPr lang="ko-KR" altLang="en-US" sz="675" dirty="0"/>
+              <a:t>해당 </a:t>
+            </a:r>
+            <a:r>
+              <a:rPr lang="en-US" altLang="ko-KR" sz="675" dirty="0" smtClean="0"/>
+              <a:t>Area</a:t>
+            </a:r>
+            <a:r>
+              <a:rPr lang="ko-KR" altLang="en-US" sz="675" dirty="0" smtClean="0"/>
+              <a:t>  내 </a:t>
+            </a:r>
+            <a:r>
+              <a:rPr lang="en-US" altLang="ko-KR" sz="675" dirty="0" smtClean="0"/>
+              <a:t/>
+            </a:r>
+            <a:br>
+              <a:rPr lang="en-US" altLang="ko-KR" sz="675" dirty="0" smtClean="0"/>
+            </a:br>
+            <a:r>
+              <a:rPr lang="ko-KR" altLang="en-US" sz="675" dirty="0" smtClean="0"/>
+              <a:t>잔여 </a:t>
+            </a:r>
+            <a:r>
+              <a:rPr lang="en-US" altLang="ko-KR" sz="675" dirty="0" smtClean="0"/>
+              <a:t>shot</a:t>
+            </a:r>
+            <a:r>
+              <a:rPr lang="ko-KR" altLang="en-US" sz="675" dirty="0"/>
+              <a:t>이 </a:t>
+            </a:r>
+            <a:r>
+              <a:rPr lang="en-US" altLang="ko-KR" sz="675" b="1" i="1" dirty="0" smtClean="0">
+                <a:solidFill>
+                  <a:srgbClr val="FF0000"/>
+                </a:solidFill>
+              </a:rPr>
+              <a:t>x_2</a:t>
+            </a:r>
+            <a:r>
+              <a:rPr lang="en-US" altLang="ko-KR" sz="675" dirty="0" smtClean="0"/>
+              <a:t> </a:t>
+            </a:r>
+            <a:br>
+              <a:rPr lang="en-US" altLang="ko-KR" sz="675" dirty="0" smtClean="0"/>
+            </a:br>
+            <a:r>
+              <a:rPr lang="ko-KR" altLang="en-US" sz="675" dirty="0" smtClean="0"/>
+              <a:t>이상인가</a:t>
+            </a:r>
+            <a:r>
+              <a:rPr lang="en-US" altLang="ko-KR" sz="675" dirty="0" smtClean="0"/>
+              <a:t>?</a:t>
+            </a:r>
+            <a:r>
+              <a:rPr lang="ko-KR" altLang="en-US" sz="675" dirty="0"/>
+              <a:t> </a:t>
+            </a:r>
+            <a:r>
+              <a:rPr lang="ko-KR" altLang="en-US" sz="675" dirty="0" err="1"/>
+              <a:t>수율은</a:t>
+            </a:r>
+            <a:r>
+              <a:rPr lang="ko-KR" altLang="en-US" sz="675" dirty="0"/>
+              <a:t> </a:t>
+            </a:r>
+            <a:r>
+              <a:rPr lang="en-US" altLang="ko-KR" sz="675" b="1" i="1" dirty="0" smtClean="0">
+                <a:solidFill>
+                  <a:srgbClr val="FF0000"/>
+                </a:solidFill>
+              </a:rPr>
+              <a:t>y_2</a:t>
+            </a:r>
+            <a:r>
+              <a:rPr lang="en-US" altLang="ko-KR" sz="675" dirty="0" smtClean="0"/>
+              <a:t> </a:t>
+            </a:r>
+            <a:r>
+              <a:rPr lang="ko-KR" altLang="en-US" sz="675" dirty="0"/>
+              <a:t>이상인가</a:t>
+            </a:r>
+            <a:r>
+              <a:rPr lang="en-US" altLang="ko-KR" sz="675" dirty="0" smtClean="0"/>
+              <a:t>?</a:t>
+            </a:r>
+            <a:endParaRPr lang="ko-KR" altLang="en-US" sz="675" dirty="0"/>
+          </a:p>
+        </p:txBody>
+      </p:sp>
+      <p:sp>
+        <p:nvSpPr>
+          <p:cNvPr id="35" name="다이아몬드 34"/>
+          <p:cNvSpPr/>
+          <p:nvPr/>
+        </p:nvSpPr>
+        <p:spPr>
+          <a:xfrm>
+            <a:off x="477485" y="4968975"/>
+            <a:ext cx="1440000" cy="626297"/>
+          </a:xfrm>
+          <a:prstGeom prst="diamond">
+            <a:avLst/>
+          </a:prstGeom>
+        </p:spPr>
+        <p:style>
+          <a:lnRef idx="2">
+            <a:schemeClr val="accent1">
+              <a:shade val="50000"/>
+            </a:schemeClr>
+          </a:lnRef>
+          <a:fillRef idx="1">
+            <a:schemeClr val="accent1"/>
+          </a:fillRef>
+          <a:effectRef idx="0">
+            <a:schemeClr val="accent1"/>
+          </a:effectRef>
+          <a:fontRef idx="minor">
+            <a:schemeClr val="lt1"/>
+          </a:fontRef>
+        </p:style>
+        <p:txBody>
+          <a:bodyPr rot="0" spcFirstLastPara="0" vertOverflow="overflow" horzOverflow="overflow" vert="horz" wrap="square" lIns="51435" tIns="25718" rIns="51435" bIns="25718" numCol="1" spcCol="0" rtlCol="0" fromWordArt="0" anchor="ctr" anchorCtr="0" forceAA="0" compatLnSpc="1">
+            <a:prstTxWarp prst="textNoShape">
+              <a:avLst/>
+            </a:prstTxWarp>
+            <a:noAutofit/>
+          </a:bodyPr>
+          <a:lstStyle/>
+          <a:p>
+            <a:pPr algn="ctr"/>
+            <a:r>
+              <a:rPr lang="ko-KR" altLang="en-US" sz="675" dirty="0"/>
+              <a:t>해당 </a:t>
+            </a:r>
+            <a:r>
+              <a:rPr lang="en-US" altLang="ko-KR" sz="675" dirty="0"/>
+              <a:t>Area</a:t>
+            </a:r>
+            <a:r>
+              <a:rPr lang="ko-KR" altLang="en-US" sz="675" dirty="0"/>
+              <a:t>의</a:t>
+            </a:r>
+            <a:endParaRPr lang="en-US" altLang="ko-KR" sz="675" dirty="0"/>
+          </a:p>
+          <a:p>
+            <a:pPr algn="ctr"/>
+            <a:r>
+              <a:rPr lang="en-US" altLang="ko-KR" sz="675" dirty="0"/>
+              <a:t>Int. </a:t>
+            </a:r>
+            <a:r>
+              <a:rPr lang="en-US" altLang="ko-KR" sz="675" dirty="0" err="1"/>
+              <a:t>Std</a:t>
+            </a:r>
+            <a:r>
+              <a:rPr lang="ko-KR" altLang="en-US" sz="675" dirty="0"/>
+              <a:t>가</a:t>
+            </a:r>
+            <a:endParaRPr lang="en-US" altLang="ko-KR" sz="675" dirty="0"/>
+          </a:p>
+          <a:p>
+            <a:pPr algn="ctr"/>
+            <a:r>
+              <a:rPr lang="en-US" altLang="ko-KR" sz="675" i="1" dirty="0" err="1">
+                <a:solidFill>
+                  <a:srgbClr val="FF0000"/>
+                </a:solidFill>
+              </a:rPr>
+              <a:t>I</a:t>
+            </a:r>
+            <a:r>
+              <a:rPr lang="en-US" altLang="ko-KR" sz="675" b="1" i="1" dirty="0" err="1">
+                <a:solidFill>
+                  <a:srgbClr val="FF0000"/>
+                </a:solidFill>
+              </a:rPr>
+              <a:t>nt_std_standard</a:t>
+            </a:r>
+            <a:r>
+              <a:rPr lang="ko-KR" altLang="en-US" sz="675" dirty="0"/>
+              <a:t>이내인가</a:t>
+            </a:r>
+            <a:r>
+              <a:rPr lang="en-US" altLang="ko-KR" sz="675" dirty="0"/>
+              <a:t>?</a:t>
+            </a:r>
+            <a:r>
+              <a:rPr lang="ko-KR" altLang="en-US" sz="675" dirty="0"/>
+              <a:t> </a:t>
+            </a:r>
+          </a:p>
+        </p:txBody>
+      </p:sp>
+      <p:sp>
+        <p:nvSpPr>
+          <p:cNvPr id="36" name="다이아몬드 35"/>
+          <p:cNvSpPr/>
+          <p:nvPr/>
+        </p:nvSpPr>
+        <p:spPr>
+          <a:xfrm>
+            <a:off x="477485" y="5711131"/>
+            <a:ext cx="1440000" cy="626297"/>
+          </a:xfrm>
+          <a:prstGeom prst="diamond">
+            <a:avLst/>
+          </a:prstGeom>
+        </p:spPr>
+        <p:style>
+          <a:lnRef idx="2">
+            <a:schemeClr val="accent1">
+              <a:shade val="50000"/>
+            </a:schemeClr>
+          </a:lnRef>
+          <a:fillRef idx="1">
+            <a:schemeClr val="accent1"/>
+          </a:fillRef>
+          <a:effectRef idx="0">
+            <a:schemeClr val="accent1"/>
+          </a:effectRef>
+          <a:fontRef idx="minor">
+            <a:schemeClr val="lt1"/>
+          </a:fontRef>
+        </p:style>
+        <p:txBody>
+          <a:bodyPr rot="0" spcFirstLastPara="0" vertOverflow="overflow" horzOverflow="overflow" vert="horz" wrap="square" lIns="51435" tIns="25718" rIns="51435" bIns="25718" numCol="1" spcCol="0" rtlCol="0" fromWordArt="0" anchor="ctr" anchorCtr="0" forceAA="0" compatLnSpc="1">
+            <a:prstTxWarp prst="textNoShape">
+              <a:avLst/>
+            </a:prstTxWarp>
+            <a:noAutofit/>
+          </a:bodyPr>
+          <a:lstStyle/>
+          <a:p>
+            <a:pPr algn="ctr"/>
+            <a:r>
+              <a:rPr lang="ko-KR" altLang="en-US" sz="675" dirty="0"/>
+              <a:t>해당 </a:t>
+            </a:r>
+            <a:r>
+              <a:rPr lang="en-US" altLang="ko-KR" sz="675" dirty="0"/>
+              <a:t>Area</a:t>
+            </a:r>
+            <a:r>
+              <a:rPr lang="ko-KR" altLang="en-US" sz="675" dirty="0"/>
+              <a:t>의</a:t>
+            </a:r>
+            <a:endParaRPr lang="en-US" altLang="ko-KR" sz="675" dirty="0"/>
+          </a:p>
+          <a:p>
+            <a:pPr algn="ctr"/>
+            <a:r>
+              <a:rPr lang="en-US" altLang="ko-KR" sz="675" dirty="0" err="1"/>
+              <a:t>Wp</a:t>
+            </a:r>
+            <a:r>
+              <a:rPr lang="en-US" altLang="ko-KR" sz="675" dirty="0"/>
+              <a:t>. </a:t>
+            </a:r>
+            <a:r>
+              <a:rPr lang="en-US" altLang="ko-KR" sz="675" dirty="0" err="1"/>
+              <a:t>Std</a:t>
+            </a:r>
+            <a:r>
+              <a:rPr lang="ko-KR" altLang="en-US" sz="675" dirty="0"/>
+              <a:t>가</a:t>
+            </a:r>
+            <a:endParaRPr lang="en-US" altLang="ko-KR" sz="675" dirty="0"/>
+          </a:p>
+          <a:p>
+            <a:pPr algn="ctr"/>
+            <a:r>
+              <a:rPr lang="en-US" altLang="ko-KR" sz="675" b="1" i="1" dirty="0" err="1">
+                <a:solidFill>
+                  <a:srgbClr val="FF0000"/>
+                </a:solidFill>
+              </a:rPr>
+              <a:t>Wp_std_standar</a:t>
+            </a:r>
+            <a:r>
+              <a:rPr lang="en-US" altLang="ko-KR" sz="675" i="1" dirty="0" err="1">
+                <a:solidFill>
+                  <a:srgbClr val="FF0000"/>
+                </a:solidFill>
+              </a:rPr>
+              <a:t>d</a:t>
+            </a:r>
+            <a:r>
+              <a:rPr lang="en-US" altLang="ko-KR" sz="675" i="1" dirty="0">
+                <a:solidFill>
+                  <a:srgbClr val="FF0000"/>
+                </a:solidFill>
+              </a:rPr>
+              <a:t> </a:t>
+            </a:r>
+            <a:r>
+              <a:rPr lang="ko-KR" altLang="en-US" sz="675" dirty="0"/>
+              <a:t>이내인가</a:t>
+            </a:r>
+            <a:r>
+              <a:rPr lang="en-US" altLang="ko-KR" sz="675" dirty="0"/>
+              <a:t>?</a:t>
+            </a:r>
+            <a:r>
+              <a:rPr lang="ko-KR" altLang="en-US" sz="675" dirty="0"/>
+              <a:t> </a:t>
+            </a:r>
+          </a:p>
+        </p:txBody>
+      </p:sp>
+      <p:sp>
+        <p:nvSpPr>
+          <p:cNvPr id="37" name="다이아몬드 36"/>
+          <p:cNvSpPr/>
+          <p:nvPr/>
+        </p:nvSpPr>
+        <p:spPr>
+          <a:xfrm>
+            <a:off x="477485" y="6453287"/>
+            <a:ext cx="1440000" cy="626297"/>
+          </a:xfrm>
+          <a:prstGeom prst="diamond">
+            <a:avLst/>
+          </a:prstGeom>
+        </p:spPr>
+        <p:style>
+          <a:lnRef idx="2">
+            <a:schemeClr val="accent1">
+              <a:shade val="50000"/>
+            </a:schemeClr>
+          </a:lnRef>
+          <a:fillRef idx="1">
+            <a:schemeClr val="accent1"/>
+          </a:fillRef>
+          <a:effectRef idx="0">
+            <a:schemeClr val="accent1"/>
+          </a:effectRef>
+          <a:fontRef idx="minor">
+            <a:schemeClr val="lt1"/>
+          </a:fontRef>
+        </p:style>
+        <p:txBody>
+          <a:bodyPr rot="0" spcFirstLastPara="0" vertOverflow="overflow" horzOverflow="overflow" vert="horz" wrap="square" lIns="51435" tIns="25718" rIns="51435" bIns="25718" numCol="1" spcCol="0" rtlCol="0" fromWordArt="0" anchor="ctr" anchorCtr="0" forceAA="0" compatLnSpc="1">
+            <a:prstTxWarp prst="textNoShape">
+              <a:avLst/>
+            </a:prstTxWarp>
+            <a:noAutofit/>
+          </a:bodyPr>
+          <a:lstStyle/>
+          <a:p>
+            <a:pPr algn="ctr"/>
+            <a:r>
+              <a:rPr lang="ko-KR" altLang="en-US" sz="675" dirty="0"/>
+              <a:t>해당 </a:t>
+            </a:r>
+            <a:r>
+              <a:rPr lang="en-US" altLang="ko-KR" sz="675" dirty="0"/>
+              <a:t>Area</a:t>
+            </a:r>
+            <a:r>
+              <a:rPr lang="ko-KR" altLang="en-US" sz="675" dirty="0"/>
+              <a:t>의</a:t>
+            </a:r>
+            <a:endParaRPr lang="en-US" altLang="ko-KR" sz="675" dirty="0"/>
+          </a:p>
+          <a:p>
+            <a:pPr algn="ctr"/>
+            <a:r>
+              <a:rPr lang="en-US" altLang="ko-KR" sz="675" dirty="0"/>
+              <a:t>Int.-</a:t>
+            </a:r>
+            <a:r>
+              <a:rPr lang="en-US" altLang="ko-KR" sz="675" dirty="0" err="1" smtClean="0"/>
+              <a:t>Int_temp</a:t>
+            </a:r>
+            <a:r>
+              <a:rPr lang="en-US" altLang="ko-KR" sz="675" dirty="0" smtClean="0"/>
+              <a:t> </a:t>
+            </a:r>
+            <a:r>
+              <a:rPr lang="ko-KR" altLang="en-US" sz="675" dirty="0"/>
+              <a:t>이</a:t>
+            </a:r>
+            <a:r>
+              <a:rPr lang="en-US" altLang="ko-KR" sz="675" dirty="0"/>
+              <a:t>, </a:t>
+            </a:r>
+            <a:r>
+              <a:rPr lang="en-US" altLang="ko-KR" sz="675" b="1" i="1" dirty="0" err="1">
+                <a:solidFill>
+                  <a:srgbClr val="FF0000"/>
+                </a:solidFill>
+              </a:rPr>
+              <a:t>Int_standard</a:t>
+            </a:r>
+            <a:r>
+              <a:rPr lang="en-US" altLang="ko-KR" sz="675" dirty="0"/>
+              <a:t> </a:t>
+            </a:r>
+            <a:r>
+              <a:rPr lang="en-US" altLang="ko-KR" sz="675" dirty="0" smtClean="0"/>
+              <a:t/>
+            </a:r>
+            <a:br>
+              <a:rPr lang="en-US" altLang="ko-KR" sz="675" dirty="0" smtClean="0"/>
+            </a:br>
+            <a:r>
+              <a:rPr lang="ko-KR" altLang="en-US" sz="675" dirty="0" smtClean="0"/>
+              <a:t>이내인가</a:t>
+            </a:r>
+            <a:r>
+              <a:rPr lang="en-US" altLang="ko-KR" sz="675" dirty="0"/>
+              <a:t>?</a:t>
+            </a:r>
+            <a:r>
+              <a:rPr lang="ko-KR" altLang="en-US" sz="675" dirty="0"/>
+              <a:t> </a:t>
+            </a:r>
+          </a:p>
+        </p:txBody>
+      </p:sp>
+      <p:sp>
+        <p:nvSpPr>
+          <p:cNvPr id="38" name="다이아몬드 37"/>
+          <p:cNvSpPr/>
+          <p:nvPr/>
+        </p:nvSpPr>
+        <p:spPr>
+          <a:xfrm>
+            <a:off x="477485" y="7195443"/>
+            <a:ext cx="1440000" cy="626297"/>
+          </a:xfrm>
+          <a:prstGeom prst="diamond">
+            <a:avLst/>
+          </a:prstGeom>
+        </p:spPr>
+        <p:style>
+          <a:lnRef idx="2">
+            <a:schemeClr val="accent1">
+              <a:shade val="50000"/>
+            </a:schemeClr>
+          </a:lnRef>
+          <a:fillRef idx="1">
+            <a:schemeClr val="accent1"/>
+          </a:fillRef>
+          <a:effectRef idx="0">
+            <a:schemeClr val="accent1"/>
+          </a:effectRef>
+          <a:fontRef idx="minor">
+            <a:schemeClr val="lt1"/>
+          </a:fontRef>
+        </p:style>
+        <p:txBody>
+          <a:bodyPr rot="0" spcFirstLastPara="0" vertOverflow="overflow" horzOverflow="overflow" vert="horz" wrap="square" lIns="51435" tIns="25718" rIns="51435" bIns="25718" numCol="1" spcCol="0" rtlCol="0" fromWordArt="0" anchor="ctr" anchorCtr="0" forceAA="0" compatLnSpc="1">
+            <a:prstTxWarp prst="textNoShape">
+              <a:avLst/>
+            </a:prstTxWarp>
+            <a:noAutofit/>
+          </a:bodyPr>
+          <a:lstStyle/>
+          <a:p>
+            <a:pPr algn="ctr"/>
+            <a:r>
+              <a:rPr lang="ko-KR" altLang="en-US" sz="675" dirty="0"/>
+              <a:t>해당 </a:t>
+            </a:r>
+            <a:r>
+              <a:rPr lang="en-US" altLang="ko-KR" sz="675" dirty="0"/>
+              <a:t>Area</a:t>
+            </a:r>
+            <a:r>
+              <a:rPr lang="ko-KR" altLang="en-US" sz="675" dirty="0"/>
+              <a:t>의</a:t>
+            </a:r>
+            <a:endParaRPr lang="en-US" altLang="ko-KR" sz="675" dirty="0"/>
+          </a:p>
+          <a:p>
+            <a:pPr algn="ctr"/>
+            <a:r>
+              <a:rPr lang="en-US" altLang="ko-KR" sz="675" dirty="0" err="1" smtClean="0"/>
+              <a:t>Wp-Wp_temp</a:t>
+            </a:r>
+            <a:r>
+              <a:rPr lang="en-US" altLang="ko-KR" sz="675" dirty="0" smtClean="0"/>
+              <a:t> </a:t>
+            </a:r>
+            <a:r>
+              <a:rPr lang="ko-KR" altLang="en-US" sz="675" dirty="0"/>
+              <a:t>이</a:t>
+            </a:r>
+            <a:r>
+              <a:rPr lang="en-US" altLang="ko-KR" sz="675" dirty="0"/>
+              <a:t>, </a:t>
+            </a:r>
+            <a:r>
+              <a:rPr lang="en-US" altLang="ko-KR" sz="675" b="1" i="1" dirty="0" err="1">
+                <a:solidFill>
+                  <a:srgbClr val="FF0000"/>
+                </a:solidFill>
+              </a:rPr>
+              <a:t>Wp_standard</a:t>
+            </a:r>
+            <a:r>
+              <a:rPr lang="en-US" altLang="ko-KR" sz="675" b="1" i="1" dirty="0">
+                <a:solidFill>
+                  <a:srgbClr val="FF0000"/>
+                </a:solidFill>
+              </a:rPr>
+              <a:t> </a:t>
+            </a:r>
+            <a:r>
+              <a:rPr lang="en-US" altLang="ko-KR" sz="675" b="1" i="1" dirty="0" smtClean="0">
+                <a:solidFill>
+                  <a:srgbClr val="FF0000"/>
+                </a:solidFill>
+              </a:rPr>
+              <a:t/>
+            </a:r>
+            <a:br>
+              <a:rPr lang="en-US" altLang="ko-KR" sz="675" b="1" i="1" dirty="0" smtClean="0">
+                <a:solidFill>
+                  <a:srgbClr val="FF0000"/>
+                </a:solidFill>
+              </a:rPr>
+            </a:br>
+            <a:r>
+              <a:rPr lang="ko-KR" altLang="en-US" sz="675" dirty="0" smtClean="0"/>
+              <a:t>이내인가</a:t>
+            </a:r>
+            <a:r>
+              <a:rPr lang="en-US" altLang="ko-KR" sz="675" dirty="0"/>
+              <a:t>?</a:t>
+            </a:r>
+            <a:r>
+              <a:rPr lang="ko-KR" altLang="en-US" sz="675" dirty="0"/>
+              <a:t> </a:t>
+            </a:r>
+          </a:p>
+        </p:txBody>
+      </p:sp>
+      <p:sp>
+        <p:nvSpPr>
+          <p:cNvPr id="39" name="직사각형 38"/>
+          <p:cNvSpPr/>
+          <p:nvPr/>
+        </p:nvSpPr>
+        <p:spPr>
+          <a:xfrm>
+            <a:off x="477485" y="3177351"/>
+            <a:ext cx="1440000" cy="180000"/>
+          </a:xfrm>
+          <a:prstGeom prst="rect">
+            <a:avLst/>
+          </a:prstGeom>
+        </p:spPr>
+        <p:style>
+          <a:lnRef idx="2">
+            <a:schemeClr val="accent1">
+              <a:shade val="50000"/>
+            </a:schemeClr>
+          </a:lnRef>
+          <a:fillRef idx="1">
+            <a:schemeClr val="accent1"/>
+          </a:fillRef>
+          <a:effectRef idx="0">
+            <a:schemeClr val="accent1"/>
+          </a:effectRef>
+          <a:fontRef idx="minor">
+            <a:schemeClr val="lt1"/>
+          </a:fontRef>
+        </p:style>
+        <p:txBody>
+          <a:bodyPr rot="0" spcFirstLastPara="0" vertOverflow="overflow" horzOverflow="overflow" vert="horz" wrap="square" lIns="51435" tIns="25718" rIns="51435" bIns="25718" numCol="1" spcCol="0" rtlCol="0" fromWordArt="0" anchor="ctr" anchorCtr="0" forceAA="0" compatLnSpc="1">
+            <a:prstTxWarp prst="textNoShape">
+              <a:avLst/>
+            </a:prstTxWarp>
+            <a:noAutofit/>
+          </a:bodyPr>
+          <a:lstStyle/>
+          <a:p>
+            <a:pPr algn="ctr"/>
+            <a:r>
+              <a:rPr lang="en-US" altLang="ko-KR" sz="675" dirty="0" smtClean="0"/>
+              <a:t>Wafer </a:t>
+            </a:r>
+            <a:r>
+              <a:rPr lang="ko-KR" altLang="en-US" sz="675" dirty="0" smtClean="0"/>
+              <a:t>비교 기준으로 선정</a:t>
+            </a:r>
+            <a:endParaRPr lang="en-US" altLang="ko-KR" sz="675" dirty="0"/>
+          </a:p>
+        </p:txBody>
+      </p:sp>
+      <p:sp>
+        <p:nvSpPr>
+          <p:cNvPr id="40" name="직사각형 39"/>
+          <p:cNvSpPr/>
+          <p:nvPr/>
+        </p:nvSpPr>
+        <p:spPr>
+          <a:xfrm>
+            <a:off x="477485" y="3473210"/>
+            <a:ext cx="1440000" cy="341891"/>
+          </a:xfrm>
+          <a:prstGeom prst="rect">
+            <a:avLst/>
+          </a:prstGeom>
+        </p:spPr>
+        <p:style>
+          <a:lnRef idx="2">
+            <a:schemeClr val="accent1">
+              <a:shade val="50000"/>
+            </a:schemeClr>
+          </a:lnRef>
+          <a:fillRef idx="1">
+            <a:schemeClr val="accent1"/>
+          </a:fillRef>
+          <a:effectRef idx="0">
+            <a:schemeClr val="accent1"/>
+          </a:effectRef>
+          <a:fontRef idx="minor">
+            <a:schemeClr val="lt1"/>
+          </a:fontRef>
+        </p:style>
+        <p:txBody>
+          <a:bodyPr rot="0" spcFirstLastPara="0" vertOverflow="overflow" horzOverflow="overflow" vert="horz" wrap="square" lIns="51435" tIns="25718" rIns="51435" bIns="25718" numCol="1" spcCol="0" rtlCol="0" fromWordArt="0" anchor="ctr" anchorCtr="0" forceAA="0" compatLnSpc="1">
+            <a:prstTxWarp prst="textNoShape">
+              <a:avLst/>
+            </a:prstTxWarp>
+            <a:noAutofit/>
+          </a:bodyPr>
+          <a:lstStyle/>
+          <a:p>
+            <a:pPr algn="ctr"/>
+            <a:r>
+              <a:rPr lang="en-US" altLang="ko-KR" sz="675" dirty="0" smtClean="0"/>
+              <a:t>Wafer </a:t>
+            </a:r>
+            <a:r>
+              <a:rPr lang="ko-KR" altLang="en-US" sz="675" dirty="0" smtClean="0"/>
+              <a:t>기준 </a:t>
+            </a:r>
+            <a:r>
+              <a:rPr lang="en-US" altLang="ko-KR" sz="675" dirty="0"/>
+              <a:t>Area</a:t>
+            </a:r>
+            <a:r>
+              <a:rPr lang="ko-KR" altLang="en-US" sz="675" dirty="0"/>
+              <a:t>의</a:t>
+            </a:r>
+            <a:r>
+              <a:rPr lang="en-US" altLang="ko-KR" sz="675" dirty="0"/>
+              <a:t> </a:t>
+            </a:r>
+            <a:r>
+              <a:rPr lang="ko-KR" altLang="en-US" sz="675" dirty="0"/>
+              <a:t>물량</a:t>
+            </a:r>
+            <a:r>
+              <a:rPr lang="en-US" altLang="ko-KR" sz="675" dirty="0"/>
+              <a:t>(</a:t>
+            </a:r>
+            <a:r>
+              <a:rPr lang="en-US" altLang="ko-KR" sz="675" b="1" i="1" dirty="0" err="1" smtClean="0">
+                <a:solidFill>
+                  <a:srgbClr val="FF0000"/>
+                </a:solidFill>
+              </a:rPr>
+              <a:t>y_temp</a:t>
+            </a:r>
+            <a:r>
+              <a:rPr lang="en-US" altLang="ko-KR" sz="675" dirty="0" smtClean="0"/>
+              <a:t>), </a:t>
+            </a:r>
+            <a:r>
+              <a:rPr lang="en-US" altLang="ko-KR" sz="675" dirty="0" err="1" smtClean="0"/>
+              <a:t>Int</a:t>
+            </a:r>
+            <a:r>
+              <a:rPr lang="en-US" altLang="ko-KR" sz="675" dirty="0" smtClean="0"/>
+              <a:t>(</a:t>
+            </a:r>
+            <a:r>
+              <a:rPr lang="en-US" altLang="ko-KR" sz="675" b="1" i="1" dirty="0" err="1" smtClean="0">
+                <a:solidFill>
+                  <a:srgbClr val="FF0000"/>
+                </a:solidFill>
+              </a:rPr>
+              <a:t>Int_temp</a:t>
+            </a:r>
+            <a:r>
+              <a:rPr lang="en-US" altLang="ko-KR" sz="675" dirty="0" smtClean="0"/>
+              <a:t>), </a:t>
+            </a:r>
+            <a:r>
+              <a:rPr lang="en-US" altLang="ko-KR" sz="675" dirty="0" err="1" smtClean="0"/>
+              <a:t>Wp</a:t>
+            </a:r>
+            <a:r>
+              <a:rPr lang="en-US" altLang="ko-KR" sz="675" dirty="0" smtClean="0"/>
+              <a:t>(</a:t>
+            </a:r>
+            <a:r>
+              <a:rPr lang="en-US" altLang="ko-KR" sz="675" b="1" i="1" dirty="0" err="1" smtClean="0">
+                <a:solidFill>
+                  <a:srgbClr val="FF0000"/>
+                </a:solidFill>
+              </a:rPr>
+              <a:t>Wp_temp</a:t>
+            </a:r>
+            <a:r>
+              <a:rPr lang="en-US" altLang="ko-KR" sz="675" dirty="0" smtClean="0"/>
+              <a:t>) </a:t>
+            </a:r>
+            <a:r>
+              <a:rPr lang="ko-KR" altLang="en-US" sz="675" dirty="0"/>
+              <a:t>저장</a:t>
+            </a:r>
+            <a:endParaRPr lang="en-US" altLang="ko-KR" sz="675" dirty="0"/>
+          </a:p>
+        </p:txBody>
+      </p:sp>
+      <p:sp>
+        <p:nvSpPr>
+          <p:cNvPr id="41" name="다이아몬드 40"/>
+          <p:cNvSpPr/>
+          <p:nvPr/>
+        </p:nvSpPr>
+        <p:spPr>
+          <a:xfrm>
+            <a:off x="2542845" y="3707811"/>
+            <a:ext cx="1440000" cy="626297"/>
+          </a:xfrm>
+          <a:prstGeom prst="diamond">
+            <a:avLst/>
+          </a:prstGeom>
+        </p:spPr>
+        <p:style>
+          <a:lnRef idx="2">
+            <a:schemeClr val="accent1">
+              <a:shade val="50000"/>
+            </a:schemeClr>
+          </a:lnRef>
+          <a:fillRef idx="1">
+            <a:schemeClr val="accent1"/>
+          </a:fillRef>
+          <a:effectRef idx="0">
+            <a:schemeClr val="accent1"/>
+          </a:effectRef>
+          <a:fontRef idx="minor">
+            <a:schemeClr val="lt1"/>
+          </a:fontRef>
+        </p:style>
+        <p:txBody>
+          <a:bodyPr rot="0" spcFirstLastPara="0" vertOverflow="overflow" horzOverflow="overflow" vert="horz" wrap="square" lIns="51435" tIns="25718" rIns="51435" bIns="25718" numCol="1" spcCol="0" rtlCol="0" fromWordArt="0" anchor="ctr" anchorCtr="0" forceAA="0" compatLnSpc="1">
+            <a:prstTxWarp prst="textNoShape">
+              <a:avLst/>
+            </a:prstTxWarp>
+            <a:noAutofit/>
+          </a:bodyPr>
+          <a:lstStyle/>
+          <a:p>
+            <a:pPr algn="ctr"/>
+            <a:r>
+              <a:rPr lang="en-US" altLang="ko-KR" sz="675" dirty="0" smtClean="0"/>
+              <a:t>Wafer </a:t>
+            </a:r>
+            <a:r>
+              <a:rPr lang="ko-KR" altLang="en-US" sz="675" dirty="0" smtClean="0"/>
+              <a:t>내 </a:t>
+            </a:r>
+            <a:r>
+              <a:rPr lang="en-US" altLang="ko-KR" sz="675" dirty="0" smtClean="0"/>
+              <a:t/>
+            </a:r>
+            <a:br>
+              <a:rPr lang="en-US" altLang="ko-KR" sz="675" dirty="0" smtClean="0"/>
+            </a:br>
+            <a:r>
+              <a:rPr lang="ko-KR" altLang="en-US" sz="675" dirty="0" smtClean="0"/>
+              <a:t>모든 </a:t>
+            </a:r>
+            <a:r>
+              <a:rPr lang="en-US" altLang="ko-KR" sz="675" dirty="0" smtClean="0"/>
+              <a:t>area(</a:t>
+            </a:r>
+            <a:r>
+              <a:rPr lang="en-US" altLang="ko-KR" sz="675" b="1" i="1" dirty="0" err="1" smtClean="0">
+                <a:solidFill>
+                  <a:srgbClr val="FF0000"/>
+                </a:solidFill>
+              </a:rPr>
+              <a:t>No_area</a:t>
+            </a:r>
+            <a:r>
+              <a:rPr lang="en-US" altLang="ko-KR" sz="675" dirty="0" smtClean="0"/>
+              <a:t>)</a:t>
+            </a:r>
+            <a:r>
+              <a:rPr lang="ko-KR" altLang="en-US" sz="675" dirty="0" smtClean="0"/>
+              <a:t>를</a:t>
+            </a:r>
+            <a:r>
+              <a:rPr lang="en-US" altLang="ko-KR" sz="675" dirty="0" smtClean="0"/>
+              <a:t/>
+            </a:r>
+            <a:br>
+              <a:rPr lang="en-US" altLang="ko-KR" sz="675" dirty="0" smtClean="0"/>
+            </a:br>
+            <a:r>
+              <a:rPr lang="ko-KR" altLang="en-US" sz="675" dirty="0" smtClean="0"/>
+              <a:t>확인 했는가</a:t>
+            </a:r>
+            <a:endParaRPr lang="ko-KR" altLang="en-US" sz="675" dirty="0"/>
+          </a:p>
+        </p:txBody>
+      </p:sp>
+      <p:sp>
+        <p:nvSpPr>
+          <p:cNvPr id="44" name="다이아몬드 43"/>
+          <p:cNvSpPr/>
+          <p:nvPr/>
+        </p:nvSpPr>
+        <p:spPr>
+          <a:xfrm>
+            <a:off x="477485" y="8233459"/>
+            <a:ext cx="1440000" cy="626297"/>
+          </a:xfrm>
+          <a:prstGeom prst="diamond">
+            <a:avLst/>
+          </a:prstGeom>
+        </p:spPr>
+        <p:style>
+          <a:lnRef idx="2">
+            <a:schemeClr val="accent1">
+              <a:shade val="50000"/>
+            </a:schemeClr>
+          </a:lnRef>
+          <a:fillRef idx="1">
+            <a:schemeClr val="accent1"/>
+          </a:fillRef>
+          <a:effectRef idx="0">
+            <a:schemeClr val="accent1"/>
+          </a:effectRef>
+          <a:fontRef idx="minor">
+            <a:schemeClr val="lt1"/>
+          </a:fontRef>
+        </p:style>
+        <p:txBody>
+          <a:bodyPr rot="0" spcFirstLastPara="0" vertOverflow="overflow" horzOverflow="overflow" vert="horz" wrap="square" lIns="51435" tIns="25718" rIns="51435" bIns="25718" numCol="1" spcCol="0" rtlCol="0" fromWordArt="0" anchor="ctr" anchorCtr="0" forceAA="0" compatLnSpc="1">
+            <a:prstTxWarp prst="textNoShape">
+              <a:avLst/>
+            </a:prstTxWarp>
+            <a:noAutofit/>
+          </a:bodyPr>
+          <a:lstStyle/>
+          <a:p>
+            <a:pPr algn="ctr"/>
+            <a:r>
+              <a:rPr lang="ko-KR" altLang="en-US" sz="675" dirty="0"/>
+              <a:t>현재까지 모인 수량이 </a:t>
+            </a:r>
+            <a:r>
+              <a:rPr lang="en-US" altLang="ko-KR" sz="675" dirty="0" smtClean="0"/>
+              <a:t>module </a:t>
+            </a:r>
+            <a:r>
+              <a:rPr lang="ko-KR" altLang="en-US" sz="675" dirty="0" smtClean="0"/>
+              <a:t>분량</a:t>
+            </a:r>
+            <a:r>
+              <a:rPr lang="en-US" altLang="ko-KR" sz="675" dirty="0" smtClean="0"/>
+              <a:t>(</a:t>
+            </a:r>
+            <a:r>
+              <a:rPr lang="en-US" altLang="ko-KR" sz="675" b="1" i="1" dirty="0" err="1" smtClean="0">
+                <a:solidFill>
+                  <a:srgbClr val="FF0000"/>
+                </a:solidFill>
+              </a:rPr>
+              <a:t>No_module</a:t>
+            </a:r>
+            <a:r>
+              <a:rPr lang="en-US" altLang="ko-KR" sz="675" dirty="0" smtClean="0"/>
+              <a:t>)</a:t>
+            </a:r>
+            <a:r>
+              <a:rPr lang="ko-KR" altLang="en-US" sz="675" dirty="0" smtClean="0"/>
+              <a:t>을 </a:t>
+            </a:r>
+            <a:r>
+              <a:rPr lang="ko-KR" altLang="en-US" sz="675" dirty="0"/>
+              <a:t>넘는가 </a:t>
+            </a:r>
+            <a:r>
+              <a:rPr lang="en-US" altLang="ko-KR" sz="675" dirty="0"/>
+              <a:t>?</a:t>
+            </a:r>
+            <a:endParaRPr lang="ko-KR" altLang="en-US" sz="675" dirty="0"/>
+          </a:p>
+        </p:txBody>
+      </p:sp>
+      <p:sp>
+        <p:nvSpPr>
+          <p:cNvPr id="45" name="다이아몬드 44"/>
+          <p:cNvSpPr/>
+          <p:nvPr/>
+        </p:nvSpPr>
+        <p:spPr>
+          <a:xfrm>
+            <a:off x="2542845" y="2903873"/>
+            <a:ext cx="1440000" cy="626297"/>
+          </a:xfrm>
+          <a:prstGeom prst="diamond">
+            <a:avLst/>
+          </a:prstGeom>
+        </p:spPr>
+        <p:style>
+          <a:lnRef idx="2">
+            <a:schemeClr val="accent1">
+              <a:shade val="50000"/>
+            </a:schemeClr>
+          </a:lnRef>
+          <a:fillRef idx="1">
+            <a:schemeClr val="accent1"/>
+          </a:fillRef>
+          <a:effectRef idx="0">
+            <a:schemeClr val="accent1"/>
+          </a:effectRef>
+          <a:fontRef idx="minor">
+            <a:schemeClr val="lt1"/>
+          </a:fontRef>
+        </p:style>
+        <p:txBody>
+          <a:bodyPr rot="0" spcFirstLastPara="0" vertOverflow="overflow" horzOverflow="overflow" vert="horz" wrap="square" lIns="51435" tIns="25718" rIns="51435" bIns="25718" numCol="1" spcCol="0" rtlCol="0" fromWordArt="0" anchor="ctr" anchorCtr="0" forceAA="0" compatLnSpc="1">
+            <a:prstTxWarp prst="textNoShape">
+              <a:avLst/>
+            </a:prstTxWarp>
+            <a:noAutofit/>
+          </a:bodyPr>
+          <a:lstStyle/>
+          <a:p>
+            <a:pPr algn="ctr"/>
+            <a:r>
+              <a:rPr lang="ko-KR" altLang="en-US" sz="675" dirty="0" smtClean="0"/>
+              <a:t>현재까지 </a:t>
+            </a:r>
+            <a:r>
+              <a:rPr lang="en-US" altLang="ko-KR" sz="675" dirty="0" smtClean="0"/>
+              <a:t/>
+            </a:r>
+            <a:br>
+              <a:rPr lang="en-US" altLang="ko-KR" sz="675" dirty="0" smtClean="0"/>
+            </a:br>
+            <a:r>
+              <a:rPr lang="ko-KR" altLang="en-US" sz="675" dirty="0" smtClean="0"/>
+              <a:t>선정한 </a:t>
+            </a:r>
+            <a:r>
+              <a:rPr lang="en-US" altLang="ko-KR" sz="675" dirty="0" smtClean="0"/>
+              <a:t>area</a:t>
+            </a:r>
+            <a:r>
+              <a:rPr lang="ko-KR" altLang="en-US" sz="675" dirty="0" smtClean="0"/>
+              <a:t>가 </a:t>
+            </a:r>
+            <a:r>
+              <a:rPr lang="en-US" altLang="ko-KR" sz="675" dirty="0" smtClean="0"/>
+              <a:t/>
+            </a:r>
+            <a:br>
+              <a:rPr lang="en-US" altLang="ko-KR" sz="675" dirty="0" smtClean="0"/>
+            </a:br>
+            <a:r>
+              <a:rPr lang="en-US" altLang="ko-KR" sz="675" b="1" dirty="0" smtClean="0">
+                <a:solidFill>
+                  <a:srgbClr val="FF0000"/>
+                </a:solidFill>
+              </a:rPr>
+              <a:t>z</a:t>
+            </a:r>
+            <a:r>
+              <a:rPr lang="ko-KR" altLang="en-US" sz="675" dirty="0" smtClean="0"/>
+              <a:t>영역 이상인가</a:t>
+            </a:r>
+            <a:endParaRPr lang="ko-KR" altLang="en-US" sz="675" dirty="0"/>
+          </a:p>
+        </p:txBody>
+      </p:sp>
+      <p:sp>
+        <p:nvSpPr>
+          <p:cNvPr id="46" name="평행 사변형 45"/>
+          <p:cNvSpPr/>
+          <p:nvPr/>
+        </p:nvSpPr>
+        <p:spPr>
+          <a:xfrm>
+            <a:off x="4612193" y="7687645"/>
+            <a:ext cx="1440000" cy="748557"/>
+          </a:xfrm>
+          <a:prstGeom prst="parallelogram">
+            <a:avLst/>
+          </a:prstGeom>
+        </p:spPr>
+        <p:style>
+          <a:lnRef idx="2">
+            <a:schemeClr val="accent1">
+              <a:shade val="50000"/>
+            </a:schemeClr>
+          </a:lnRef>
+          <a:fillRef idx="1">
+            <a:schemeClr val="accent1"/>
+          </a:fillRef>
+          <a:effectRef idx="0">
+            <a:schemeClr val="accent1"/>
+          </a:effectRef>
+          <a:fontRef idx="minor">
+            <a:schemeClr val="lt1"/>
+          </a:fontRef>
+        </p:style>
+        <p:txBody>
+          <a:bodyPr rtlCol="0" anchor="ctr"/>
+          <a:lstStyle/>
+          <a:p>
+            <a:pPr algn="ctr"/>
+            <a:r>
+              <a:rPr lang="en-US" altLang="ko-KR" sz="800" dirty="0" smtClean="0"/>
+              <a:t>Grouping </a:t>
+            </a:r>
+            <a:r>
+              <a:rPr lang="ko-KR" altLang="en-US" sz="800" dirty="0" smtClean="0"/>
+              <a:t>결과</a:t>
+            </a:r>
+            <a:r>
+              <a:rPr lang="en-US" altLang="ko-KR" sz="800" dirty="0" smtClean="0"/>
+              <a:t>(Wafer ID, Int. </a:t>
+            </a:r>
+            <a:r>
+              <a:rPr lang="en-US" altLang="ko-KR" sz="800" dirty="0" err="1" smtClean="0"/>
+              <a:t>avg</a:t>
+            </a:r>
+            <a:r>
+              <a:rPr lang="en-US" altLang="ko-KR" sz="800" dirty="0" smtClean="0"/>
+              <a:t>, Int. </a:t>
+            </a:r>
+            <a:r>
+              <a:rPr lang="en-US" altLang="ko-KR" sz="800" dirty="0" err="1" smtClean="0"/>
+              <a:t>std</a:t>
+            </a:r>
+            <a:r>
+              <a:rPr lang="en-US" altLang="ko-KR" sz="800" dirty="0" smtClean="0"/>
+              <a:t>, </a:t>
+            </a:r>
+            <a:r>
+              <a:rPr lang="en-US" altLang="ko-KR" sz="800" dirty="0" err="1" smtClean="0"/>
+              <a:t>Wp</a:t>
+            </a:r>
+            <a:r>
+              <a:rPr lang="en-US" altLang="ko-KR" sz="800" dirty="0" smtClean="0"/>
+              <a:t>. </a:t>
+            </a:r>
+            <a:r>
+              <a:rPr lang="en-US" altLang="ko-KR" sz="800" dirty="0" err="1" smtClean="0"/>
+              <a:t>Avg</a:t>
+            </a:r>
+            <a:r>
+              <a:rPr lang="en-US" altLang="ko-KR" sz="800" dirty="0" smtClean="0"/>
+              <a:t>, </a:t>
+            </a:r>
+            <a:r>
+              <a:rPr lang="en-US" altLang="ko-KR" sz="800" dirty="0" err="1" smtClean="0"/>
+              <a:t>Wp</a:t>
+            </a:r>
+            <a:r>
+              <a:rPr lang="en-US" altLang="ko-KR" sz="800" dirty="0" smtClean="0"/>
+              <a:t>. </a:t>
+            </a:r>
+            <a:r>
+              <a:rPr lang="en-US" altLang="ko-KR" sz="800" dirty="0" err="1" smtClean="0"/>
+              <a:t>Std</a:t>
+            </a:r>
+            <a:r>
+              <a:rPr lang="en-US" altLang="ko-KR" sz="800" dirty="0" smtClean="0"/>
+              <a:t>, </a:t>
+            </a:r>
+            <a:r>
+              <a:rPr lang="en-US" altLang="ko-KR" sz="800" dirty="0" err="1" smtClean="0"/>
+              <a:t>Max&amp;Min</a:t>
+            </a:r>
+            <a:r>
+              <a:rPr lang="en-US" altLang="ko-KR" sz="800" dirty="0" smtClean="0"/>
+              <a:t> </a:t>
+            </a:r>
+            <a:r>
+              <a:rPr lang="en-US" altLang="ko-KR" sz="800" dirty="0" err="1" smtClean="0"/>
+              <a:t>Int</a:t>
+            </a:r>
+            <a:r>
+              <a:rPr lang="en-US" altLang="ko-KR" sz="800" dirty="0" smtClean="0"/>
+              <a:t>/</a:t>
+            </a:r>
+            <a:r>
+              <a:rPr lang="en-US" altLang="ko-KR" sz="800" dirty="0" err="1" smtClean="0"/>
+              <a:t>Wp</a:t>
+            </a:r>
+            <a:r>
+              <a:rPr lang="en-US" altLang="ko-KR" sz="800" dirty="0" smtClean="0"/>
+              <a:t> avg.) </a:t>
+            </a:r>
+            <a:r>
+              <a:rPr lang="ko-KR" altLang="en-US" sz="800" dirty="0" smtClean="0"/>
+              <a:t>출력</a:t>
+            </a:r>
+            <a:endParaRPr lang="en-US" altLang="ko-KR" sz="800" dirty="0"/>
+          </a:p>
+        </p:txBody>
+      </p:sp>
+      <p:cxnSp>
+        <p:nvCxnSpPr>
+          <p:cNvPr id="9" name="직선 화살표 연결선 8"/>
+          <p:cNvCxnSpPr>
+            <a:stCxn id="6" idx="2"/>
+            <a:endCxn id="4" idx="0"/>
+          </p:cNvCxnSpPr>
+          <p:nvPr/>
+        </p:nvCxnSpPr>
+        <p:spPr>
+          <a:xfrm>
+            <a:off x="1197485" y="243306"/>
+            <a:ext cx="0" cy="115858"/>
+          </a:xfrm>
+          <a:prstGeom prst="straightConnector1">
+            <a:avLst/>
+          </a:prstGeom>
+          <a:ln>
+            <a:tailEnd type="triangle"/>
+          </a:ln>
+        </p:spPr>
+        <p:style>
+          <a:lnRef idx="1">
+            <a:schemeClr val="accent1"/>
+          </a:lnRef>
+          <a:fillRef idx="0">
+            <a:schemeClr val="accent1"/>
+          </a:fillRef>
+          <a:effectRef idx="0">
+            <a:schemeClr val="accent1"/>
+          </a:effectRef>
+          <a:fontRef idx="minor">
+            <a:schemeClr val="tx1"/>
+          </a:fontRef>
+        </p:style>
+      </p:cxnSp>
+      <p:cxnSp>
+        <p:nvCxnSpPr>
+          <p:cNvPr id="55" name="직선 화살표 연결선 54"/>
+          <p:cNvCxnSpPr>
+            <a:stCxn id="11" idx="2"/>
+            <a:endCxn id="19" idx="0"/>
+          </p:cNvCxnSpPr>
+          <p:nvPr/>
+        </p:nvCxnSpPr>
+        <p:spPr>
+          <a:xfrm>
+            <a:off x="1197485" y="1577180"/>
+            <a:ext cx="0" cy="115859"/>
+          </a:xfrm>
+          <a:prstGeom prst="straightConnector1">
+            <a:avLst/>
+          </a:prstGeom>
+          <a:ln>
+            <a:tailEnd type="triangle"/>
+          </a:ln>
+        </p:spPr>
+        <p:style>
+          <a:lnRef idx="1">
+            <a:schemeClr val="accent1"/>
+          </a:lnRef>
+          <a:fillRef idx="0">
+            <a:schemeClr val="accent1"/>
+          </a:fillRef>
+          <a:effectRef idx="0">
+            <a:schemeClr val="accent1"/>
+          </a:effectRef>
+          <a:fontRef idx="minor">
+            <a:schemeClr val="tx1"/>
+          </a:fontRef>
+        </p:style>
+      </p:cxnSp>
+      <p:cxnSp>
+        <p:nvCxnSpPr>
+          <p:cNvPr id="63" name="꺾인 연결선 62"/>
+          <p:cNvCxnSpPr>
+            <a:stCxn id="11" idx="3"/>
+            <a:endCxn id="12" idx="2"/>
+          </p:cNvCxnSpPr>
+          <p:nvPr/>
+        </p:nvCxnSpPr>
+        <p:spPr>
+          <a:xfrm flipV="1">
+            <a:off x="1917485" y="829830"/>
+            <a:ext cx="1345360" cy="434202"/>
+          </a:xfrm>
+          <a:prstGeom prst="bentConnector2">
+            <a:avLst/>
+          </a:prstGeom>
+          <a:ln>
+            <a:tailEnd type="triangle"/>
+          </a:ln>
+        </p:spPr>
+        <p:style>
+          <a:lnRef idx="1">
+            <a:schemeClr val="accent1"/>
+          </a:lnRef>
+          <a:fillRef idx="0">
+            <a:schemeClr val="accent1"/>
+          </a:fillRef>
+          <a:effectRef idx="0">
+            <a:schemeClr val="accent1"/>
+          </a:effectRef>
+          <a:fontRef idx="minor">
+            <a:schemeClr val="tx1"/>
+          </a:fontRef>
+        </p:style>
+      </p:cxnSp>
+      <p:cxnSp>
+        <p:nvCxnSpPr>
+          <p:cNvPr id="72" name="직선 화살표 연결선 71"/>
+          <p:cNvCxnSpPr>
+            <a:stCxn id="4" idx="2"/>
+            <a:endCxn id="11" idx="0"/>
+          </p:cNvCxnSpPr>
+          <p:nvPr/>
+        </p:nvCxnSpPr>
+        <p:spPr>
+          <a:xfrm>
+            <a:off x="1197485" y="672043"/>
+            <a:ext cx="0" cy="278840"/>
+          </a:xfrm>
+          <a:prstGeom prst="straightConnector1">
+            <a:avLst/>
+          </a:prstGeom>
+          <a:ln>
+            <a:tailEnd type="triangle"/>
+          </a:ln>
+        </p:spPr>
+        <p:style>
+          <a:lnRef idx="1">
+            <a:schemeClr val="accent1"/>
+          </a:lnRef>
+          <a:fillRef idx="0">
+            <a:schemeClr val="accent1"/>
+          </a:fillRef>
+          <a:effectRef idx="0">
+            <a:schemeClr val="accent1"/>
+          </a:effectRef>
+          <a:fontRef idx="minor">
+            <a:schemeClr val="tx1"/>
+          </a:fontRef>
+        </p:style>
+      </p:cxnSp>
+      <p:cxnSp>
+        <p:nvCxnSpPr>
+          <p:cNvPr id="74" name="직선 연결선 73"/>
+          <p:cNvCxnSpPr/>
+          <p:nvPr/>
+        </p:nvCxnSpPr>
+        <p:spPr>
+          <a:xfrm flipH="1">
+            <a:off x="1197485" y="739830"/>
+            <a:ext cx="1338325" cy="7681"/>
+          </a:xfrm>
+          <a:prstGeom prst="line">
+            <a:avLst/>
+          </a:prstGeom>
+        </p:spPr>
+        <p:style>
+          <a:lnRef idx="1">
+            <a:schemeClr val="accent1"/>
+          </a:lnRef>
+          <a:fillRef idx="0">
+            <a:schemeClr val="accent1"/>
+          </a:fillRef>
+          <a:effectRef idx="0">
+            <a:schemeClr val="accent1"/>
+          </a:effectRef>
+          <a:fontRef idx="minor">
+            <a:schemeClr val="tx1"/>
+          </a:fontRef>
+        </p:style>
+      </p:cxnSp>
+      <p:cxnSp>
+        <p:nvCxnSpPr>
+          <p:cNvPr id="76" name="꺾인 연결선 75"/>
+          <p:cNvCxnSpPr>
+            <a:stCxn id="19" idx="3"/>
+          </p:cNvCxnSpPr>
+          <p:nvPr/>
+        </p:nvCxnSpPr>
+        <p:spPr>
+          <a:xfrm flipV="1">
+            <a:off x="1917485" y="1264032"/>
+            <a:ext cx="1036573" cy="742156"/>
+          </a:xfrm>
+          <a:prstGeom prst="bentConnector3">
+            <a:avLst>
+              <a:gd name="adj1" fmla="val 129834"/>
+            </a:avLst>
+          </a:prstGeom>
+        </p:spPr>
+        <p:style>
+          <a:lnRef idx="1">
+            <a:schemeClr val="accent1"/>
+          </a:lnRef>
+          <a:fillRef idx="0">
+            <a:schemeClr val="accent1"/>
+          </a:fillRef>
+          <a:effectRef idx="0">
+            <a:schemeClr val="accent1"/>
+          </a:effectRef>
+          <a:fontRef idx="minor">
+            <a:schemeClr val="tx1"/>
+          </a:fontRef>
+        </p:style>
+      </p:cxnSp>
+      <p:cxnSp>
+        <p:nvCxnSpPr>
+          <p:cNvPr id="83" name="직선 화살표 연결선 82"/>
+          <p:cNvCxnSpPr>
+            <a:stCxn id="19" idx="2"/>
+            <a:endCxn id="21" idx="0"/>
+          </p:cNvCxnSpPr>
+          <p:nvPr/>
+        </p:nvCxnSpPr>
+        <p:spPr>
+          <a:xfrm>
+            <a:off x="1197485" y="2319336"/>
+            <a:ext cx="0" cy="115859"/>
+          </a:xfrm>
+          <a:prstGeom prst="straightConnector1">
+            <a:avLst/>
+          </a:prstGeom>
+          <a:ln>
+            <a:tailEnd type="triangle"/>
+          </a:ln>
+        </p:spPr>
+        <p:style>
+          <a:lnRef idx="1">
+            <a:schemeClr val="accent1"/>
+          </a:lnRef>
+          <a:fillRef idx="0">
+            <a:schemeClr val="accent1"/>
+          </a:fillRef>
+          <a:effectRef idx="0">
+            <a:schemeClr val="accent1"/>
+          </a:effectRef>
+          <a:fontRef idx="minor">
+            <a:schemeClr val="tx1"/>
+          </a:fontRef>
+        </p:style>
+      </p:cxnSp>
+      <p:cxnSp>
+        <p:nvCxnSpPr>
+          <p:cNvPr id="85" name="직선 화살표 연결선 84"/>
+          <p:cNvCxnSpPr>
+            <a:stCxn id="21" idx="2"/>
+            <a:endCxn id="39" idx="0"/>
+          </p:cNvCxnSpPr>
+          <p:nvPr/>
+        </p:nvCxnSpPr>
+        <p:spPr>
+          <a:xfrm>
+            <a:off x="1197485" y="3061492"/>
+            <a:ext cx="0" cy="115859"/>
+          </a:xfrm>
+          <a:prstGeom prst="straightConnector1">
+            <a:avLst/>
+          </a:prstGeom>
+          <a:ln>
+            <a:tailEnd type="triangle"/>
+          </a:ln>
+        </p:spPr>
+        <p:style>
+          <a:lnRef idx="1">
+            <a:schemeClr val="accent1"/>
+          </a:lnRef>
+          <a:fillRef idx="0">
+            <a:schemeClr val="accent1"/>
+          </a:fillRef>
+          <a:effectRef idx="0">
+            <a:schemeClr val="accent1"/>
+          </a:effectRef>
+          <a:fontRef idx="minor">
+            <a:schemeClr val="tx1"/>
+          </a:fontRef>
+        </p:style>
+      </p:cxnSp>
+      <p:cxnSp>
+        <p:nvCxnSpPr>
+          <p:cNvPr id="87" name="직선 화살표 연결선 86"/>
+          <p:cNvCxnSpPr>
+            <a:stCxn id="39" idx="2"/>
+            <a:endCxn id="40" idx="0"/>
+          </p:cNvCxnSpPr>
+          <p:nvPr/>
+        </p:nvCxnSpPr>
+        <p:spPr>
+          <a:xfrm>
+            <a:off x="1197485" y="3357351"/>
+            <a:ext cx="0" cy="115859"/>
+          </a:xfrm>
+          <a:prstGeom prst="straightConnector1">
+            <a:avLst/>
+          </a:prstGeom>
+          <a:ln>
+            <a:tailEnd type="triangle"/>
+          </a:ln>
+        </p:spPr>
+        <p:style>
+          <a:lnRef idx="1">
+            <a:schemeClr val="accent1"/>
+          </a:lnRef>
+          <a:fillRef idx="0">
+            <a:schemeClr val="accent1"/>
+          </a:fillRef>
+          <a:effectRef idx="0">
+            <a:schemeClr val="accent1"/>
+          </a:effectRef>
+          <a:fontRef idx="minor">
+            <a:schemeClr val="tx1"/>
+          </a:fontRef>
+        </p:style>
+      </p:cxnSp>
+      <p:cxnSp>
+        <p:nvCxnSpPr>
+          <p:cNvPr id="89" name="직선 화살표 연결선 88"/>
+          <p:cNvCxnSpPr>
+            <a:stCxn id="40" idx="2"/>
+            <a:endCxn id="28" idx="0"/>
+          </p:cNvCxnSpPr>
+          <p:nvPr/>
+        </p:nvCxnSpPr>
+        <p:spPr>
+          <a:xfrm>
+            <a:off x="1197485" y="3815101"/>
+            <a:ext cx="0" cy="115859"/>
+          </a:xfrm>
+          <a:prstGeom prst="straightConnector1">
+            <a:avLst/>
+          </a:prstGeom>
+          <a:ln>
+            <a:tailEnd type="triangle"/>
+          </a:ln>
+        </p:spPr>
+        <p:style>
+          <a:lnRef idx="1">
+            <a:schemeClr val="accent1"/>
+          </a:lnRef>
+          <a:fillRef idx="0">
+            <a:schemeClr val="accent1"/>
+          </a:fillRef>
+          <a:effectRef idx="0">
+            <a:schemeClr val="accent1"/>
+          </a:effectRef>
+          <a:fontRef idx="minor">
+            <a:schemeClr val="tx1"/>
+          </a:fontRef>
+        </p:style>
+      </p:cxnSp>
+      <p:cxnSp>
+        <p:nvCxnSpPr>
+          <p:cNvPr id="91" name="직선 화살표 연결선 90"/>
+          <p:cNvCxnSpPr>
+            <a:stCxn id="28" idx="2"/>
+            <a:endCxn id="30" idx="0"/>
+          </p:cNvCxnSpPr>
+          <p:nvPr/>
+        </p:nvCxnSpPr>
+        <p:spPr>
+          <a:xfrm>
+            <a:off x="1197485" y="4110960"/>
+            <a:ext cx="0" cy="115859"/>
+          </a:xfrm>
+          <a:prstGeom prst="straightConnector1">
+            <a:avLst/>
+          </a:prstGeom>
+          <a:ln>
+            <a:tailEnd type="triangle"/>
+          </a:ln>
+        </p:spPr>
+        <p:style>
+          <a:lnRef idx="1">
+            <a:schemeClr val="accent1"/>
+          </a:lnRef>
+          <a:fillRef idx="0">
+            <a:schemeClr val="accent1"/>
+          </a:fillRef>
+          <a:effectRef idx="0">
+            <a:schemeClr val="accent1"/>
+          </a:effectRef>
+          <a:fontRef idx="minor">
+            <a:schemeClr val="tx1"/>
+          </a:fontRef>
+        </p:style>
+      </p:cxnSp>
+      <p:cxnSp>
+        <p:nvCxnSpPr>
+          <p:cNvPr id="93" name="직선 화살표 연결선 92"/>
+          <p:cNvCxnSpPr>
+            <a:stCxn id="30" idx="2"/>
+            <a:endCxn id="35" idx="0"/>
+          </p:cNvCxnSpPr>
+          <p:nvPr/>
+        </p:nvCxnSpPr>
+        <p:spPr>
+          <a:xfrm>
+            <a:off x="1197485" y="4853116"/>
+            <a:ext cx="0" cy="115859"/>
+          </a:xfrm>
+          <a:prstGeom prst="straightConnector1">
+            <a:avLst/>
+          </a:prstGeom>
+          <a:ln>
+            <a:tailEnd type="triangle"/>
+          </a:ln>
+        </p:spPr>
+        <p:style>
+          <a:lnRef idx="1">
+            <a:schemeClr val="accent1"/>
+          </a:lnRef>
+          <a:fillRef idx="0">
+            <a:schemeClr val="accent1"/>
+          </a:fillRef>
+          <a:effectRef idx="0">
+            <a:schemeClr val="accent1"/>
+          </a:effectRef>
+          <a:fontRef idx="minor">
+            <a:schemeClr val="tx1"/>
+          </a:fontRef>
+        </p:style>
+      </p:cxnSp>
+      <p:cxnSp>
+        <p:nvCxnSpPr>
+          <p:cNvPr id="95" name="직선 화살표 연결선 94"/>
+          <p:cNvCxnSpPr>
+            <a:stCxn id="35" idx="2"/>
+            <a:endCxn id="36" idx="0"/>
+          </p:cNvCxnSpPr>
+          <p:nvPr/>
+        </p:nvCxnSpPr>
+        <p:spPr>
+          <a:xfrm>
+            <a:off x="1197485" y="5595272"/>
+            <a:ext cx="0" cy="115859"/>
+          </a:xfrm>
+          <a:prstGeom prst="straightConnector1">
+            <a:avLst/>
+          </a:prstGeom>
+          <a:ln>
+            <a:tailEnd type="triangle"/>
+          </a:ln>
+        </p:spPr>
+        <p:style>
+          <a:lnRef idx="1">
+            <a:schemeClr val="accent1"/>
+          </a:lnRef>
+          <a:fillRef idx="0">
+            <a:schemeClr val="accent1"/>
+          </a:fillRef>
+          <a:effectRef idx="0">
+            <a:schemeClr val="accent1"/>
+          </a:effectRef>
+          <a:fontRef idx="minor">
+            <a:schemeClr val="tx1"/>
+          </a:fontRef>
+        </p:style>
+      </p:cxnSp>
+      <p:cxnSp>
+        <p:nvCxnSpPr>
+          <p:cNvPr id="97" name="직선 화살표 연결선 96"/>
+          <p:cNvCxnSpPr>
+            <a:stCxn id="36" idx="2"/>
+            <a:endCxn id="37" idx="0"/>
+          </p:cNvCxnSpPr>
+          <p:nvPr/>
+        </p:nvCxnSpPr>
+        <p:spPr>
+          <a:xfrm>
+            <a:off x="1197485" y="6337428"/>
+            <a:ext cx="0" cy="115859"/>
+          </a:xfrm>
+          <a:prstGeom prst="straightConnector1">
+            <a:avLst/>
+          </a:prstGeom>
+          <a:ln>
+            <a:tailEnd type="triangle"/>
+          </a:ln>
+        </p:spPr>
+        <p:style>
+          <a:lnRef idx="1">
+            <a:schemeClr val="accent1"/>
+          </a:lnRef>
+          <a:fillRef idx="0">
+            <a:schemeClr val="accent1"/>
+          </a:fillRef>
+          <a:effectRef idx="0">
+            <a:schemeClr val="accent1"/>
+          </a:effectRef>
+          <a:fontRef idx="minor">
+            <a:schemeClr val="tx1"/>
+          </a:fontRef>
+        </p:style>
+      </p:cxnSp>
+      <p:cxnSp>
+        <p:nvCxnSpPr>
+          <p:cNvPr id="99" name="직선 화살표 연결선 98"/>
+          <p:cNvCxnSpPr>
+            <a:stCxn id="37" idx="2"/>
+            <a:endCxn id="38" idx="0"/>
+          </p:cNvCxnSpPr>
+          <p:nvPr/>
+        </p:nvCxnSpPr>
+        <p:spPr>
+          <a:xfrm>
+            <a:off x="1197485" y="7079584"/>
+            <a:ext cx="0" cy="115859"/>
+          </a:xfrm>
+          <a:prstGeom prst="straightConnector1">
+            <a:avLst/>
+          </a:prstGeom>
+          <a:ln>
+            <a:tailEnd type="triangle"/>
+          </a:ln>
+        </p:spPr>
+        <p:style>
+          <a:lnRef idx="1">
+            <a:schemeClr val="accent1"/>
+          </a:lnRef>
+          <a:fillRef idx="0">
+            <a:schemeClr val="accent1"/>
+          </a:fillRef>
+          <a:effectRef idx="0">
+            <a:schemeClr val="accent1"/>
+          </a:effectRef>
+          <a:fontRef idx="minor">
+            <a:schemeClr val="tx1"/>
+          </a:fontRef>
+        </p:style>
+      </p:cxnSp>
+      <p:cxnSp>
+        <p:nvCxnSpPr>
+          <p:cNvPr id="101" name="직선 화살표 연결선 100"/>
+          <p:cNvCxnSpPr>
+            <a:stCxn id="38" idx="2"/>
+            <a:endCxn id="13" idx="0"/>
+          </p:cNvCxnSpPr>
+          <p:nvPr/>
+        </p:nvCxnSpPr>
+        <p:spPr>
+          <a:xfrm>
+            <a:off x="1197485" y="7821740"/>
+            <a:ext cx="0" cy="115859"/>
+          </a:xfrm>
+          <a:prstGeom prst="straightConnector1">
+            <a:avLst/>
+          </a:prstGeom>
+          <a:ln>
+            <a:tailEnd type="triangle"/>
+          </a:ln>
+        </p:spPr>
+        <p:style>
+          <a:lnRef idx="1">
+            <a:schemeClr val="accent1"/>
+          </a:lnRef>
+          <a:fillRef idx="0">
+            <a:schemeClr val="accent1"/>
+          </a:fillRef>
+          <a:effectRef idx="0">
+            <a:schemeClr val="accent1"/>
+          </a:effectRef>
+          <a:fontRef idx="minor">
+            <a:schemeClr val="tx1"/>
+          </a:fontRef>
+        </p:style>
+      </p:cxnSp>
+      <p:cxnSp>
+        <p:nvCxnSpPr>
+          <p:cNvPr id="103" name="직선 화살표 연결선 102"/>
+          <p:cNvCxnSpPr>
+            <a:stCxn id="13" idx="2"/>
+            <a:endCxn id="44" idx="0"/>
+          </p:cNvCxnSpPr>
+          <p:nvPr/>
+        </p:nvCxnSpPr>
+        <p:spPr>
+          <a:xfrm>
+            <a:off x="1197485" y="8117599"/>
+            <a:ext cx="0" cy="115860"/>
+          </a:xfrm>
+          <a:prstGeom prst="straightConnector1">
+            <a:avLst/>
+          </a:prstGeom>
+          <a:ln>
+            <a:tailEnd type="triangle"/>
+          </a:ln>
+        </p:spPr>
+        <p:style>
+          <a:lnRef idx="1">
+            <a:schemeClr val="accent1"/>
+          </a:lnRef>
+          <a:fillRef idx="0">
+            <a:schemeClr val="accent1"/>
+          </a:fillRef>
+          <a:effectRef idx="0">
+            <a:schemeClr val="accent1"/>
+          </a:effectRef>
+          <a:fontRef idx="minor">
+            <a:schemeClr val="tx1"/>
+          </a:fontRef>
+        </p:style>
+      </p:cxnSp>
+      <p:cxnSp>
+        <p:nvCxnSpPr>
+          <p:cNvPr id="107" name="꺾인 연결선 106"/>
+          <p:cNvCxnSpPr>
+            <a:stCxn id="21" idx="3"/>
+          </p:cNvCxnSpPr>
+          <p:nvPr/>
+        </p:nvCxnSpPr>
+        <p:spPr>
+          <a:xfrm flipV="1">
+            <a:off x="1917485" y="2004678"/>
+            <a:ext cx="1338325" cy="743666"/>
+          </a:xfrm>
+          <a:prstGeom prst="bentConnector3">
+            <a:avLst>
+              <a:gd name="adj1" fmla="val 100673"/>
+            </a:avLst>
+          </a:prstGeom>
+        </p:spPr>
+        <p:style>
+          <a:lnRef idx="1">
+            <a:schemeClr val="accent1"/>
+          </a:lnRef>
+          <a:fillRef idx="0">
+            <a:schemeClr val="accent1"/>
+          </a:fillRef>
+          <a:effectRef idx="0">
+            <a:schemeClr val="accent1"/>
+          </a:effectRef>
+          <a:fontRef idx="minor">
+            <a:schemeClr val="tx1"/>
+          </a:fontRef>
+        </p:style>
+      </p:cxnSp>
+      <p:cxnSp>
+        <p:nvCxnSpPr>
+          <p:cNvPr id="111" name="꺾인 연결선 110"/>
+          <p:cNvCxnSpPr>
+            <a:stCxn id="30" idx="3"/>
+            <a:endCxn id="41" idx="2"/>
+          </p:cNvCxnSpPr>
+          <p:nvPr/>
+        </p:nvCxnSpPr>
+        <p:spPr>
+          <a:xfrm flipV="1">
+            <a:off x="1917485" y="4334108"/>
+            <a:ext cx="1345360" cy="205860"/>
+          </a:xfrm>
+          <a:prstGeom prst="bentConnector2">
+            <a:avLst/>
+          </a:prstGeom>
+          <a:ln>
+            <a:tailEnd type="triangle"/>
+          </a:ln>
+        </p:spPr>
+        <p:style>
+          <a:lnRef idx="1">
+            <a:schemeClr val="accent1"/>
+          </a:lnRef>
+          <a:fillRef idx="0">
+            <a:schemeClr val="accent1"/>
+          </a:fillRef>
+          <a:effectRef idx="0">
+            <a:schemeClr val="accent1"/>
+          </a:effectRef>
+          <a:fontRef idx="minor">
+            <a:schemeClr val="tx1"/>
+          </a:fontRef>
+        </p:style>
+      </p:cxnSp>
+      <p:cxnSp>
+        <p:nvCxnSpPr>
+          <p:cNvPr id="113" name="꺾인 연결선 112"/>
+          <p:cNvCxnSpPr>
+            <a:stCxn id="35" idx="3"/>
+          </p:cNvCxnSpPr>
+          <p:nvPr/>
+        </p:nvCxnSpPr>
+        <p:spPr>
+          <a:xfrm flipV="1">
+            <a:off x="1917485" y="4539967"/>
+            <a:ext cx="1338325" cy="742157"/>
+          </a:xfrm>
+          <a:prstGeom prst="bentConnector3">
+            <a:avLst>
+              <a:gd name="adj1" fmla="val 100332"/>
+            </a:avLst>
+          </a:prstGeom>
+        </p:spPr>
+        <p:style>
+          <a:lnRef idx="1">
+            <a:schemeClr val="accent1"/>
+          </a:lnRef>
+          <a:fillRef idx="0">
+            <a:schemeClr val="accent1"/>
+          </a:fillRef>
+          <a:effectRef idx="0">
+            <a:schemeClr val="accent1"/>
+          </a:effectRef>
+          <a:fontRef idx="minor">
+            <a:schemeClr val="tx1"/>
+          </a:fontRef>
+        </p:style>
+      </p:cxnSp>
+      <p:cxnSp>
+        <p:nvCxnSpPr>
+          <p:cNvPr id="117" name="꺾인 연결선 116"/>
+          <p:cNvCxnSpPr>
+            <a:stCxn id="36" idx="3"/>
+          </p:cNvCxnSpPr>
+          <p:nvPr/>
+        </p:nvCxnSpPr>
+        <p:spPr>
+          <a:xfrm flipV="1">
+            <a:off x="1917485" y="5282123"/>
+            <a:ext cx="1338325" cy="742157"/>
+          </a:xfrm>
+          <a:prstGeom prst="bentConnector3">
+            <a:avLst>
+              <a:gd name="adj1" fmla="val 100332"/>
+            </a:avLst>
+          </a:prstGeom>
+        </p:spPr>
+        <p:style>
+          <a:lnRef idx="1">
+            <a:schemeClr val="accent1"/>
+          </a:lnRef>
+          <a:fillRef idx="0">
+            <a:schemeClr val="accent1"/>
+          </a:fillRef>
+          <a:effectRef idx="0">
+            <a:schemeClr val="accent1"/>
+          </a:effectRef>
+          <a:fontRef idx="minor">
+            <a:schemeClr val="tx1"/>
+          </a:fontRef>
+        </p:style>
+      </p:cxnSp>
+      <p:cxnSp>
+        <p:nvCxnSpPr>
+          <p:cNvPr id="120" name="꺾인 연결선 119"/>
+          <p:cNvCxnSpPr>
+            <a:stCxn id="37" idx="3"/>
+          </p:cNvCxnSpPr>
+          <p:nvPr/>
+        </p:nvCxnSpPr>
+        <p:spPr>
+          <a:xfrm flipV="1">
+            <a:off x="1917485" y="6024279"/>
+            <a:ext cx="1338325" cy="742157"/>
+          </a:xfrm>
+          <a:prstGeom prst="bentConnector3">
+            <a:avLst>
+              <a:gd name="adj1" fmla="val 100332"/>
+            </a:avLst>
+          </a:prstGeom>
+        </p:spPr>
+        <p:style>
+          <a:lnRef idx="1">
+            <a:schemeClr val="accent1"/>
+          </a:lnRef>
+          <a:fillRef idx="0">
+            <a:schemeClr val="accent1"/>
+          </a:fillRef>
+          <a:effectRef idx="0">
+            <a:schemeClr val="accent1"/>
+          </a:effectRef>
+          <a:fontRef idx="minor">
+            <a:schemeClr val="tx1"/>
+          </a:fontRef>
+        </p:style>
+      </p:cxnSp>
+      <p:cxnSp>
+        <p:nvCxnSpPr>
+          <p:cNvPr id="123" name="꺾인 연결선 122"/>
+          <p:cNvCxnSpPr>
+            <a:stCxn id="38" idx="3"/>
+          </p:cNvCxnSpPr>
+          <p:nvPr/>
+        </p:nvCxnSpPr>
+        <p:spPr>
+          <a:xfrm flipV="1">
+            <a:off x="1917485" y="6766435"/>
+            <a:ext cx="1338325" cy="742157"/>
+          </a:xfrm>
+          <a:prstGeom prst="bentConnector3">
+            <a:avLst>
+              <a:gd name="adj1" fmla="val 100560"/>
+            </a:avLst>
+          </a:prstGeom>
+        </p:spPr>
+        <p:style>
+          <a:lnRef idx="1">
+            <a:schemeClr val="accent1"/>
+          </a:lnRef>
+          <a:fillRef idx="0">
+            <a:schemeClr val="accent1"/>
+          </a:fillRef>
+          <a:effectRef idx="0">
+            <a:schemeClr val="accent1"/>
+          </a:effectRef>
+          <a:fontRef idx="minor">
+            <a:schemeClr val="tx1"/>
+          </a:fontRef>
+        </p:style>
+      </p:cxnSp>
+      <p:cxnSp>
+        <p:nvCxnSpPr>
+          <p:cNvPr id="129" name="직선 화살표 연결선 128"/>
+          <p:cNvCxnSpPr>
+            <a:endCxn id="28" idx="3"/>
+          </p:cNvCxnSpPr>
+          <p:nvPr/>
+        </p:nvCxnSpPr>
+        <p:spPr>
+          <a:xfrm flipH="1">
+            <a:off x="1917485" y="4020960"/>
+            <a:ext cx="618325" cy="0"/>
+          </a:xfrm>
+          <a:prstGeom prst="straightConnector1">
+            <a:avLst/>
+          </a:prstGeom>
+          <a:ln>
+            <a:tailEnd type="triangle"/>
+          </a:ln>
+        </p:spPr>
+        <p:style>
+          <a:lnRef idx="1">
+            <a:schemeClr val="accent1"/>
+          </a:lnRef>
+          <a:fillRef idx="0">
+            <a:schemeClr val="accent1"/>
+          </a:fillRef>
+          <a:effectRef idx="0">
+            <a:schemeClr val="accent1"/>
+          </a:effectRef>
+          <a:fontRef idx="minor">
+            <a:schemeClr val="tx1"/>
+          </a:fontRef>
+        </p:style>
+      </p:cxnSp>
+      <p:cxnSp>
+        <p:nvCxnSpPr>
+          <p:cNvPr id="131" name="직선 화살표 연결선 130"/>
+          <p:cNvCxnSpPr>
+            <a:stCxn id="41" idx="0"/>
+            <a:endCxn id="45" idx="2"/>
+          </p:cNvCxnSpPr>
+          <p:nvPr/>
+        </p:nvCxnSpPr>
+        <p:spPr>
+          <a:xfrm flipV="1">
+            <a:off x="3262845" y="3530170"/>
+            <a:ext cx="0" cy="177641"/>
+          </a:xfrm>
+          <a:prstGeom prst="straightConnector1">
+            <a:avLst/>
+          </a:prstGeom>
+          <a:ln>
+            <a:tailEnd type="triangle"/>
+          </a:ln>
+        </p:spPr>
+        <p:style>
+          <a:lnRef idx="1">
+            <a:schemeClr val="accent1"/>
+          </a:lnRef>
+          <a:fillRef idx="0">
+            <a:schemeClr val="accent1"/>
+          </a:fillRef>
+          <a:effectRef idx="0">
+            <a:schemeClr val="accent1"/>
+          </a:effectRef>
+          <a:fontRef idx="minor">
+            <a:schemeClr val="tx1"/>
+          </a:fontRef>
+        </p:style>
+      </p:cxnSp>
+      <p:cxnSp>
+        <p:nvCxnSpPr>
+          <p:cNvPr id="135" name="직선 연결선 134"/>
+          <p:cNvCxnSpPr>
+            <a:stCxn id="45" idx="0"/>
+          </p:cNvCxnSpPr>
+          <p:nvPr/>
+        </p:nvCxnSpPr>
+        <p:spPr>
+          <a:xfrm flipV="1">
+            <a:off x="3262845" y="2675053"/>
+            <a:ext cx="0" cy="228820"/>
+          </a:xfrm>
+          <a:prstGeom prst="line">
+            <a:avLst/>
+          </a:prstGeom>
+        </p:spPr>
+        <p:style>
+          <a:lnRef idx="1">
+            <a:schemeClr val="accent1"/>
+          </a:lnRef>
+          <a:fillRef idx="0">
+            <a:schemeClr val="accent1"/>
+          </a:fillRef>
+          <a:effectRef idx="0">
+            <a:schemeClr val="accent1"/>
+          </a:effectRef>
+          <a:fontRef idx="minor">
+            <a:schemeClr val="tx1"/>
+          </a:fontRef>
+        </p:style>
+      </p:cxnSp>
+      <p:cxnSp>
+        <p:nvCxnSpPr>
+          <p:cNvPr id="137" name="꺾인 연결선 136"/>
+          <p:cNvCxnSpPr>
+            <a:stCxn id="45" idx="3"/>
+            <a:endCxn id="17" idx="1"/>
+          </p:cNvCxnSpPr>
+          <p:nvPr/>
+        </p:nvCxnSpPr>
+        <p:spPr>
+          <a:xfrm flipV="1">
+            <a:off x="3982845" y="501099"/>
+            <a:ext cx="629348" cy="2715923"/>
+          </a:xfrm>
+          <a:prstGeom prst="bentConnector3">
+            <a:avLst>
+              <a:gd name="adj1" fmla="val 50000"/>
+            </a:avLst>
+          </a:prstGeom>
+          <a:ln>
+            <a:tailEnd type="triangle"/>
+          </a:ln>
+        </p:spPr>
+        <p:style>
+          <a:lnRef idx="1">
+            <a:schemeClr val="accent1"/>
+          </a:lnRef>
+          <a:fillRef idx="0">
+            <a:schemeClr val="accent1"/>
+          </a:fillRef>
+          <a:effectRef idx="0">
+            <a:schemeClr val="accent1"/>
+          </a:effectRef>
+          <a:fontRef idx="minor">
+            <a:schemeClr val="tx1"/>
+          </a:fontRef>
+        </p:style>
+      </p:cxnSp>
+      <p:cxnSp>
+        <p:nvCxnSpPr>
+          <p:cNvPr id="143" name="꺾인 연결선 142"/>
+          <p:cNvCxnSpPr/>
+          <p:nvPr/>
+        </p:nvCxnSpPr>
+        <p:spPr>
+          <a:xfrm flipV="1">
+            <a:off x="1924519" y="7508591"/>
+            <a:ext cx="1338325" cy="1038017"/>
+          </a:xfrm>
+          <a:prstGeom prst="bentConnector3">
+            <a:avLst>
+              <a:gd name="adj1" fmla="val 100332"/>
+            </a:avLst>
+          </a:prstGeom>
+        </p:spPr>
+        <p:style>
+          <a:lnRef idx="1">
+            <a:schemeClr val="accent1"/>
+          </a:lnRef>
+          <a:fillRef idx="0">
+            <a:schemeClr val="accent1"/>
+          </a:fillRef>
+          <a:effectRef idx="0">
+            <a:schemeClr val="accent1"/>
+          </a:effectRef>
+          <a:fontRef idx="minor">
+            <a:schemeClr val="tx1"/>
+          </a:fontRef>
+        </p:style>
+      </p:cxnSp>
+      <p:cxnSp>
+        <p:nvCxnSpPr>
+          <p:cNvPr id="150" name="꺾인 연결선 149"/>
+          <p:cNvCxnSpPr>
+            <a:stCxn id="44" idx="2"/>
+            <a:endCxn id="31" idx="1"/>
+          </p:cNvCxnSpPr>
+          <p:nvPr/>
+        </p:nvCxnSpPr>
+        <p:spPr>
+          <a:xfrm rot="5400000" flipH="1" flipV="1">
+            <a:off x="1770497" y="6018060"/>
+            <a:ext cx="2268684" cy="3414708"/>
+          </a:xfrm>
+          <a:prstGeom prst="bentConnector4">
+            <a:avLst>
+              <a:gd name="adj1" fmla="val -6356"/>
+              <a:gd name="adj2" fmla="val 82584"/>
+            </a:avLst>
+          </a:prstGeom>
+          <a:ln>
+            <a:tailEnd type="triangle"/>
+          </a:ln>
+        </p:spPr>
+        <p:style>
+          <a:lnRef idx="1">
+            <a:schemeClr val="accent1"/>
+          </a:lnRef>
+          <a:fillRef idx="0">
+            <a:schemeClr val="accent1"/>
+          </a:fillRef>
+          <a:effectRef idx="0">
+            <a:schemeClr val="accent1"/>
+          </a:effectRef>
+          <a:fontRef idx="minor">
+            <a:schemeClr val="tx1"/>
+          </a:fontRef>
+        </p:style>
+      </p:cxnSp>
+      <p:cxnSp>
+        <p:nvCxnSpPr>
+          <p:cNvPr id="159" name="직선 화살표 연결선 158"/>
+          <p:cNvCxnSpPr>
+            <a:stCxn id="17" idx="2"/>
+            <a:endCxn id="14" idx="0"/>
+          </p:cNvCxnSpPr>
+          <p:nvPr/>
+        </p:nvCxnSpPr>
+        <p:spPr>
+          <a:xfrm>
+            <a:off x="5332193" y="672044"/>
+            <a:ext cx="0" cy="190138"/>
+          </a:xfrm>
+          <a:prstGeom prst="straightConnector1">
+            <a:avLst/>
+          </a:prstGeom>
+          <a:ln>
+            <a:tailEnd type="triangle"/>
+          </a:ln>
+        </p:spPr>
+        <p:style>
+          <a:lnRef idx="1">
+            <a:schemeClr val="accent1"/>
+          </a:lnRef>
+          <a:fillRef idx="0">
+            <a:schemeClr val="accent1"/>
+          </a:fillRef>
+          <a:effectRef idx="0">
+            <a:schemeClr val="accent1"/>
+          </a:effectRef>
+          <a:fontRef idx="minor">
+            <a:schemeClr val="tx1"/>
+          </a:fontRef>
+        </p:style>
+      </p:cxnSp>
+      <p:cxnSp>
+        <p:nvCxnSpPr>
+          <p:cNvPr id="161" name="직선 화살표 연결선 160"/>
+          <p:cNvCxnSpPr>
+            <a:stCxn id="14" idx="2"/>
+            <a:endCxn id="15" idx="0"/>
+          </p:cNvCxnSpPr>
+          <p:nvPr/>
+        </p:nvCxnSpPr>
+        <p:spPr>
+          <a:xfrm>
+            <a:off x="5332193" y="1042182"/>
+            <a:ext cx="0" cy="190138"/>
+          </a:xfrm>
+          <a:prstGeom prst="straightConnector1">
+            <a:avLst/>
+          </a:prstGeom>
+          <a:ln>
+            <a:tailEnd type="triangle"/>
+          </a:ln>
+        </p:spPr>
+        <p:style>
+          <a:lnRef idx="1">
+            <a:schemeClr val="accent1"/>
+          </a:lnRef>
+          <a:fillRef idx="0">
+            <a:schemeClr val="accent1"/>
+          </a:fillRef>
+          <a:effectRef idx="0">
+            <a:schemeClr val="accent1"/>
+          </a:effectRef>
+          <a:fontRef idx="minor">
+            <a:schemeClr val="tx1"/>
+          </a:fontRef>
+        </p:style>
+      </p:cxnSp>
+      <p:cxnSp>
+        <p:nvCxnSpPr>
+          <p:cNvPr id="163" name="직선 화살표 연결선 162"/>
+          <p:cNvCxnSpPr>
+            <a:stCxn id="15" idx="2"/>
+            <a:endCxn id="22" idx="0"/>
+          </p:cNvCxnSpPr>
+          <p:nvPr/>
+        </p:nvCxnSpPr>
+        <p:spPr>
+          <a:xfrm>
+            <a:off x="5332193" y="1858617"/>
+            <a:ext cx="0" cy="190139"/>
+          </a:xfrm>
+          <a:prstGeom prst="straightConnector1">
+            <a:avLst/>
+          </a:prstGeom>
+          <a:ln>
+            <a:tailEnd type="triangle"/>
+          </a:ln>
+        </p:spPr>
+        <p:style>
+          <a:lnRef idx="1">
+            <a:schemeClr val="accent1"/>
+          </a:lnRef>
+          <a:fillRef idx="0">
+            <a:schemeClr val="accent1"/>
+          </a:fillRef>
+          <a:effectRef idx="0">
+            <a:schemeClr val="accent1"/>
+          </a:effectRef>
+          <a:fontRef idx="minor">
+            <a:schemeClr val="tx1"/>
+          </a:fontRef>
+        </p:style>
+      </p:cxnSp>
+      <p:cxnSp>
+        <p:nvCxnSpPr>
+          <p:cNvPr id="165" name="직선 화살표 연결선 164"/>
+          <p:cNvCxnSpPr>
+            <a:stCxn id="22" idx="2"/>
+            <a:endCxn id="23" idx="0"/>
+          </p:cNvCxnSpPr>
+          <p:nvPr/>
+        </p:nvCxnSpPr>
+        <p:spPr>
+          <a:xfrm>
+            <a:off x="5332193" y="2675053"/>
+            <a:ext cx="0" cy="190139"/>
+          </a:xfrm>
+          <a:prstGeom prst="straightConnector1">
+            <a:avLst/>
+          </a:prstGeom>
+          <a:ln>
+            <a:tailEnd type="triangle"/>
+          </a:ln>
+        </p:spPr>
+        <p:style>
+          <a:lnRef idx="1">
+            <a:schemeClr val="accent1"/>
+          </a:lnRef>
+          <a:fillRef idx="0">
+            <a:schemeClr val="accent1"/>
+          </a:fillRef>
+          <a:effectRef idx="0">
+            <a:schemeClr val="accent1"/>
+          </a:effectRef>
+          <a:fontRef idx="minor">
+            <a:schemeClr val="tx1"/>
+          </a:fontRef>
+        </p:style>
+      </p:cxnSp>
+      <p:cxnSp>
+        <p:nvCxnSpPr>
+          <p:cNvPr id="167" name="직선 화살표 연결선 166"/>
+          <p:cNvCxnSpPr>
+            <a:stCxn id="23" idx="2"/>
+            <a:endCxn id="24" idx="0"/>
+          </p:cNvCxnSpPr>
+          <p:nvPr/>
+        </p:nvCxnSpPr>
+        <p:spPr>
+          <a:xfrm>
+            <a:off x="5332193" y="3491489"/>
+            <a:ext cx="0" cy="190139"/>
+          </a:xfrm>
+          <a:prstGeom prst="straightConnector1">
+            <a:avLst/>
+          </a:prstGeom>
+          <a:ln>
+            <a:tailEnd type="triangle"/>
+          </a:ln>
+        </p:spPr>
+        <p:style>
+          <a:lnRef idx="1">
+            <a:schemeClr val="accent1"/>
+          </a:lnRef>
+          <a:fillRef idx="0">
+            <a:schemeClr val="accent1"/>
+          </a:fillRef>
+          <a:effectRef idx="0">
+            <a:schemeClr val="accent1"/>
+          </a:effectRef>
+          <a:fontRef idx="minor">
+            <a:schemeClr val="tx1"/>
+          </a:fontRef>
+        </p:style>
+      </p:cxnSp>
+      <p:cxnSp>
+        <p:nvCxnSpPr>
+          <p:cNvPr id="169" name="직선 화살표 연결선 168"/>
+          <p:cNvCxnSpPr>
+            <a:stCxn id="24" idx="2"/>
+            <a:endCxn id="25" idx="0"/>
+          </p:cNvCxnSpPr>
+          <p:nvPr/>
+        </p:nvCxnSpPr>
+        <p:spPr>
+          <a:xfrm>
+            <a:off x="5332193" y="4307925"/>
+            <a:ext cx="0" cy="190139"/>
+          </a:xfrm>
+          <a:prstGeom prst="straightConnector1">
+            <a:avLst/>
+          </a:prstGeom>
+          <a:ln>
+            <a:tailEnd type="triangle"/>
+          </a:ln>
+        </p:spPr>
+        <p:style>
+          <a:lnRef idx="1">
+            <a:schemeClr val="accent1"/>
+          </a:lnRef>
+          <a:fillRef idx="0">
+            <a:schemeClr val="accent1"/>
+          </a:fillRef>
+          <a:effectRef idx="0">
+            <a:schemeClr val="accent1"/>
+          </a:effectRef>
+          <a:fontRef idx="minor">
+            <a:schemeClr val="tx1"/>
+          </a:fontRef>
+        </p:style>
+      </p:cxnSp>
+      <p:cxnSp>
+        <p:nvCxnSpPr>
+          <p:cNvPr id="171" name="직선 화살표 연결선 170"/>
+          <p:cNvCxnSpPr>
+            <a:stCxn id="25" idx="2"/>
+            <a:endCxn id="29" idx="0"/>
+          </p:cNvCxnSpPr>
+          <p:nvPr/>
+        </p:nvCxnSpPr>
+        <p:spPr>
+          <a:xfrm>
+            <a:off x="5332193" y="5124361"/>
+            <a:ext cx="0" cy="190138"/>
+          </a:xfrm>
+          <a:prstGeom prst="straightConnector1">
+            <a:avLst/>
+          </a:prstGeom>
+          <a:ln>
+            <a:tailEnd type="triangle"/>
+          </a:ln>
+        </p:spPr>
+        <p:style>
+          <a:lnRef idx="1">
+            <a:schemeClr val="accent1"/>
+          </a:lnRef>
+          <a:fillRef idx="0">
+            <a:schemeClr val="accent1"/>
+          </a:fillRef>
+          <a:effectRef idx="0">
+            <a:schemeClr val="accent1"/>
+          </a:effectRef>
+          <a:fontRef idx="minor">
+            <a:schemeClr val="tx1"/>
+          </a:fontRef>
+        </p:style>
+      </p:cxnSp>
+      <p:cxnSp>
+        <p:nvCxnSpPr>
+          <p:cNvPr id="173" name="직선 화살표 연결선 172"/>
+          <p:cNvCxnSpPr>
+            <a:stCxn id="29" idx="2"/>
+            <a:endCxn id="27" idx="0"/>
+          </p:cNvCxnSpPr>
+          <p:nvPr/>
+        </p:nvCxnSpPr>
+        <p:spPr>
+          <a:xfrm>
+            <a:off x="5332193" y="5494499"/>
+            <a:ext cx="0" cy="190138"/>
+          </a:xfrm>
+          <a:prstGeom prst="straightConnector1">
+            <a:avLst/>
+          </a:prstGeom>
+          <a:ln>
+            <a:tailEnd type="triangle"/>
+          </a:ln>
+        </p:spPr>
+        <p:style>
+          <a:lnRef idx="1">
+            <a:schemeClr val="accent1"/>
+          </a:lnRef>
+          <a:fillRef idx="0">
+            <a:schemeClr val="accent1"/>
+          </a:fillRef>
+          <a:effectRef idx="0">
+            <a:schemeClr val="accent1"/>
+          </a:effectRef>
+          <a:fontRef idx="minor">
+            <a:schemeClr val="tx1"/>
+          </a:fontRef>
+        </p:style>
+      </p:cxnSp>
+      <p:cxnSp>
+        <p:nvCxnSpPr>
+          <p:cNvPr id="175" name="직선 화살표 연결선 174"/>
+          <p:cNvCxnSpPr>
+            <a:stCxn id="27" idx="2"/>
+            <a:endCxn id="31" idx="0"/>
+          </p:cNvCxnSpPr>
+          <p:nvPr/>
+        </p:nvCxnSpPr>
+        <p:spPr>
+          <a:xfrm>
+            <a:off x="5332193" y="6310934"/>
+            <a:ext cx="0" cy="190138"/>
+          </a:xfrm>
+          <a:prstGeom prst="straightConnector1">
+            <a:avLst/>
+          </a:prstGeom>
+          <a:ln>
+            <a:tailEnd type="triangle"/>
+          </a:ln>
+        </p:spPr>
+        <p:style>
+          <a:lnRef idx="1">
+            <a:schemeClr val="accent1"/>
+          </a:lnRef>
+          <a:fillRef idx="0">
+            <a:schemeClr val="accent1"/>
+          </a:fillRef>
+          <a:effectRef idx="0">
+            <a:schemeClr val="accent1"/>
+          </a:effectRef>
+          <a:fontRef idx="minor">
+            <a:schemeClr val="tx1"/>
+          </a:fontRef>
+        </p:style>
+      </p:cxnSp>
+      <p:cxnSp>
+        <p:nvCxnSpPr>
+          <p:cNvPr id="177" name="꺾인 연결선 176"/>
+          <p:cNvCxnSpPr>
+            <a:stCxn id="15" idx="3"/>
+            <a:endCxn id="14" idx="3"/>
+          </p:cNvCxnSpPr>
+          <p:nvPr/>
+        </p:nvCxnSpPr>
+        <p:spPr>
+          <a:xfrm flipV="1">
+            <a:off x="6052193" y="952182"/>
+            <a:ext cx="12700" cy="593287"/>
+          </a:xfrm>
+          <a:prstGeom prst="bentConnector3">
+            <a:avLst>
+              <a:gd name="adj1" fmla="val 3480000"/>
+            </a:avLst>
+          </a:prstGeom>
+          <a:ln>
+            <a:tailEnd type="triangle"/>
+          </a:ln>
+        </p:spPr>
+        <p:style>
+          <a:lnRef idx="1">
+            <a:schemeClr val="accent1"/>
+          </a:lnRef>
+          <a:fillRef idx="0">
+            <a:schemeClr val="accent1"/>
+          </a:fillRef>
+          <a:effectRef idx="0">
+            <a:schemeClr val="accent1"/>
+          </a:effectRef>
+          <a:fontRef idx="minor">
+            <a:schemeClr val="tx1"/>
+          </a:fontRef>
+        </p:style>
+      </p:cxnSp>
+      <p:cxnSp>
+        <p:nvCxnSpPr>
+          <p:cNvPr id="180" name="꺾인 연결선 179"/>
+          <p:cNvCxnSpPr>
+            <a:stCxn id="22" idx="3"/>
+          </p:cNvCxnSpPr>
+          <p:nvPr/>
+        </p:nvCxnSpPr>
+        <p:spPr>
+          <a:xfrm flipV="1">
+            <a:off x="6052193" y="1545468"/>
+            <a:ext cx="444732" cy="816437"/>
+          </a:xfrm>
+          <a:prstGeom prst="bentConnector2">
+            <a:avLst/>
+          </a:prstGeom>
+        </p:spPr>
+        <p:style>
+          <a:lnRef idx="1">
+            <a:schemeClr val="accent1"/>
+          </a:lnRef>
+          <a:fillRef idx="0">
+            <a:schemeClr val="accent1"/>
+          </a:fillRef>
+          <a:effectRef idx="0">
+            <a:schemeClr val="accent1"/>
+          </a:effectRef>
+          <a:fontRef idx="minor">
+            <a:schemeClr val="tx1"/>
+          </a:fontRef>
+        </p:style>
+      </p:cxnSp>
+      <p:cxnSp>
+        <p:nvCxnSpPr>
+          <p:cNvPr id="182" name="꺾인 연결선 181"/>
+          <p:cNvCxnSpPr>
+            <a:stCxn id="23" idx="3"/>
+          </p:cNvCxnSpPr>
+          <p:nvPr/>
+        </p:nvCxnSpPr>
+        <p:spPr>
+          <a:xfrm flipV="1">
+            <a:off x="6052193" y="2319336"/>
+            <a:ext cx="444732" cy="859005"/>
+          </a:xfrm>
+          <a:prstGeom prst="bentConnector2">
+            <a:avLst/>
+          </a:prstGeom>
+        </p:spPr>
+        <p:style>
+          <a:lnRef idx="1">
+            <a:schemeClr val="accent1"/>
+          </a:lnRef>
+          <a:fillRef idx="0">
+            <a:schemeClr val="accent1"/>
+          </a:fillRef>
+          <a:effectRef idx="0">
+            <a:schemeClr val="accent1"/>
+          </a:effectRef>
+          <a:fontRef idx="minor">
+            <a:schemeClr val="tx1"/>
+          </a:fontRef>
+        </p:style>
+      </p:cxnSp>
+      <p:cxnSp>
+        <p:nvCxnSpPr>
+          <p:cNvPr id="184" name="꺾인 연결선 183"/>
+          <p:cNvCxnSpPr>
+            <a:stCxn id="24" idx="3"/>
+          </p:cNvCxnSpPr>
+          <p:nvPr/>
+        </p:nvCxnSpPr>
+        <p:spPr>
+          <a:xfrm flipV="1">
+            <a:off x="6052193" y="3177351"/>
+            <a:ext cx="444732" cy="817426"/>
+          </a:xfrm>
+          <a:prstGeom prst="bentConnector2">
+            <a:avLst/>
+          </a:prstGeom>
+        </p:spPr>
+        <p:style>
+          <a:lnRef idx="1">
+            <a:schemeClr val="accent1"/>
+          </a:lnRef>
+          <a:fillRef idx="0">
+            <a:schemeClr val="accent1"/>
+          </a:fillRef>
+          <a:effectRef idx="0">
+            <a:schemeClr val="accent1"/>
+          </a:effectRef>
+          <a:fontRef idx="minor">
+            <a:schemeClr val="tx1"/>
+          </a:fontRef>
+        </p:style>
+      </p:cxnSp>
+      <p:cxnSp>
+        <p:nvCxnSpPr>
+          <p:cNvPr id="186" name="꺾인 연결선 185"/>
+          <p:cNvCxnSpPr>
+            <a:stCxn id="25" idx="3"/>
+          </p:cNvCxnSpPr>
+          <p:nvPr/>
+        </p:nvCxnSpPr>
+        <p:spPr>
+          <a:xfrm flipV="1">
+            <a:off x="6052193" y="3994776"/>
+            <a:ext cx="444732" cy="816437"/>
+          </a:xfrm>
+          <a:prstGeom prst="bentConnector2">
+            <a:avLst/>
+          </a:prstGeom>
+        </p:spPr>
+        <p:style>
+          <a:lnRef idx="1">
+            <a:schemeClr val="accent1"/>
+          </a:lnRef>
+          <a:fillRef idx="0">
+            <a:schemeClr val="accent1"/>
+          </a:fillRef>
+          <a:effectRef idx="0">
+            <a:schemeClr val="accent1"/>
+          </a:effectRef>
+          <a:fontRef idx="minor">
+            <a:schemeClr val="tx1"/>
+          </a:fontRef>
+        </p:style>
+      </p:cxnSp>
+      <p:cxnSp>
+        <p:nvCxnSpPr>
+          <p:cNvPr id="188" name="꺾인 연결선 187"/>
+          <p:cNvCxnSpPr>
+            <a:stCxn id="27" idx="3"/>
+          </p:cNvCxnSpPr>
+          <p:nvPr/>
+        </p:nvCxnSpPr>
+        <p:spPr>
+          <a:xfrm flipV="1">
+            <a:off x="6052193" y="4811212"/>
+            <a:ext cx="444732" cy="1186574"/>
+          </a:xfrm>
+          <a:prstGeom prst="bentConnector2">
+            <a:avLst/>
+          </a:prstGeom>
+        </p:spPr>
+        <p:style>
+          <a:lnRef idx="1">
+            <a:schemeClr val="accent1"/>
+          </a:lnRef>
+          <a:fillRef idx="0">
+            <a:schemeClr val="accent1"/>
+          </a:fillRef>
+          <a:effectRef idx="0">
+            <a:schemeClr val="accent1"/>
+          </a:effectRef>
+          <a:fontRef idx="minor">
+            <a:schemeClr val="tx1"/>
+          </a:fontRef>
+        </p:style>
+      </p:cxnSp>
+      <p:cxnSp>
+        <p:nvCxnSpPr>
+          <p:cNvPr id="190" name="직선 화살표 연결선 189"/>
+          <p:cNvCxnSpPr>
+            <a:stCxn id="31" idx="2"/>
+            <a:endCxn id="32" idx="0"/>
+          </p:cNvCxnSpPr>
+          <p:nvPr/>
+        </p:nvCxnSpPr>
+        <p:spPr>
+          <a:xfrm>
+            <a:off x="5332193" y="6681072"/>
+            <a:ext cx="0" cy="190138"/>
+          </a:xfrm>
+          <a:prstGeom prst="straightConnector1">
+            <a:avLst/>
+          </a:prstGeom>
+          <a:ln>
+            <a:tailEnd type="triangle"/>
+          </a:ln>
+        </p:spPr>
+        <p:style>
+          <a:lnRef idx="1">
+            <a:schemeClr val="accent1"/>
+          </a:lnRef>
+          <a:fillRef idx="0">
+            <a:schemeClr val="accent1"/>
+          </a:fillRef>
+          <a:effectRef idx="0">
+            <a:schemeClr val="accent1"/>
+          </a:effectRef>
+          <a:fontRef idx="minor">
+            <a:schemeClr val="tx1"/>
+          </a:fontRef>
+        </p:style>
+      </p:cxnSp>
+      <p:cxnSp>
+        <p:nvCxnSpPr>
+          <p:cNvPr id="192" name="직선 화살표 연결선 191"/>
+          <p:cNvCxnSpPr>
+            <a:stCxn id="32" idx="2"/>
+            <a:endCxn id="46" idx="0"/>
+          </p:cNvCxnSpPr>
+          <p:nvPr/>
+        </p:nvCxnSpPr>
+        <p:spPr>
+          <a:xfrm>
+            <a:off x="5332193" y="7497507"/>
+            <a:ext cx="0" cy="190138"/>
+          </a:xfrm>
+          <a:prstGeom prst="straightConnector1">
+            <a:avLst/>
+          </a:prstGeom>
+          <a:ln>
+            <a:tailEnd type="triangle"/>
+          </a:ln>
+        </p:spPr>
+        <p:style>
+          <a:lnRef idx="1">
+            <a:schemeClr val="accent1"/>
+          </a:lnRef>
+          <a:fillRef idx="0">
+            <a:schemeClr val="accent1"/>
+          </a:fillRef>
+          <a:effectRef idx="0">
+            <a:schemeClr val="accent1"/>
+          </a:effectRef>
+          <a:fontRef idx="minor">
+            <a:schemeClr val="tx1"/>
+          </a:fontRef>
+        </p:style>
+      </p:cxnSp>
+      <p:cxnSp>
+        <p:nvCxnSpPr>
+          <p:cNvPr id="196" name="직선 화살표 연결선 195"/>
+          <p:cNvCxnSpPr>
+            <a:stCxn id="46" idx="4"/>
+            <a:endCxn id="33" idx="0"/>
+          </p:cNvCxnSpPr>
+          <p:nvPr/>
+        </p:nvCxnSpPr>
+        <p:spPr>
+          <a:xfrm>
+            <a:off x="5332193" y="8436202"/>
+            <a:ext cx="0" cy="190140"/>
+          </a:xfrm>
+          <a:prstGeom prst="straightConnector1">
+            <a:avLst/>
+          </a:prstGeom>
+          <a:ln>
+            <a:tailEnd type="triangle"/>
+          </a:ln>
+        </p:spPr>
+        <p:style>
+          <a:lnRef idx="1">
+            <a:schemeClr val="accent1"/>
+          </a:lnRef>
+          <a:fillRef idx="0">
+            <a:schemeClr val="accent1"/>
+          </a:fillRef>
+          <a:effectRef idx="0">
+            <a:schemeClr val="accent1"/>
+          </a:effectRef>
+          <a:fontRef idx="minor">
+            <a:schemeClr val="tx1"/>
+          </a:fontRef>
+        </p:style>
+      </p:cxnSp>
+      <p:cxnSp>
+        <p:nvCxnSpPr>
+          <p:cNvPr id="198" name="꺾인 연결선 197"/>
+          <p:cNvCxnSpPr>
+            <a:stCxn id="32" idx="3"/>
+          </p:cNvCxnSpPr>
+          <p:nvPr/>
+        </p:nvCxnSpPr>
+        <p:spPr>
+          <a:xfrm flipV="1">
+            <a:off x="6052193" y="140013"/>
+            <a:ext cx="618325" cy="7044346"/>
+          </a:xfrm>
+          <a:prstGeom prst="bentConnector2">
+            <a:avLst/>
+          </a:prstGeom>
+        </p:spPr>
+        <p:style>
+          <a:lnRef idx="1">
+            <a:schemeClr val="accent1"/>
+          </a:lnRef>
+          <a:fillRef idx="0">
+            <a:schemeClr val="accent1"/>
+          </a:fillRef>
+          <a:effectRef idx="0">
+            <a:schemeClr val="accent1"/>
+          </a:effectRef>
+          <a:fontRef idx="minor">
+            <a:schemeClr val="tx1"/>
+          </a:fontRef>
+        </p:style>
+      </p:cxnSp>
+      <p:cxnSp>
+        <p:nvCxnSpPr>
+          <p:cNvPr id="205" name="꺾인 연결선 204"/>
+          <p:cNvCxnSpPr/>
+          <p:nvPr/>
+        </p:nvCxnSpPr>
+        <p:spPr>
+          <a:xfrm rot="10800000" flipV="1">
+            <a:off x="3262844" y="135746"/>
+            <a:ext cx="3407674" cy="1324179"/>
+          </a:xfrm>
+          <a:prstGeom prst="bentConnector3">
+            <a:avLst>
+              <a:gd name="adj1" fmla="val 73703"/>
+            </a:avLst>
+          </a:prstGeom>
+        </p:spPr>
+        <p:style>
+          <a:lnRef idx="1">
+            <a:schemeClr val="accent1"/>
+          </a:lnRef>
+          <a:fillRef idx="0">
+            <a:schemeClr val="accent1"/>
+          </a:fillRef>
+          <a:effectRef idx="0">
+            <a:schemeClr val="accent1"/>
+          </a:effectRef>
+          <a:fontRef idx="minor">
+            <a:schemeClr val="tx1"/>
+          </a:fontRef>
+        </p:style>
+      </p:cxnSp>
+      <p:sp>
+        <p:nvSpPr>
+          <p:cNvPr id="219" name="TextBox 218"/>
           <p:cNvSpPr txBox="1"/>
           <p:nvPr/>
         </p:nvSpPr>
         <p:spPr>
           <a:xfrm>
-            <a:off x="2517639" y="153780"/>
-            <a:ext cx="3485249" cy="861774"/>
+            <a:off x="1192972" y="1520705"/>
+            <a:ext cx="360996" cy="246221"/>
           </a:xfrm>
           <a:prstGeom prst="rect">
             <a:avLst/>
@@ -3061,19 +8019,1170 @@
           <a:p>
             <a:r>
               <a:rPr lang="en-US" altLang="ko-KR" sz="1000" dirty="0" smtClean="0"/>
-              <a:t>1. </a:t>
-            </a:r>
-            <a:r>
-              <a:rPr lang="ko-KR" altLang="en-US" sz="1000" dirty="0" smtClean="0"/>
-              <a:t>공용 </a:t>
-            </a:r>
+              <a:t>Yes</a:t>
+            </a:r>
+            <a:endParaRPr lang="ko-KR" altLang="en-US" sz="1000" dirty="0"/>
+          </a:p>
+        </p:txBody>
+      </p:sp>
+      <p:sp>
+        <p:nvSpPr>
+          <p:cNvPr id="220" name="TextBox 219"/>
+          <p:cNvSpPr txBox="1"/>
+          <p:nvPr/>
+        </p:nvSpPr>
+        <p:spPr>
+          <a:xfrm>
+            <a:off x="1202174" y="2257322"/>
+            <a:ext cx="360996" cy="246221"/>
+          </a:xfrm>
+          <a:prstGeom prst="rect">
+            <a:avLst/>
+          </a:prstGeom>
+          <a:noFill/>
+        </p:spPr>
+        <p:txBody>
+          <a:bodyPr wrap="none" rtlCol="0">
+            <a:spAutoFit/>
+          </a:bodyPr>
+          <a:lstStyle/>
+          <a:p>
             <a:r>
               <a:rPr lang="en-US" altLang="ko-KR" sz="1000" dirty="0" smtClean="0"/>
-              <a:t>com. </a:t>
-            </a:r>
-            <a:r>
-              <a:rPr lang="ko-KR" altLang="en-US" sz="1000" dirty="0" smtClean="0"/>
-              <a:t>내 공유 폴더 설정</a:t>
+              <a:t>Yes</a:t>
+            </a:r>
+            <a:endParaRPr lang="ko-KR" altLang="en-US" sz="1000" dirty="0"/>
+          </a:p>
+        </p:txBody>
+      </p:sp>
+      <p:sp>
+        <p:nvSpPr>
+          <p:cNvPr id="221" name="TextBox 220"/>
+          <p:cNvSpPr txBox="1"/>
+          <p:nvPr/>
+        </p:nvSpPr>
+        <p:spPr>
+          <a:xfrm>
+            <a:off x="1205886" y="2993939"/>
+            <a:ext cx="360996" cy="246221"/>
+          </a:xfrm>
+          <a:prstGeom prst="rect">
+            <a:avLst/>
+          </a:prstGeom>
+          <a:noFill/>
+        </p:spPr>
+        <p:txBody>
+          <a:bodyPr wrap="none" rtlCol="0">
+            <a:spAutoFit/>
+          </a:bodyPr>
+          <a:lstStyle/>
+          <a:p>
+            <a:r>
+              <a:rPr lang="en-US" altLang="ko-KR" sz="1000" dirty="0" smtClean="0"/>
+              <a:t>Yes</a:t>
+            </a:r>
+            <a:endParaRPr lang="ko-KR" altLang="en-US" sz="1000" dirty="0"/>
+          </a:p>
+        </p:txBody>
+      </p:sp>
+      <p:sp>
+        <p:nvSpPr>
+          <p:cNvPr id="222" name="TextBox 221"/>
+          <p:cNvSpPr txBox="1"/>
+          <p:nvPr/>
+        </p:nvSpPr>
+        <p:spPr>
+          <a:xfrm>
+            <a:off x="1206123" y="4786690"/>
+            <a:ext cx="360996" cy="246221"/>
+          </a:xfrm>
+          <a:prstGeom prst="rect">
+            <a:avLst/>
+          </a:prstGeom>
+          <a:noFill/>
+        </p:spPr>
+        <p:txBody>
+          <a:bodyPr wrap="none" rtlCol="0">
+            <a:spAutoFit/>
+          </a:bodyPr>
+          <a:lstStyle/>
+          <a:p>
+            <a:r>
+              <a:rPr lang="en-US" altLang="ko-KR" sz="1000" dirty="0" smtClean="0"/>
+              <a:t>Yes</a:t>
+            </a:r>
+            <a:endParaRPr lang="ko-KR" altLang="en-US" sz="1000" dirty="0"/>
+          </a:p>
+        </p:txBody>
+      </p:sp>
+      <p:sp>
+        <p:nvSpPr>
+          <p:cNvPr id="223" name="TextBox 222"/>
+          <p:cNvSpPr txBox="1"/>
+          <p:nvPr/>
+        </p:nvSpPr>
+        <p:spPr>
+          <a:xfrm>
+            <a:off x="1192972" y="5530090"/>
+            <a:ext cx="360996" cy="246221"/>
+          </a:xfrm>
+          <a:prstGeom prst="rect">
+            <a:avLst/>
+          </a:prstGeom>
+          <a:noFill/>
+        </p:spPr>
+        <p:txBody>
+          <a:bodyPr wrap="none" rtlCol="0">
+            <a:spAutoFit/>
+          </a:bodyPr>
+          <a:lstStyle/>
+          <a:p>
+            <a:r>
+              <a:rPr lang="en-US" altLang="ko-KR" sz="1000" dirty="0" smtClean="0"/>
+              <a:t>Yes</a:t>
+            </a:r>
+            <a:endParaRPr lang="ko-KR" altLang="en-US" sz="1000" dirty="0"/>
+          </a:p>
+        </p:txBody>
+      </p:sp>
+      <p:sp>
+        <p:nvSpPr>
+          <p:cNvPr id="224" name="TextBox 223"/>
+          <p:cNvSpPr txBox="1"/>
+          <p:nvPr/>
+        </p:nvSpPr>
+        <p:spPr>
+          <a:xfrm>
+            <a:off x="1162492" y="6272247"/>
+            <a:ext cx="360996" cy="246221"/>
+          </a:xfrm>
+          <a:prstGeom prst="rect">
+            <a:avLst/>
+          </a:prstGeom>
+          <a:noFill/>
+        </p:spPr>
+        <p:txBody>
+          <a:bodyPr wrap="none" rtlCol="0">
+            <a:spAutoFit/>
+          </a:bodyPr>
+          <a:lstStyle/>
+          <a:p>
+            <a:r>
+              <a:rPr lang="en-US" altLang="ko-KR" sz="1000" dirty="0" smtClean="0"/>
+              <a:t>Yes</a:t>
+            </a:r>
+            <a:endParaRPr lang="ko-KR" altLang="en-US" sz="1000" dirty="0"/>
+          </a:p>
+        </p:txBody>
+      </p:sp>
+      <p:sp>
+        <p:nvSpPr>
+          <p:cNvPr id="225" name="TextBox 224"/>
+          <p:cNvSpPr txBox="1"/>
+          <p:nvPr/>
+        </p:nvSpPr>
+        <p:spPr>
+          <a:xfrm>
+            <a:off x="1184255" y="7019981"/>
+            <a:ext cx="360996" cy="246221"/>
+          </a:xfrm>
+          <a:prstGeom prst="rect">
+            <a:avLst/>
+          </a:prstGeom>
+          <a:noFill/>
+        </p:spPr>
+        <p:txBody>
+          <a:bodyPr wrap="none" rtlCol="0">
+            <a:spAutoFit/>
+          </a:bodyPr>
+          <a:lstStyle/>
+          <a:p>
+            <a:r>
+              <a:rPr lang="en-US" altLang="ko-KR" sz="1000" dirty="0" smtClean="0"/>
+              <a:t>Yes</a:t>
+            </a:r>
+            <a:endParaRPr lang="ko-KR" altLang="en-US" sz="1000" dirty="0"/>
+          </a:p>
+        </p:txBody>
+      </p:sp>
+      <p:sp>
+        <p:nvSpPr>
+          <p:cNvPr id="226" name="TextBox 225"/>
+          <p:cNvSpPr txBox="1"/>
+          <p:nvPr/>
+        </p:nvSpPr>
+        <p:spPr>
+          <a:xfrm>
+            <a:off x="841178" y="8768193"/>
+            <a:ext cx="360996" cy="246221"/>
+          </a:xfrm>
+          <a:prstGeom prst="rect">
+            <a:avLst/>
+          </a:prstGeom>
+          <a:noFill/>
+        </p:spPr>
+        <p:txBody>
+          <a:bodyPr wrap="none" rtlCol="0">
+            <a:spAutoFit/>
+          </a:bodyPr>
+          <a:lstStyle/>
+          <a:p>
+            <a:r>
+              <a:rPr lang="en-US" altLang="ko-KR" sz="1000" dirty="0" smtClean="0"/>
+              <a:t>Yes</a:t>
+            </a:r>
+            <a:endParaRPr lang="ko-KR" altLang="en-US" sz="1000" dirty="0"/>
+          </a:p>
+        </p:txBody>
+      </p:sp>
+      <p:sp>
+        <p:nvSpPr>
+          <p:cNvPr id="227" name="TextBox 226"/>
+          <p:cNvSpPr txBox="1"/>
+          <p:nvPr/>
+        </p:nvSpPr>
+        <p:spPr>
+          <a:xfrm>
+            <a:off x="6025089" y="6971601"/>
+            <a:ext cx="360996" cy="246221"/>
+          </a:xfrm>
+          <a:prstGeom prst="rect">
+            <a:avLst/>
+          </a:prstGeom>
+          <a:noFill/>
+        </p:spPr>
+        <p:txBody>
+          <a:bodyPr wrap="none" rtlCol="0">
+            <a:spAutoFit/>
+          </a:bodyPr>
+          <a:lstStyle/>
+          <a:p>
+            <a:r>
+              <a:rPr lang="en-US" altLang="ko-KR" sz="1000" dirty="0" smtClean="0"/>
+              <a:t>Yes</a:t>
+            </a:r>
+            <a:endParaRPr lang="ko-KR" altLang="en-US" sz="1000" dirty="0"/>
+          </a:p>
+        </p:txBody>
+      </p:sp>
+      <p:sp>
+        <p:nvSpPr>
+          <p:cNvPr id="228" name="TextBox 227"/>
+          <p:cNvSpPr txBox="1"/>
+          <p:nvPr/>
+        </p:nvSpPr>
+        <p:spPr>
+          <a:xfrm>
+            <a:off x="5331198" y="6268143"/>
+            <a:ext cx="360996" cy="246221"/>
+          </a:xfrm>
+          <a:prstGeom prst="rect">
+            <a:avLst/>
+          </a:prstGeom>
+          <a:noFill/>
+        </p:spPr>
+        <p:txBody>
+          <a:bodyPr wrap="none" rtlCol="0">
+            <a:spAutoFit/>
+          </a:bodyPr>
+          <a:lstStyle/>
+          <a:p>
+            <a:r>
+              <a:rPr lang="en-US" altLang="ko-KR" sz="1000" dirty="0" smtClean="0"/>
+              <a:t>Yes</a:t>
+            </a:r>
+            <a:endParaRPr lang="ko-KR" altLang="en-US" sz="1000" dirty="0"/>
+          </a:p>
+        </p:txBody>
+      </p:sp>
+      <p:sp>
+        <p:nvSpPr>
+          <p:cNvPr id="229" name="TextBox 228"/>
+          <p:cNvSpPr txBox="1"/>
+          <p:nvPr/>
+        </p:nvSpPr>
+        <p:spPr>
+          <a:xfrm>
+            <a:off x="5330700" y="5504537"/>
+            <a:ext cx="360996" cy="246221"/>
+          </a:xfrm>
+          <a:prstGeom prst="rect">
+            <a:avLst/>
+          </a:prstGeom>
+          <a:noFill/>
+        </p:spPr>
+        <p:txBody>
+          <a:bodyPr wrap="none" rtlCol="0">
+            <a:spAutoFit/>
+          </a:bodyPr>
+          <a:lstStyle/>
+          <a:p>
+            <a:r>
+              <a:rPr lang="en-US" altLang="ko-KR" sz="1000" dirty="0" smtClean="0"/>
+              <a:t>Yes</a:t>
+            </a:r>
+            <a:endParaRPr lang="ko-KR" altLang="en-US" sz="1000" dirty="0"/>
+          </a:p>
+        </p:txBody>
+      </p:sp>
+      <p:sp>
+        <p:nvSpPr>
+          <p:cNvPr id="230" name="TextBox 229"/>
+          <p:cNvSpPr txBox="1"/>
+          <p:nvPr/>
+        </p:nvSpPr>
+        <p:spPr>
+          <a:xfrm>
+            <a:off x="5336751" y="5065611"/>
+            <a:ext cx="360996" cy="246221"/>
+          </a:xfrm>
+          <a:prstGeom prst="rect">
+            <a:avLst/>
+          </a:prstGeom>
+          <a:noFill/>
+        </p:spPr>
+        <p:txBody>
+          <a:bodyPr wrap="none" rtlCol="0">
+            <a:spAutoFit/>
+          </a:bodyPr>
+          <a:lstStyle/>
+          <a:p>
+            <a:r>
+              <a:rPr lang="en-US" altLang="ko-KR" sz="1000" dirty="0" smtClean="0"/>
+              <a:t>Yes</a:t>
+            </a:r>
+            <a:endParaRPr lang="ko-KR" altLang="en-US" sz="1000" dirty="0"/>
+          </a:p>
+        </p:txBody>
+      </p:sp>
+      <p:sp>
+        <p:nvSpPr>
+          <p:cNvPr id="231" name="TextBox 230"/>
+          <p:cNvSpPr txBox="1"/>
+          <p:nvPr/>
+        </p:nvSpPr>
+        <p:spPr>
+          <a:xfrm>
+            <a:off x="5333476" y="4279883"/>
+            <a:ext cx="360996" cy="246221"/>
+          </a:xfrm>
+          <a:prstGeom prst="rect">
+            <a:avLst/>
+          </a:prstGeom>
+          <a:noFill/>
+        </p:spPr>
+        <p:txBody>
+          <a:bodyPr wrap="none" rtlCol="0">
+            <a:spAutoFit/>
+          </a:bodyPr>
+          <a:lstStyle/>
+          <a:p>
+            <a:r>
+              <a:rPr lang="en-US" altLang="ko-KR" sz="1000" dirty="0" smtClean="0"/>
+              <a:t>Yes</a:t>
+            </a:r>
+            <a:endParaRPr lang="ko-KR" altLang="en-US" sz="1000" dirty="0"/>
+          </a:p>
+        </p:txBody>
+      </p:sp>
+      <p:sp>
+        <p:nvSpPr>
+          <p:cNvPr id="232" name="TextBox 231"/>
+          <p:cNvSpPr txBox="1"/>
+          <p:nvPr/>
+        </p:nvSpPr>
+        <p:spPr>
+          <a:xfrm>
+            <a:off x="5326684" y="3481455"/>
+            <a:ext cx="360996" cy="246221"/>
+          </a:xfrm>
+          <a:prstGeom prst="rect">
+            <a:avLst/>
+          </a:prstGeom>
+          <a:noFill/>
+        </p:spPr>
+        <p:txBody>
+          <a:bodyPr wrap="none" rtlCol="0">
+            <a:spAutoFit/>
+          </a:bodyPr>
+          <a:lstStyle/>
+          <a:p>
+            <a:r>
+              <a:rPr lang="en-US" altLang="ko-KR" sz="1000" dirty="0" smtClean="0"/>
+              <a:t>Yes</a:t>
+            </a:r>
+            <a:endParaRPr lang="ko-KR" altLang="en-US" sz="1000" dirty="0"/>
+          </a:p>
+        </p:txBody>
+      </p:sp>
+      <p:sp>
+        <p:nvSpPr>
+          <p:cNvPr id="233" name="TextBox 232"/>
+          <p:cNvSpPr txBox="1"/>
+          <p:nvPr/>
+        </p:nvSpPr>
+        <p:spPr>
+          <a:xfrm>
+            <a:off x="5279984" y="2647011"/>
+            <a:ext cx="360996" cy="246221"/>
+          </a:xfrm>
+          <a:prstGeom prst="rect">
+            <a:avLst/>
+          </a:prstGeom>
+          <a:noFill/>
+        </p:spPr>
+        <p:txBody>
+          <a:bodyPr wrap="none" rtlCol="0">
+            <a:spAutoFit/>
+          </a:bodyPr>
+          <a:lstStyle/>
+          <a:p>
+            <a:r>
+              <a:rPr lang="en-US" altLang="ko-KR" sz="1000" dirty="0" smtClean="0"/>
+              <a:t>Yes</a:t>
+            </a:r>
+            <a:endParaRPr lang="ko-KR" altLang="en-US" sz="1000" dirty="0"/>
+          </a:p>
+        </p:txBody>
+      </p:sp>
+      <p:sp>
+        <p:nvSpPr>
+          <p:cNvPr id="234" name="TextBox 233"/>
+          <p:cNvSpPr txBox="1"/>
+          <p:nvPr/>
+        </p:nvSpPr>
+        <p:spPr>
+          <a:xfrm>
+            <a:off x="5305093" y="1825239"/>
+            <a:ext cx="360996" cy="246221"/>
+          </a:xfrm>
+          <a:prstGeom prst="rect">
+            <a:avLst/>
+          </a:prstGeom>
+          <a:noFill/>
+        </p:spPr>
+        <p:txBody>
+          <a:bodyPr wrap="none" rtlCol="0">
+            <a:spAutoFit/>
+          </a:bodyPr>
+          <a:lstStyle/>
+          <a:p>
+            <a:r>
+              <a:rPr lang="en-US" altLang="ko-KR" sz="1000" dirty="0" smtClean="0"/>
+              <a:t>Yes</a:t>
+            </a:r>
+            <a:endParaRPr lang="ko-KR" altLang="en-US" sz="1000" dirty="0"/>
+          </a:p>
+        </p:txBody>
+      </p:sp>
+      <p:sp>
+        <p:nvSpPr>
+          <p:cNvPr id="235" name="TextBox 234"/>
+          <p:cNvSpPr txBox="1"/>
+          <p:nvPr/>
+        </p:nvSpPr>
+        <p:spPr>
+          <a:xfrm>
+            <a:off x="5333476" y="1007637"/>
+            <a:ext cx="360996" cy="246221"/>
+          </a:xfrm>
+          <a:prstGeom prst="rect">
+            <a:avLst/>
+          </a:prstGeom>
+          <a:noFill/>
+        </p:spPr>
+        <p:txBody>
+          <a:bodyPr wrap="none" rtlCol="0">
+            <a:spAutoFit/>
+          </a:bodyPr>
+          <a:lstStyle/>
+          <a:p>
+            <a:r>
+              <a:rPr lang="en-US" altLang="ko-KR" sz="1000" dirty="0" smtClean="0"/>
+              <a:t>Yes</a:t>
+            </a:r>
+            <a:endParaRPr lang="ko-KR" altLang="en-US" sz="1000" dirty="0"/>
+          </a:p>
+        </p:txBody>
+      </p:sp>
+      <p:sp>
+        <p:nvSpPr>
+          <p:cNvPr id="236" name="TextBox 235"/>
+          <p:cNvSpPr txBox="1"/>
+          <p:nvPr/>
+        </p:nvSpPr>
+        <p:spPr>
+          <a:xfrm>
+            <a:off x="3955744" y="2973091"/>
+            <a:ext cx="360996" cy="246221"/>
+          </a:xfrm>
+          <a:prstGeom prst="rect">
+            <a:avLst/>
+          </a:prstGeom>
+          <a:noFill/>
+        </p:spPr>
+        <p:txBody>
+          <a:bodyPr wrap="none" rtlCol="0">
+            <a:spAutoFit/>
+          </a:bodyPr>
+          <a:lstStyle/>
+          <a:p>
+            <a:r>
+              <a:rPr lang="en-US" altLang="ko-KR" sz="1000" dirty="0" smtClean="0"/>
+              <a:t>Yes</a:t>
+            </a:r>
+            <a:endParaRPr lang="ko-KR" altLang="en-US" sz="1000" dirty="0"/>
+          </a:p>
+        </p:txBody>
+      </p:sp>
+      <p:sp>
+        <p:nvSpPr>
+          <p:cNvPr id="237" name="TextBox 236"/>
+          <p:cNvSpPr txBox="1"/>
+          <p:nvPr/>
+        </p:nvSpPr>
+        <p:spPr>
+          <a:xfrm>
+            <a:off x="3266363" y="3512769"/>
+            <a:ext cx="360996" cy="246221"/>
+          </a:xfrm>
+          <a:prstGeom prst="rect">
+            <a:avLst/>
+          </a:prstGeom>
+          <a:noFill/>
+        </p:spPr>
+        <p:txBody>
+          <a:bodyPr wrap="none" rtlCol="0">
+            <a:spAutoFit/>
+          </a:bodyPr>
+          <a:lstStyle/>
+          <a:p>
+            <a:r>
+              <a:rPr lang="en-US" altLang="ko-KR" sz="1000" dirty="0" smtClean="0"/>
+              <a:t>Yes</a:t>
+            </a:r>
+            <a:endParaRPr lang="ko-KR" altLang="en-US" sz="1000" dirty="0"/>
+          </a:p>
+        </p:txBody>
+      </p:sp>
+      <p:sp>
+        <p:nvSpPr>
+          <p:cNvPr id="238" name="TextBox 237"/>
+          <p:cNvSpPr txBox="1"/>
+          <p:nvPr/>
+        </p:nvSpPr>
+        <p:spPr>
+          <a:xfrm>
+            <a:off x="1869169" y="1073067"/>
+            <a:ext cx="335348" cy="246221"/>
+          </a:xfrm>
+          <a:prstGeom prst="rect">
+            <a:avLst/>
+          </a:prstGeom>
+          <a:noFill/>
+        </p:spPr>
+        <p:txBody>
+          <a:bodyPr wrap="none" rtlCol="0">
+            <a:spAutoFit/>
+          </a:bodyPr>
+          <a:lstStyle/>
+          <a:p>
+            <a:r>
+              <a:rPr lang="en-US" altLang="ko-KR" sz="1000" dirty="0" smtClean="0"/>
+              <a:t>No</a:t>
+            </a:r>
+            <a:endParaRPr lang="ko-KR" altLang="en-US" sz="1000" dirty="0"/>
+          </a:p>
+        </p:txBody>
+      </p:sp>
+      <p:sp>
+        <p:nvSpPr>
+          <p:cNvPr id="239" name="TextBox 238"/>
+          <p:cNvSpPr txBox="1"/>
+          <p:nvPr/>
+        </p:nvSpPr>
+        <p:spPr>
+          <a:xfrm>
+            <a:off x="1862645" y="1770370"/>
+            <a:ext cx="335348" cy="246221"/>
+          </a:xfrm>
+          <a:prstGeom prst="rect">
+            <a:avLst/>
+          </a:prstGeom>
+          <a:noFill/>
+        </p:spPr>
+        <p:txBody>
+          <a:bodyPr wrap="none" rtlCol="0">
+            <a:spAutoFit/>
+          </a:bodyPr>
+          <a:lstStyle/>
+          <a:p>
+            <a:r>
+              <a:rPr lang="en-US" altLang="ko-KR" sz="1000" dirty="0" smtClean="0"/>
+              <a:t>No</a:t>
+            </a:r>
+            <a:endParaRPr lang="ko-KR" altLang="en-US" sz="1000" dirty="0"/>
+          </a:p>
+        </p:txBody>
+      </p:sp>
+      <p:sp>
+        <p:nvSpPr>
+          <p:cNvPr id="240" name="TextBox 239"/>
+          <p:cNvSpPr txBox="1"/>
+          <p:nvPr/>
+        </p:nvSpPr>
+        <p:spPr>
+          <a:xfrm>
+            <a:off x="1875328" y="2528535"/>
+            <a:ext cx="335348" cy="246221"/>
+          </a:xfrm>
+          <a:prstGeom prst="rect">
+            <a:avLst/>
+          </a:prstGeom>
+          <a:noFill/>
+        </p:spPr>
+        <p:txBody>
+          <a:bodyPr wrap="none" rtlCol="0">
+            <a:spAutoFit/>
+          </a:bodyPr>
+          <a:lstStyle/>
+          <a:p>
+            <a:r>
+              <a:rPr lang="en-US" altLang="ko-KR" sz="1000" dirty="0" smtClean="0"/>
+              <a:t>No</a:t>
+            </a:r>
+            <a:endParaRPr lang="ko-KR" altLang="en-US" sz="1000" dirty="0"/>
+          </a:p>
+        </p:txBody>
+      </p:sp>
+      <p:sp>
+        <p:nvSpPr>
+          <p:cNvPr id="241" name="TextBox 240"/>
+          <p:cNvSpPr txBox="1"/>
+          <p:nvPr/>
+        </p:nvSpPr>
+        <p:spPr>
+          <a:xfrm>
+            <a:off x="3215915" y="2683460"/>
+            <a:ext cx="335348" cy="246221"/>
+          </a:xfrm>
+          <a:prstGeom prst="rect">
+            <a:avLst/>
+          </a:prstGeom>
+          <a:noFill/>
+        </p:spPr>
+        <p:txBody>
+          <a:bodyPr wrap="none" rtlCol="0">
+            <a:spAutoFit/>
+          </a:bodyPr>
+          <a:lstStyle/>
+          <a:p>
+            <a:r>
+              <a:rPr lang="en-US" altLang="ko-KR" sz="1000" dirty="0" smtClean="0"/>
+              <a:t>No</a:t>
+            </a:r>
+            <a:endParaRPr lang="ko-KR" altLang="en-US" sz="1000" dirty="0"/>
+          </a:p>
+        </p:txBody>
+      </p:sp>
+      <p:sp>
+        <p:nvSpPr>
+          <p:cNvPr id="242" name="TextBox 241"/>
+          <p:cNvSpPr txBox="1"/>
+          <p:nvPr/>
+        </p:nvSpPr>
+        <p:spPr>
+          <a:xfrm>
+            <a:off x="2287259" y="3796923"/>
+            <a:ext cx="335348" cy="246221"/>
+          </a:xfrm>
+          <a:prstGeom prst="rect">
+            <a:avLst/>
+          </a:prstGeom>
+          <a:noFill/>
+        </p:spPr>
+        <p:txBody>
+          <a:bodyPr wrap="none" rtlCol="0">
+            <a:spAutoFit/>
+          </a:bodyPr>
+          <a:lstStyle/>
+          <a:p>
+            <a:r>
+              <a:rPr lang="en-US" altLang="ko-KR" sz="1000" dirty="0" smtClean="0"/>
+              <a:t>No</a:t>
+            </a:r>
+            <a:endParaRPr lang="ko-KR" altLang="en-US" sz="1000" dirty="0"/>
+          </a:p>
+        </p:txBody>
+      </p:sp>
+      <p:sp>
+        <p:nvSpPr>
+          <p:cNvPr id="243" name="TextBox 242"/>
+          <p:cNvSpPr txBox="1"/>
+          <p:nvPr/>
+        </p:nvSpPr>
+        <p:spPr>
+          <a:xfrm>
+            <a:off x="1864640" y="4323336"/>
+            <a:ext cx="335348" cy="246221"/>
+          </a:xfrm>
+          <a:prstGeom prst="rect">
+            <a:avLst/>
+          </a:prstGeom>
+          <a:noFill/>
+        </p:spPr>
+        <p:txBody>
+          <a:bodyPr wrap="none" rtlCol="0">
+            <a:spAutoFit/>
+          </a:bodyPr>
+          <a:lstStyle/>
+          <a:p>
+            <a:r>
+              <a:rPr lang="en-US" altLang="ko-KR" sz="1000" dirty="0" smtClean="0"/>
+              <a:t>No</a:t>
+            </a:r>
+            <a:endParaRPr lang="ko-KR" altLang="en-US" sz="1000" dirty="0"/>
+          </a:p>
+        </p:txBody>
+      </p:sp>
+      <p:sp>
+        <p:nvSpPr>
+          <p:cNvPr id="244" name="TextBox 243"/>
+          <p:cNvSpPr txBox="1"/>
+          <p:nvPr/>
+        </p:nvSpPr>
+        <p:spPr>
+          <a:xfrm>
+            <a:off x="1887297" y="5077493"/>
+            <a:ext cx="335348" cy="246221"/>
+          </a:xfrm>
+          <a:prstGeom prst="rect">
+            <a:avLst/>
+          </a:prstGeom>
+          <a:noFill/>
+        </p:spPr>
+        <p:txBody>
+          <a:bodyPr wrap="none" rtlCol="0">
+            <a:spAutoFit/>
+          </a:bodyPr>
+          <a:lstStyle/>
+          <a:p>
+            <a:r>
+              <a:rPr lang="en-US" altLang="ko-KR" sz="1000" dirty="0" smtClean="0"/>
+              <a:t>No</a:t>
+            </a:r>
+            <a:endParaRPr lang="ko-KR" altLang="en-US" sz="1000" dirty="0"/>
+          </a:p>
+        </p:txBody>
+      </p:sp>
+      <p:sp>
+        <p:nvSpPr>
+          <p:cNvPr id="245" name="TextBox 244"/>
+          <p:cNvSpPr txBox="1"/>
+          <p:nvPr/>
+        </p:nvSpPr>
+        <p:spPr>
+          <a:xfrm>
+            <a:off x="1887297" y="5823760"/>
+            <a:ext cx="335348" cy="246221"/>
+          </a:xfrm>
+          <a:prstGeom prst="rect">
+            <a:avLst/>
+          </a:prstGeom>
+          <a:noFill/>
+        </p:spPr>
+        <p:txBody>
+          <a:bodyPr wrap="none" rtlCol="0">
+            <a:spAutoFit/>
+          </a:bodyPr>
+          <a:lstStyle/>
+          <a:p>
+            <a:r>
+              <a:rPr lang="en-US" altLang="ko-KR" sz="1000" dirty="0" smtClean="0"/>
+              <a:t>No</a:t>
+            </a:r>
+            <a:endParaRPr lang="ko-KR" altLang="en-US" sz="1000" dirty="0"/>
+          </a:p>
+        </p:txBody>
+      </p:sp>
+      <p:sp>
+        <p:nvSpPr>
+          <p:cNvPr id="246" name="TextBox 245"/>
+          <p:cNvSpPr txBox="1"/>
+          <p:nvPr/>
+        </p:nvSpPr>
+        <p:spPr>
+          <a:xfrm>
+            <a:off x="1862088" y="6557961"/>
+            <a:ext cx="335348" cy="246221"/>
+          </a:xfrm>
+          <a:prstGeom prst="rect">
+            <a:avLst/>
+          </a:prstGeom>
+          <a:noFill/>
+        </p:spPr>
+        <p:txBody>
+          <a:bodyPr wrap="none" rtlCol="0">
+            <a:spAutoFit/>
+          </a:bodyPr>
+          <a:lstStyle/>
+          <a:p>
+            <a:r>
+              <a:rPr lang="en-US" altLang="ko-KR" sz="1000" dirty="0" smtClean="0"/>
+              <a:t>No</a:t>
+            </a:r>
+            <a:endParaRPr lang="ko-KR" altLang="en-US" sz="1000" dirty="0"/>
+          </a:p>
+        </p:txBody>
+      </p:sp>
+      <p:sp>
+        <p:nvSpPr>
+          <p:cNvPr id="247" name="TextBox 246"/>
+          <p:cNvSpPr txBox="1"/>
+          <p:nvPr/>
+        </p:nvSpPr>
+        <p:spPr>
+          <a:xfrm>
+            <a:off x="1904090" y="7303742"/>
+            <a:ext cx="335348" cy="246221"/>
+          </a:xfrm>
+          <a:prstGeom prst="rect">
+            <a:avLst/>
+          </a:prstGeom>
+          <a:noFill/>
+        </p:spPr>
+        <p:txBody>
+          <a:bodyPr wrap="none" rtlCol="0">
+            <a:spAutoFit/>
+          </a:bodyPr>
+          <a:lstStyle/>
+          <a:p>
+            <a:r>
+              <a:rPr lang="en-US" altLang="ko-KR" sz="1000" dirty="0" smtClean="0"/>
+              <a:t>No</a:t>
+            </a:r>
+            <a:endParaRPr lang="ko-KR" altLang="en-US" sz="1000" dirty="0"/>
+          </a:p>
+        </p:txBody>
+      </p:sp>
+      <p:sp>
+        <p:nvSpPr>
+          <p:cNvPr id="248" name="TextBox 247"/>
+          <p:cNvSpPr txBox="1"/>
+          <p:nvPr/>
+        </p:nvSpPr>
+        <p:spPr>
+          <a:xfrm>
+            <a:off x="1904090" y="8347236"/>
+            <a:ext cx="335348" cy="246221"/>
+          </a:xfrm>
+          <a:prstGeom prst="rect">
+            <a:avLst/>
+          </a:prstGeom>
+          <a:noFill/>
+        </p:spPr>
+        <p:txBody>
+          <a:bodyPr wrap="none" rtlCol="0">
+            <a:spAutoFit/>
+          </a:bodyPr>
+          <a:lstStyle/>
+          <a:p>
+            <a:r>
+              <a:rPr lang="en-US" altLang="ko-KR" sz="1000" dirty="0" smtClean="0"/>
+              <a:t>No</a:t>
+            </a:r>
+            <a:endParaRPr lang="ko-KR" altLang="en-US" sz="1000" dirty="0"/>
+          </a:p>
+        </p:txBody>
+      </p:sp>
+      <p:sp>
+        <p:nvSpPr>
+          <p:cNvPr id="249" name="TextBox 248"/>
+          <p:cNvSpPr txBox="1"/>
+          <p:nvPr/>
+        </p:nvSpPr>
+        <p:spPr>
+          <a:xfrm>
+            <a:off x="6018728" y="5789555"/>
+            <a:ext cx="335348" cy="246221"/>
+          </a:xfrm>
+          <a:prstGeom prst="rect">
+            <a:avLst/>
+          </a:prstGeom>
+          <a:noFill/>
+        </p:spPr>
+        <p:txBody>
+          <a:bodyPr wrap="none" rtlCol="0">
+            <a:spAutoFit/>
+          </a:bodyPr>
+          <a:lstStyle/>
+          <a:p>
+            <a:r>
+              <a:rPr lang="en-US" altLang="ko-KR" sz="1000" dirty="0" smtClean="0"/>
+              <a:t>No</a:t>
+            </a:r>
+            <a:endParaRPr lang="ko-KR" altLang="en-US" sz="1000" dirty="0"/>
+          </a:p>
+        </p:txBody>
+      </p:sp>
+      <p:sp>
+        <p:nvSpPr>
+          <p:cNvPr id="250" name="TextBox 249"/>
+          <p:cNvSpPr txBox="1"/>
+          <p:nvPr/>
+        </p:nvSpPr>
+        <p:spPr>
+          <a:xfrm>
+            <a:off x="5975134" y="4614834"/>
+            <a:ext cx="335348" cy="246221"/>
+          </a:xfrm>
+          <a:prstGeom prst="rect">
+            <a:avLst/>
+          </a:prstGeom>
+          <a:noFill/>
+        </p:spPr>
+        <p:txBody>
+          <a:bodyPr wrap="none" rtlCol="0">
+            <a:spAutoFit/>
+          </a:bodyPr>
+          <a:lstStyle/>
+          <a:p>
+            <a:r>
+              <a:rPr lang="en-US" altLang="ko-KR" sz="1000" dirty="0" smtClean="0"/>
+              <a:t>No</a:t>
+            </a:r>
+            <a:endParaRPr lang="ko-KR" altLang="en-US" sz="1000" dirty="0"/>
+          </a:p>
+        </p:txBody>
+      </p:sp>
+      <p:sp>
+        <p:nvSpPr>
+          <p:cNvPr id="251" name="TextBox 250"/>
+          <p:cNvSpPr txBox="1"/>
+          <p:nvPr/>
+        </p:nvSpPr>
+        <p:spPr>
+          <a:xfrm>
+            <a:off x="6011633" y="3794206"/>
+            <a:ext cx="335348" cy="246221"/>
+          </a:xfrm>
+          <a:prstGeom prst="rect">
+            <a:avLst/>
+          </a:prstGeom>
+          <a:noFill/>
+        </p:spPr>
+        <p:txBody>
+          <a:bodyPr wrap="none" rtlCol="0">
+            <a:spAutoFit/>
+          </a:bodyPr>
+          <a:lstStyle/>
+          <a:p>
+            <a:r>
+              <a:rPr lang="en-US" altLang="ko-KR" sz="1000" dirty="0" smtClean="0"/>
+              <a:t>No</a:t>
+            </a:r>
+            <a:endParaRPr lang="ko-KR" altLang="en-US" sz="1000" dirty="0"/>
+          </a:p>
+        </p:txBody>
+      </p:sp>
+      <p:sp>
+        <p:nvSpPr>
+          <p:cNvPr id="252" name="TextBox 251"/>
+          <p:cNvSpPr txBox="1"/>
+          <p:nvPr/>
+        </p:nvSpPr>
+        <p:spPr>
+          <a:xfrm>
+            <a:off x="6001812" y="2962221"/>
+            <a:ext cx="335348" cy="246221"/>
+          </a:xfrm>
+          <a:prstGeom prst="rect">
+            <a:avLst/>
+          </a:prstGeom>
+          <a:noFill/>
+        </p:spPr>
+        <p:txBody>
+          <a:bodyPr wrap="none" rtlCol="0">
+            <a:spAutoFit/>
+          </a:bodyPr>
+          <a:lstStyle/>
+          <a:p>
+            <a:r>
+              <a:rPr lang="en-US" altLang="ko-KR" sz="1000" dirty="0" smtClean="0"/>
+              <a:t>No</a:t>
+            </a:r>
+            <a:endParaRPr lang="ko-KR" altLang="en-US" sz="1000" dirty="0"/>
+          </a:p>
+        </p:txBody>
+      </p:sp>
+      <p:sp>
+        <p:nvSpPr>
+          <p:cNvPr id="253" name="TextBox 252"/>
+          <p:cNvSpPr txBox="1"/>
+          <p:nvPr/>
+        </p:nvSpPr>
+        <p:spPr>
+          <a:xfrm>
+            <a:off x="6004021" y="2156317"/>
+            <a:ext cx="335348" cy="246221"/>
+          </a:xfrm>
+          <a:prstGeom prst="rect">
+            <a:avLst/>
+          </a:prstGeom>
+          <a:noFill/>
+        </p:spPr>
+        <p:txBody>
+          <a:bodyPr wrap="none" rtlCol="0">
+            <a:spAutoFit/>
+          </a:bodyPr>
+          <a:lstStyle/>
+          <a:p>
+            <a:r>
+              <a:rPr lang="en-US" altLang="ko-KR" sz="1000" dirty="0" smtClean="0"/>
+              <a:t>No</a:t>
+            </a:r>
+            <a:endParaRPr lang="ko-KR" altLang="en-US" sz="1000" dirty="0"/>
+          </a:p>
+        </p:txBody>
+      </p:sp>
+      <p:sp>
+        <p:nvSpPr>
+          <p:cNvPr id="254" name="TextBox 253"/>
+          <p:cNvSpPr txBox="1"/>
+          <p:nvPr/>
+        </p:nvSpPr>
+        <p:spPr>
+          <a:xfrm>
+            <a:off x="5993301" y="1314322"/>
+            <a:ext cx="335348" cy="246221"/>
+          </a:xfrm>
+          <a:prstGeom prst="rect">
+            <a:avLst/>
+          </a:prstGeom>
+          <a:noFill/>
+        </p:spPr>
+        <p:txBody>
+          <a:bodyPr wrap="none" rtlCol="0">
+            <a:spAutoFit/>
+          </a:bodyPr>
+          <a:lstStyle/>
+          <a:p>
+            <a:r>
+              <a:rPr lang="en-US" altLang="ko-KR" sz="1000" dirty="0" smtClean="0"/>
+              <a:t>No</a:t>
+            </a:r>
+            <a:endParaRPr lang="ko-KR" altLang="en-US" sz="1000" dirty="0"/>
+          </a:p>
+        </p:txBody>
+      </p:sp>
+      <p:sp>
+        <p:nvSpPr>
+          <p:cNvPr id="255" name="TextBox 254"/>
+          <p:cNvSpPr txBox="1"/>
+          <p:nvPr/>
+        </p:nvSpPr>
+        <p:spPr>
+          <a:xfrm>
+            <a:off x="3223384" y="4351660"/>
+            <a:ext cx="1375698" cy="2246769"/>
+          </a:xfrm>
+          <a:prstGeom prst="rect">
+            <a:avLst/>
+          </a:prstGeom>
+          <a:noFill/>
+        </p:spPr>
+        <p:txBody>
+          <a:bodyPr wrap="none" rtlCol="0">
+            <a:spAutoFit/>
+          </a:bodyPr>
+          <a:lstStyle/>
+          <a:p>
+            <a:r>
+              <a:rPr lang="ko-KR" altLang="en-US" sz="1000" b="1" dirty="0" smtClean="0"/>
+              <a:t>설정가능변수</a:t>
+            </a:r>
+            <a:endParaRPr lang="en-US" altLang="ko-KR" sz="1000" b="1" dirty="0" smtClean="0"/>
+          </a:p>
+          <a:p>
+            <a:endParaRPr lang="en-US" altLang="ko-KR" sz="1000" dirty="0" smtClean="0"/>
+          </a:p>
+          <a:p>
+            <a:r>
+              <a:rPr lang="ko-KR" altLang="en-US" sz="1000" b="1" dirty="0" smtClean="0"/>
+              <a:t>잔여 </a:t>
+            </a:r>
+            <a:r>
+              <a:rPr lang="en-US" altLang="ko-KR" sz="1000" b="1" dirty="0" smtClean="0"/>
+              <a:t>shot</a:t>
+            </a:r>
+            <a:br>
+              <a:rPr lang="en-US" altLang="ko-KR" sz="1000" b="1" dirty="0" smtClean="0"/>
+            </a:br>
+            <a:r>
+              <a:rPr lang="en-US" altLang="ko-KR" sz="1000" dirty="0" smtClean="0"/>
+              <a:t>- x_1, x_2, x_3</a:t>
+            </a:r>
+          </a:p>
+          <a:p>
+            <a:r>
+              <a:rPr lang="ko-KR" altLang="en-US" sz="1000" b="1" dirty="0" smtClean="0"/>
+              <a:t>수율</a:t>
+            </a:r>
+            <a:r>
+              <a:rPr lang="en-US" altLang="ko-KR" sz="1000" dirty="0" smtClean="0"/>
+              <a:t/>
+            </a:r>
+            <a:br>
+              <a:rPr lang="en-US" altLang="ko-KR" sz="1000" dirty="0" smtClean="0"/>
+            </a:br>
+            <a:r>
+              <a:rPr lang="en-US" altLang="ko-KR" sz="1000" dirty="0" smtClean="0"/>
+              <a:t>- y_1, y_2, y_3</a:t>
+            </a:r>
+          </a:p>
+          <a:p>
+            <a:r>
+              <a:rPr lang="en-US" altLang="ko-KR" sz="1000" b="1" dirty="0" smtClean="0"/>
+              <a:t>Area </a:t>
+            </a:r>
+            <a:r>
+              <a:rPr lang="ko-KR" altLang="en-US" sz="1000" b="1" dirty="0" smtClean="0"/>
+              <a:t>내 </a:t>
+            </a:r>
+            <a:r>
+              <a:rPr lang="en-US" altLang="ko-KR" sz="1000" b="1" dirty="0" err="1" smtClean="0"/>
+              <a:t>Int</a:t>
+            </a:r>
+            <a:r>
+              <a:rPr lang="en-US" altLang="ko-KR" sz="1000" b="1" dirty="0" smtClean="0"/>
+              <a:t>/</a:t>
+            </a:r>
+            <a:r>
+              <a:rPr lang="en-US" altLang="ko-KR" sz="1000" b="1" dirty="0" err="1" smtClean="0"/>
+              <a:t>Wp</a:t>
+            </a:r>
+            <a:r>
+              <a:rPr lang="en-US" altLang="ko-KR" sz="1000" b="1" dirty="0" smtClean="0"/>
+              <a:t> </a:t>
+            </a:r>
+            <a:r>
+              <a:rPr lang="ko-KR" altLang="en-US" sz="1000" b="1" dirty="0" smtClean="0"/>
+              <a:t>산포</a:t>
+            </a:r>
+            <a:r>
+              <a:rPr lang="en-US" altLang="ko-KR" sz="1000" dirty="0" smtClean="0"/>
+              <a:t/>
+            </a:r>
+            <a:br>
+              <a:rPr lang="en-US" altLang="ko-KR" sz="1000" dirty="0" smtClean="0"/>
+            </a:br>
+            <a:r>
+              <a:rPr lang="en-US" altLang="ko-KR" sz="1000" dirty="0" smtClean="0"/>
+              <a:t>- </a:t>
+            </a:r>
+            <a:r>
+              <a:rPr lang="en-US" altLang="ko-KR" sz="1000" dirty="0" err="1" smtClean="0"/>
+              <a:t>Int</a:t>
             </a:r>
             <a:r>
               <a:rPr lang="en-US" altLang="ko-KR" sz="1000" dirty="0" smtClean="0"/>
@@ -3081,76 +9190,113 @@
             </a:r>
             <a:r>
               <a:rPr lang="en-US" altLang="ko-KR" sz="1000" dirty="0" err="1" smtClean="0"/>
-              <a:t>Read_only</a:t>
+              <a:t>Wp_std_standard</a:t>
+            </a:r>
+            <a:endParaRPr lang="en-US" altLang="ko-KR" sz="1000" dirty="0" smtClean="0"/>
+          </a:p>
+          <a:p>
+            <a:r>
+              <a:rPr lang="en-US" altLang="ko-KR" sz="1000" b="1" dirty="0" smtClean="0"/>
+              <a:t>Area </a:t>
+            </a:r>
+            <a:r>
+              <a:rPr lang="ko-KR" altLang="en-US" sz="1000" b="1" dirty="0" smtClean="0"/>
+              <a:t>간 </a:t>
+            </a:r>
+            <a:r>
+              <a:rPr lang="en-US" altLang="ko-KR" sz="1000" b="1" dirty="0" err="1" smtClean="0"/>
+              <a:t>Int</a:t>
+            </a:r>
+            <a:r>
+              <a:rPr lang="en-US" altLang="ko-KR" sz="1000" b="1" dirty="0" smtClean="0"/>
+              <a:t>/</a:t>
+            </a:r>
+            <a:r>
+              <a:rPr lang="en-US" altLang="ko-KR" sz="1000" b="1" dirty="0" err="1" smtClean="0"/>
+              <a:t>Wp</a:t>
+            </a:r>
+            <a:r>
+              <a:rPr lang="en-US" altLang="ko-KR" sz="1000" b="1" dirty="0" smtClean="0"/>
+              <a:t> </a:t>
+            </a:r>
+            <a:r>
+              <a:rPr lang="ko-KR" altLang="en-US" sz="1000" b="1" dirty="0" smtClean="0"/>
+              <a:t>산포</a:t>
             </a:r>
             <a:r>
               <a:rPr lang="en-US" altLang="ko-KR" sz="1000" dirty="0"/>
-              <a:t> </a:t>
-            </a:r>
-            <a:r>
-              <a:rPr lang="ko-KR" altLang="en-US" sz="1000" dirty="0" smtClean="0"/>
-              <a:t>설정</a:t>
+              <a:t/>
+            </a:r>
+            <a:br>
+              <a:rPr lang="en-US" altLang="ko-KR" sz="1000" dirty="0"/>
+            </a:br>
+            <a:r>
+              <a:rPr lang="en-US" altLang="ko-KR" sz="1000" dirty="0" smtClean="0"/>
+              <a:t>- </a:t>
+            </a:r>
+            <a:r>
+              <a:rPr lang="en-US" altLang="ko-KR" sz="1000" dirty="0" err="1" smtClean="0"/>
+              <a:t>Int</a:t>
+            </a:r>
+            <a:r>
+              <a:rPr lang="en-US" altLang="ko-KR" sz="1000" dirty="0" smtClean="0"/>
+              <a:t>/</a:t>
+            </a:r>
+            <a:r>
+              <a:rPr lang="en-US" altLang="ko-KR" sz="1000" dirty="0" err="1" smtClean="0"/>
+              <a:t>Wp_standard</a:t>
             </a:r>
             <a:endParaRPr lang="en-US" altLang="ko-KR" sz="1000" dirty="0" smtClean="0"/>
           </a:p>
           <a:p>
             <a:r>
+              <a:rPr lang="en-US" altLang="ko-KR" sz="1000" b="1" dirty="0" smtClean="0"/>
+              <a:t>Module </a:t>
+            </a:r>
+            <a:r>
+              <a:rPr lang="ko-KR" altLang="en-US" sz="1000" b="1" dirty="0" smtClean="0"/>
+              <a:t>분량</a:t>
+            </a:r>
+            <a:endParaRPr lang="en-US" altLang="ko-KR" sz="1000" b="1" dirty="0" smtClean="0"/>
+          </a:p>
+          <a:p>
+            <a:r>
               <a:rPr lang="en-US" altLang="ko-KR" sz="1000" dirty="0" smtClean="0"/>
-              <a:t>2. Folder </a:t>
-            </a:r>
-            <a:r>
-              <a:rPr lang="ko-KR" altLang="en-US" sz="1000" dirty="0" smtClean="0"/>
-              <a:t>별 정리</a:t>
-            </a:r>
-            <a:r>
-              <a:rPr lang="en-US" altLang="ko-KR" sz="1000" dirty="0"/>
-              <a:t> </a:t>
-            </a:r>
+              <a:t>- </a:t>
+            </a:r>
+            <a:r>
+              <a:rPr lang="en-US" altLang="ko-KR" sz="1000" dirty="0" err="1" smtClean="0"/>
+              <a:t>No_module</a:t>
+            </a:r>
+            <a:endParaRPr lang="en-US" altLang="ko-KR" sz="1000" dirty="0" smtClean="0"/>
+          </a:p>
+          <a:p>
+            <a:r>
+              <a:rPr lang="en-US" altLang="ko-KR" sz="1000" b="1" dirty="0" smtClean="0"/>
+              <a:t>Wafer </a:t>
+            </a:r>
+            <a:r>
+              <a:rPr lang="ko-KR" altLang="en-US" sz="1000" b="1" dirty="0" smtClean="0"/>
+              <a:t>내 </a:t>
+            </a:r>
+            <a:r>
+              <a:rPr lang="en-US" altLang="ko-KR" sz="1000" b="1" dirty="0" smtClean="0"/>
+              <a:t>area </a:t>
+            </a:r>
+            <a:r>
+              <a:rPr lang="ko-KR" altLang="en-US" sz="1000" b="1" dirty="0" smtClean="0"/>
+              <a:t>수</a:t>
+            </a:r>
+            <a:endParaRPr lang="en-US" altLang="ko-KR" sz="1000" b="1" dirty="0" smtClean="0"/>
           </a:p>
           <a:p>
             <a:r>
               <a:rPr lang="en-US" altLang="ko-KR" sz="1000" dirty="0" smtClean="0"/>
-              <a:t>   Chip PL: \</a:t>
+              <a:t>- </a:t>
             </a:r>
             <a:r>
               <a:rPr lang="en-US" altLang="ko-KR" sz="1000" dirty="0" err="1" smtClean="0"/>
-              <a:t>Raw_data</a:t>
-            </a:r>
-            <a:r>
-              <a:rPr lang="en-US" altLang="ko-KR" sz="1000" dirty="0" smtClean="0"/>
-              <a:t>\Color\Date\Wafer_Number.csv</a:t>
-            </a:r>
-          </a:p>
-          <a:p>
-            <a:r>
-              <a:rPr lang="en-US" altLang="ko-KR" sz="1000" dirty="0" smtClean="0"/>
-              <a:t>   Epi PL  : \</a:t>
-            </a:r>
-            <a:r>
-              <a:rPr lang="en-US" altLang="ko-KR" sz="1000" dirty="0" err="1" smtClean="0"/>
-              <a:t>Raw_data</a:t>
-            </a:r>
-            <a:r>
-              <a:rPr lang="en-US" altLang="ko-KR" sz="1000" dirty="0" smtClean="0"/>
-              <a:t>\Color\Date\Wafer_Number.dat</a:t>
-            </a:r>
-          </a:p>
-          <a:p>
-            <a:r>
-              <a:rPr lang="en-US" altLang="ko-KR" sz="1000" dirty="0" smtClean="0"/>
-              <a:t>   AOI     : \</a:t>
-            </a:r>
-            <a:r>
-              <a:rPr lang="en-US" altLang="ko-KR" sz="1000" dirty="0" err="1" smtClean="0"/>
-              <a:t>Raw_data</a:t>
-            </a:r>
-            <a:r>
-              <a:rPr lang="en-US" altLang="ko-KR" sz="1000" dirty="0" smtClean="0"/>
-              <a:t>\Color\Date\</a:t>
-            </a:r>
-            <a:r>
-              <a:rPr lang="en-US" altLang="ko-KR" sz="1000" dirty="0" err="1" smtClean="0"/>
-              <a:t>Wafer_Number.AOI</a:t>
+              <a:t>No_area</a:t>
             </a:r>
             <a:endParaRPr lang="ko-KR" altLang="en-US" sz="1000" dirty="0"/>
           </a:p>
@@ -3159,17 +9305,285 @@
     </p:spTree>
     <p:extLst>
       <p:ext uri="{BB962C8B-B14F-4D97-AF65-F5344CB8AC3E}">
-        <p14:creationId xmlns:p14="http://schemas.microsoft.com/office/powerpoint/2010/main" val="4051618574"/>
+        <p14:creationId xmlns:p14="http://schemas.microsoft.com/office/powerpoint/2010/main" val="3220145870"/>
       </p:ext>
     </p:extLst>
   </p:cSld>
   <p:clrMapOvr>
     <a:masterClrMapping/>
   </p:clrMapOvr>
+  <p:timing>
+    <p:tnLst>
+      <p:par>
+        <p:cTn id="1" dur="indefinite" restart="never" nodeType="tmRoot"/>
+      </p:par>
+    </p:tnLst>
+  </p:timing>
 </p:sld>
 </file>
 
 <file path=ppt/theme/theme1.xml><?xml version="1.0" encoding="utf-8"?>
+<a:theme xmlns:a="http://schemas.openxmlformats.org/drawingml/2006/main" name="Office 테마">
+  <a:themeElements>
+    <a:clrScheme name="Office 테마">
+      <a:dk1>
+        <a:sysClr val="windowText" lastClr="000000"/>
+      </a:dk1>
+      <a:lt1>
+        <a:sysClr val="window" lastClr="FFFFFF"/>
+      </a:lt1>
+      <a:dk2>
+        <a:srgbClr val="44546A"/>
+      </a:dk2>
+      <a:lt2>
+        <a:srgbClr val="E7E6E6"/>
+      </a:lt2>
+      <a:accent1>
+        <a:srgbClr val="5B9BD5"/>
+      </a:accent1>
+      <a:accent2>
+        <a:srgbClr val="ED7D31"/>
+      </a:accent2>
+      <a:accent3>
+        <a:srgbClr val="A5A5A5"/>
+      </a:accent3>
+      <a:accent4>
+        <a:srgbClr val="FFC000"/>
+      </a:accent4>
+      <a:accent5>
+        <a:srgbClr val="4472C4"/>
+      </a:accent5>
+      <a:accent6>
+        <a:srgbClr val="70AD47"/>
+      </a:accent6>
+      <a:hlink>
+        <a:srgbClr val="0563C1"/>
+      </a:hlink>
+      <a:folHlink>
+        <a:srgbClr val="954F72"/>
+      </a:folHlink>
+    </a:clrScheme>
+    <a:fontScheme name="Office 테마">
+      <a:majorFont>
+        <a:latin typeface="Calibri Light" panose="020F0302020204030204"/>
+        <a:ea typeface=""/>
+        <a:cs typeface=""/>
+        <a:font script="Jpan" typeface="ＭＳ Ｐゴシック"/>
+        <a:font script="Hang" typeface="맑은 고딕"/>
+        <a:font script="Hans" typeface="宋体"/>
+        <a:font script="Hant" typeface="新細明體"/>
+        <a:font script="Arab" typeface="Times New Roman"/>
+        <a:font script="Hebr" typeface="Times New Roman"/>
+        <a:font script="Thai" typeface="Angsana New"/>
+        <a:font script="Ethi" typeface="Nyala"/>
+        <a:font script="Beng" typeface="Vrinda"/>
+        <a:font script="Gujr" typeface="Shruti"/>
+        <a:font script="Khmr" typeface="MoolBoran"/>
+        <a:font script="Knda" typeface="Tunga"/>
+        <a:font script="Guru" typeface="Raavi"/>
+        <a:font script="Cans" typeface="Euphemia"/>
+        <a:font script="Cher" typeface="Plantagenet Cherokee"/>
+        <a:font script="Yiii" typeface="Microsoft Yi Baiti"/>
+        <a:font script="Tibt" typeface="Microsoft Himalaya"/>
+        <a:font script="Thaa" typeface="MV Boli"/>
+        <a:font script="Deva" typeface="Mangal"/>
+        <a:font script="Telu" typeface="Gautami"/>
+        <a:font script="Taml" typeface="Latha"/>
+        <a:font script="Syrc" typeface="Estrangelo Edessa"/>
+        <a:font script="Orya" typeface="Kalinga"/>
+        <a:font script="Mlym" typeface="Kartika"/>
+        <a:font script="Laoo" typeface="DokChampa"/>
+        <a:font script="Sinh" typeface="Iskoola Pota"/>
+        <a:font script="Mong" typeface="Mongolian Baiti"/>
+        <a:font script="Viet" typeface="Times New Roman"/>
+        <a:font script="Uigh" typeface="Microsoft Uighur"/>
+        <a:font script="Geor" typeface="Sylfaen"/>
+      </a:majorFont>
+      <a:minorFont>
+        <a:latin typeface="Calibri" panose="020F0502020204030204"/>
+        <a:ea typeface=""/>
+        <a:cs typeface=""/>
+        <a:font script="Jpan" typeface="ＭＳ Ｐゴシック"/>
+        <a:font script="Hang" typeface="맑은 고딕"/>
+        <a:font script="Hans" typeface="宋体"/>
+        <a:font script="Hant" typeface="新細明體"/>
+        <a:font script="Arab" typeface="Arial"/>
+        <a:font script="Hebr" typeface="Arial"/>
+        <a:font script="Thai" typeface="Cordia New"/>
+        <a:font script="Ethi" typeface="Nyala"/>
+        <a:font script="Beng" typeface="Vrinda"/>
+        <a:font script="Gujr" typeface="Shruti"/>
+        <a:font script="Khmr" typeface="DaunPenh"/>
+        <a:font script="Knda" typeface="Tunga"/>
+        <a:font script="Guru" typeface="Raavi"/>
+        <a:font script="Cans" typeface="Euphemia"/>
+        <a:font script="Cher" typeface="Plantagenet Cherokee"/>
+        <a:font script="Yiii" typeface="Microsoft Yi Baiti"/>
+        <a:font script="Tibt" typeface="Microsoft Himalaya"/>
+        <a:font script="Thaa" typeface="MV Boli"/>
+        <a:font script="Deva" typeface="Mangal"/>
+        <a:font script="Telu" typeface="Gautami"/>
+        <a:font script="Taml" typeface="Latha"/>
+        <a:font script="Syrc" typeface="Estrangelo Edessa"/>
+        <a:font script="Orya" typeface="Kalinga"/>
+        <a:font script="Mlym" typeface="Kartika"/>
+        <a:font script="Laoo" typeface="DokChampa"/>
+        <a:font script="Sinh" typeface="Iskoola Pota"/>
+        <a:font script="Mong" typeface="Mongolian Baiti"/>
+        <a:font script="Viet" typeface="Arial"/>
+        <a:font script="Uigh" typeface="Microsoft Uighur"/>
+        <a:font script="Geor" typeface="Sylfaen"/>
+      </a:minorFont>
+    </a:fontScheme>
+    <a:fmtScheme name="Office 테마">
+      <a:fillStyleLst>
+        <a:solidFill>
+          <a:schemeClr val="phClr"/>
+        </a:solidFill>
+        <a:gradFill rotWithShape="1">
+          <a:gsLst>
+            <a:gs pos="0">
+              <a:schemeClr val="phClr">
+                <a:lumMod val="110000"/>
+                <a:satMod val="105000"/>
+                <a:tint val="67000"/>
+              </a:schemeClr>
+            </a:gs>
+            <a:gs pos="50000">
+              <a:schemeClr val="phClr">
+                <a:lumMod val="105000"/>
+                <a:satMod val="103000"/>
+                <a:tint val="73000"/>
+              </a:schemeClr>
+            </a:gs>
+            <a:gs pos="100000">
+              <a:schemeClr val="phClr">
+                <a:lumMod val="105000"/>
+                <a:satMod val="109000"/>
+                <a:tint val="81000"/>
+              </a:schemeClr>
+            </a:gs>
+          </a:gsLst>
+          <a:lin ang="5400000" scaled="0"/>
+        </a:gradFill>
+        <a:gradFill rotWithShape="1">
+          <a:gsLst>
+            <a:gs pos="0">
+              <a:schemeClr val="phClr">
+                <a:satMod val="103000"/>
+                <a:lumMod val="102000"/>
+                <a:tint val="94000"/>
+              </a:schemeClr>
+            </a:gs>
+            <a:gs pos="50000">
+              <a:schemeClr val="phClr">
+                <a:satMod val="110000"/>
+                <a:lumMod val="100000"/>
+                <a:shade val="100000"/>
+              </a:schemeClr>
+            </a:gs>
+            <a:gs pos="100000">
+              <a:schemeClr val="phClr">
+                <a:lumMod val="99000"/>
+                <a:satMod val="120000"/>
+                <a:shade val="78000"/>
+              </a:schemeClr>
+            </a:gs>
+          </a:gsLst>
+          <a:lin ang="5400000" scaled="0"/>
+        </a:gradFill>
+      </a:fillStyleLst>
+      <a:lnStyleLst>
+        <a:ln w="6350" cap="flat" cmpd="sng" algn="ctr">
+          <a:solidFill>
+            <a:schemeClr val="phClr"/>
+          </a:solidFill>
+          <a:prstDash val="solid"/>
+          <a:miter lim="800000"/>
+        </a:ln>
+        <a:ln w="12700" cap="flat" cmpd="sng" algn="ctr">
+          <a:solidFill>
+            <a:schemeClr val="phClr"/>
+          </a:solidFill>
+          <a:prstDash val="solid"/>
+          <a:miter lim="800000"/>
+        </a:ln>
+        <a:ln w="19050" cap="flat" cmpd="sng" algn="ctr">
+          <a:solidFill>
+            <a:schemeClr val="phClr"/>
+          </a:solidFill>
+          <a:prstDash val="solid"/>
+          <a:miter lim="800000"/>
+        </a:ln>
+      </a:lnStyleLst>
+      <a:effectStyleLst>
+        <a:effectStyle>
+          <a:effectLst/>
+        </a:effectStyle>
+        <a:effectStyle>
+          <a:effectLst/>
+        </a:effectStyle>
+        <a:effectStyle>
+          <a:effectLst>
+            <a:outerShdw blurRad="57150" dist="19050" dir="5400000" algn="ctr" rotWithShape="0">
+              <a:srgbClr val="000000">
+                <a:alpha val="63000"/>
+              </a:srgbClr>
+            </a:outerShdw>
+          </a:effectLst>
+        </a:effectStyle>
+      </a:effectStyleLst>
+      <a:bgFillStyleLst>
+        <a:solidFill>
+          <a:schemeClr val="phClr"/>
+        </a:solidFill>
+        <a:solidFill>
+          <a:schemeClr val="phClr">
+            <a:tint val="95000"/>
+            <a:satMod val="170000"/>
+          </a:schemeClr>
+        </a:solidFill>
+        <a:gradFill rotWithShape="1">
+          <a:gsLst>
+            <a:gs pos="0">
+              <a:schemeClr val="phClr">
+                <a:tint val="93000"/>
+                <a:satMod val="150000"/>
+                <a:shade val="98000"/>
+                <a:lumMod val="102000"/>
+              </a:schemeClr>
+            </a:gs>
+            <a:gs pos="50000">
+              <a:schemeClr val="phClr">
+                <a:tint val="98000"/>
+                <a:satMod val="130000"/>
+                <a:shade val="90000"/>
+                <a:lumMod val="103000"/>
+              </a:schemeClr>
+            </a:gs>
+            <a:gs pos="100000">
+              <a:schemeClr val="phClr">
+                <a:shade val="63000"/>
+                <a:satMod val="120000"/>
+              </a:schemeClr>
+            </a:gs>
+          </a:gsLst>
+          <a:lin ang="5400000" scaled="0"/>
+        </a:gradFill>
+      </a:bgFillStyleLst>
+    </a:fmtScheme>
+  </a:themeElements>
+  <a:objectDefaults/>
+  <a:extraClrSchemeLst/>
+  <a:extLst>
+    <a:ext uri="{05A4C25C-085E-4340-85A3-A5531E510DB2}">
+      <thm15:themeFamily xmlns:thm15="http://schemas.microsoft.com/office/thememl/2012/main" name="Office Theme" id="{62F939B6-93AF-4DB8-9C6B-D6C7DFDC589F}" vid="{4A3C46E8-61CC-4603-A589-7422A47A8E4A}"/>
+    </a:ext>
+  </a:extLst>
+</a:theme>
+</file>
+
+<file path=ppt/theme/theme2.xml><?xml version="1.0" encoding="utf-8"?>
 <a:theme xmlns:a="http://schemas.openxmlformats.org/drawingml/2006/main" name="Office 테마">
   <a:themeElements>
     <a:clrScheme name="Office">
@@ -3215,9 +9629,9 @@
         <a:latin typeface="맑은 고딕" panose="020F0302020204030204"/>
         <a:ea typeface=""/>
         <a:cs typeface=""/>
-        <a:font script="Jpan" typeface="游ゴシック Light"/>
+        <a:font script="Jpan" typeface="ＭＳ Ｐゴシック"/>
         <a:font script="Hang" typeface="맑은 고딕"/>
-        <a:font script="Hans" typeface="等线 Light"/>
+        <a:font script="Hans" typeface="宋体"/>
         <a:font script="Hant" typeface="新細明體"/>
         <a:font script="Arab" typeface="Times New Roman"/>
         <a:font script="Hebr" typeface="Times New Roman"/>
@@ -3250,9 +9664,9 @@
         <a:latin typeface="맑은 고딕" panose="020F0502020204030204"/>
         <a:ea typeface=""/>
         <a:cs typeface=""/>
-        <a:font script="Jpan" typeface="游ゴシック"/>
+        <a:font script="Jpan" typeface="ＭＳ Ｐゴシック"/>
         <a:font script="Hang" typeface="맑은 고딕"/>
-        <a:font script="Hans" typeface="等线"/>
+        <a:font script="Hans" typeface="宋体"/>
         <a:font script="Hant" typeface="新細明體"/>
         <a:font script="Arab" typeface="Arial"/>
         <a:font script="Hebr" typeface="Arial"/>
